--- a/ml19/week1/ML_Ch1_v1.2.pptx
+++ b/ml19/week1/ML_Ch1_v1.2.pptx
@@ -5,62 +5,64 @@
     <p:sldMasterId id="2147483648" r:id="rId1"/>
   </p:sldMasterIdLst>
   <p:notesMasterIdLst>
-    <p:notesMasterId r:id="rId52"/>
+    <p:notesMasterId r:id="rId54"/>
   </p:notesMasterIdLst>
   <p:handoutMasterIdLst>
-    <p:handoutMasterId r:id="rId53"/>
+    <p:handoutMasterId r:id="rId55"/>
   </p:handoutMasterIdLst>
   <p:sldIdLst>
-    <p:sldId id="256" r:id="rId2"/>
-    <p:sldId id="347" r:id="rId3"/>
-    <p:sldId id="261" r:id="rId4"/>
-    <p:sldId id="312" r:id="rId5"/>
-    <p:sldId id="315" r:id="rId6"/>
-    <p:sldId id="313" r:id="rId7"/>
-    <p:sldId id="318" r:id="rId8"/>
-    <p:sldId id="327" r:id="rId9"/>
-    <p:sldId id="319" r:id="rId10"/>
-    <p:sldId id="314" r:id="rId11"/>
-    <p:sldId id="320" r:id="rId12"/>
-    <p:sldId id="300" r:id="rId13"/>
-    <p:sldId id="284" r:id="rId14"/>
-    <p:sldId id="322" r:id="rId15"/>
-    <p:sldId id="323" r:id="rId16"/>
-    <p:sldId id="324" r:id="rId17"/>
-    <p:sldId id="325" r:id="rId18"/>
-    <p:sldId id="326" r:id="rId19"/>
-    <p:sldId id="332" r:id="rId20"/>
-    <p:sldId id="321" r:id="rId21"/>
-    <p:sldId id="329" r:id="rId22"/>
-    <p:sldId id="328" r:id="rId23"/>
-    <p:sldId id="335" r:id="rId24"/>
-    <p:sldId id="330" r:id="rId25"/>
-    <p:sldId id="334" r:id="rId26"/>
-    <p:sldId id="264" r:id="rId27"/>
-    <p:sldId id="292" r:id="rId28"/>
-    <p:sldId id="265" r:id="rId29"/>
-    <p:sldId id="280" r:id="rId30"/>
-    <p:sldId id="278" r:id="rId31"/>
-    <p:sldId id="340" r:id="rId32"/>
-    <p:sldId id="344" r:id="rId33"/>
-    <p:sldId id="279" r:id="rId34"/>
-    <p:sldId id="266" r:id="rId35"/>
-    <p:sldId id="341" r:id="rId36"/>
-    <p:sldId id="342" r:id="rId37"/>
-    <p:sldId id="270" r:id="rId38"/>
-    <p:sldId id="269" r:id="rId39"/>
-    <p:sldId id="268" r:id="rId40"/>
-    <p:sldId id="272" r:id="rId41"/>
-    <p:sldId id="273" r:id="rId42"/>
-    <p:sldId id="274" r:id="rId43"/>
-    <p:sldId id="275" r:id="rId44"/>
-    <p:sldId id="267" r:id="rId45"/>
-    <p:sldId id="276" r:id="rId46"/>
-    <p:sldId id="277" r:id="rId47"/>
-    <p:sldId id="338" r:id="rId48"/>
-    <p:sldId id="336" r:id="rId49"/>
-    <p:sldId id="339" r:id="rId50"/>
-    <p:sldId id="345" r:id="rId51"/>
+    <p:sldId id="348" r:id="rId2"/>
+    <p:sldId id="349" r:id="rId3"/>
+    <p:sldId id="256" r:id="rId4"/>
+    <p:sldId id="347" r:id="rId5"/>
+    <p:sldId id="261" r:id="rId6"/>
+    <p:sldId id="312" r:id="rId7"/>
+    <p:sldId id="315" r:id="rId8"/>
+    <p:sldId id="313" r:id="rId9"/>
+    <p:sldId id="318" r:id="rId10"/>
+    <p:sldId id="327" r:id="rId11"/>
+    <p:sldId id="319" r:id="rId12"/>
+    <p:sldId id="314" r:id="rId13"/>
+    <p:sldId id="320" r:id="rId14"/>
+    <p:sldId id="300" r:id="rId15"/>
+    <p:sldId id="284" r:id="rId16"/>
+    <p:sldId id="322" r:id="rId17"/>
+    <p:sldId id="323" r:id="rId18"/>
+    <p:sldId id="324" r:id="rId19"/>
+    <p:sldId id="325" r:id="rId20"/>
+    <p:sldId id="326" r:id="rId21"/>
+    <p:sldId id="332" r:id="rId22"/>
+    <p:sldId id="321" r:id="rId23"/>
+    <p:sldId id="329" r:id="rId24"/>
+    <p:sldId id="328" r:id="rId25"/>
+    <p:sldId id="335" r:id="rId26"/>
+    <p:sldId id="330" r:id="rId27"/>
+    <p:sldId id="334" r:id="rId28"/>
+    <p:sldId id="264" r:id="rId29"/>
+    <p:sldId id="292" r:id="rId30"/>
+    <p:sldId id="265" r:id="rId31"/>
+    <p:sldId id="280" r:id="rId32"/>
+    <p:sldId id="278" r:id="rId33"/>
+    <p:sldId id="340" r:id="rId34"/>
+    <p:sldId id="344" r:id="rId35"/>
+    <p:sldId id="279" r:id="rId36"/>
+    <p:sldId id="266" r:id="rId37"/>
+    <p:sldId id="341" r:id="rId38"/>
+    <p:sldId id="342" r:id="rId39"/>
+    <p:sldId id="270" r:id="rId40"/>
+    <p:sldId id="269" r:id="rId41"/>
+    <p:sldId id="268" r:id="rId42"/>
+    <p:sldId id="272" r:id="rId43"/>
+    <p:sldId id="273" r:id="rId44"/>
+    <p:sldId id="274" r:id="rId45"/>
+    <p:sldId id="275" r:id="rId46"/>
+    <p:sldId id="267" r:id="rId47"/>
+    <p:sldId id="276" r:id="rId48"/>
+    <p:sldId id="277" r:id="rId49"/>
+    <p:sldId id="338" r:id="rId50"/>
+    <p:sldId id="336" r:id="rId51"/>
+    <p:sldId id="339" r:id="rId52"/>
+    <p:sldId id="345" r:id="rId53"/>
   </p:sldIdLst>
   <p:sldSz cx="12192000" cy="6858000"/>
   <p:notesSz cx="6858000" cy="9144000"/>
@@ -749,7 +751,47 @@
           <a:bodyPr/>
           <a:lstStyle/>
           <a:p>
-            <a:endParaRPr lang="en-US"/>
+            <a:r>
+              <a:rPr lang="en-US" sz="1200" kern="1200" dirty="0">
+                <a:solidFill>
+                  <a:schemeClr val="tx1"/>
+                </a:solidFill>
+                <a:effectLst/>
+                <a:latin typeface="+mn-lt"/>
+                <a:ea typeface="+mn-ea"/>
+                <a:cs typeface="+mn-cs"/>
+              </a:rPr>
+              <a:t>This course gives an overview of many concepts, techniques, and algorithms in machine learning, beginning with topics such as classification and linear regression and ending up with more recent topics such as boosting, support vector machines, hidden Markov models, and Bayesian networks. The course will give the student the basic ideas and intuition behind modern machine learning methods as well as a bit more formal understanding of how, why, and when they work. </a:t>
+            </a:r>
+          </a:p>
+          <a:p>
+            <a:endParaRPr lang="en-US" sz="1200" kern="1200" dirty="0">
+              <a:solidFill>
+                <a:schemeClr val="tx1"/>
+              </a:solidFill>
+              <a:effectLst/>
+              <a:latin typeface="+mn-lt"/>
+              <a:ea typeface="+mn-ea"/>
+              <a:cs typeface="+mn-cs"/>
+            </a:endParaRPr>
+          </a:p>
+          <a:p>
+            <a:r>
+              <a:rPr lang="en-US" sz="1200" kern="1200" dirty="0">
+                <a:solidFill>
+                  <a:schemeClr val="tx1"/>
+                </a:solidFill>
+                <a:effectLst/>
+                <a:latin typeface="+mn-lt"/>
+                <a:ea typeface="+mn-ea"/>
+                <a:cs typeface="+mn-cs"/>
+              </a:rPr>
+              <a:t>(</a:t>
+            </a:r>
+            <a:r>
+              <a:rPr lang="en-US" dirty="0"/>
+              <a:t>structured prediction, clustering, and representation learning)</a:t>
+            </a:r>
           </a:p>
         </p:txBody>
       </p:sp>
@@ -770,7 +812,7 @@
           <a:p>
             <a:fld id="{392C882F-C55E-0C4C-9C06-F730D65A242C}" type="slidenum">
               <a:rPr lang="en-US" smtClean="0"/>
-              <a:t>1</a:t>
+              <a:t>2</a:t>
             </a:fld>
             <a:endParaRPr lang="en-US"/>
           </a:p>
@@ -779,7 +821,7 @@
     </p:spTree>
     <p:extLst>
       <p:ext uri="{BB962C8B-B14F-4D97-AF65-F5344CB8AC3E}">
-        <p14:creationId xmlns:p14="http://schemas.microsoft.com/office/powerpoint/2010/main" val="1329137847"/>
+        <p14:creationId xmlns:p14="http://schemas.microsoft.com/office/powerpoint/2010/main" val="361826519"/>
       </p:ext>
     </p:extLst>
   </p:cSld>
@@ -833,7 +875,7 @@
           <a:bodyPr/>
           <a:lstStyle/>
           <a:p>
-            <a:pPr marL="0" marR="0" indent="0" algn="l" defTabSz="914400" rtl="0" eaLnBrk="1" fontAlgn="auto" latinLnBrk="0" hangingPunct="1">
+            <a:pPr marL="0" marR="0" lvl="1" indent="0" algn="l" defTabSz="914400" rtl="0" eaLnBrk="1" fontAlgn="auto" latinLnBrk="0" hangingPunct="1">
               <a:lnSpc>
                 <a:spcPct val="100000"/>
               </a:lnSpc>
@@ -852,7 +894,15 @@
             </a:pPr>
             <a:r>
               <a:rPr lang="en-US" dirty="0"/>
-              <a:t>In supervised learning, we are given a data set and already know what our correct output should look like, having the idea that there is a relationship between the input and the output.</a:t>
+              <a:t>Another</a:t>
+            </a:r>
+            <a:r>
+              <a:rPr lang="en-US" baseline="0" dirty="0"/>
+              <a:t> variant of supervised learning</a:t>
+            </a:r>
+            <a:r>
+              <a:rPr lang="en-US" dirty="0"/>
+              <a:t>, known as ordinal regression , occurs where label space Y has some natural ordering, such as grades A–F.</a:t>
             </a:r>
           </a:p>
           <a:p>
@@ -877,7 +927,7 @@
           <a:p>
             <a:fld id="{392C882F-C55E-0C4C-9C06-F730D65A242C}" type="slidenum">
               <a:rPr lang="en-US" smtClean="0"/>
-              <a:t>11</a:t>
+              <a:t>12</a:t>
             </a:fld>
             <a:endParaRPr lang="en-US"/>
           </a:p>
@@ -886,7 +936,7 @@
     </p:spTree>
     <p:extLst>
       <p:ext uri="{BB962C8B-B14F-4D97-AF65-F5344CB8AC3E}">
-        <p14:creationId xmlns:p14="http://schemas.microsoft.com/office/powerpoint/2010/main" val="1118887490"/>
+        <p14:creationId xmlns:p14="http://schemas.microsoft.com/office/powerpoint/2010/main" val="817292180"/>
       </p:ext>
     </p:extLst>
   </p:cSld>
@@ -940,7 +990,30 @@
           <a:bodyPr/>
           <a:lstStyle/>
           <a:p>
-            <a:endParaRPr lang="en-US"/>
+            <a:pPr marL="0" marR="0" indent="0" algn="l" defTabSz="914400" rtl="0" eaLnBrk="1" fontAlgn="auto" latinLnBrk="0" hangingPunct="1">
+              <a:lnSpc>
+                <a:spcPct val="100000"/>
+              </a:lnSpc>
+              <a:spcBef>
+                <a:spcPts val="0"/>
+              </a:spcBef>
+              <a:spcAft>
+                <a:spcPts val="0"/>
+              </a:spcAft>
+              <a:buClrTx/>
+              <a:buSzTx/>
+              <a:buFontTx/>
+              <a:buNone/>
+              <a:tabLst/>
+              <a:defRPr/>
+            </a:pPr>
+            <a:r>
+              <a:rPr lang="en-US" dirty="0"/>
+              <a:t>In supervised learning, we are given a data set and already know what our correct output should look like, having the idea that there is a relationship between the input and the output.</a:t>
+            </a:r>
+          </a:p>
+          <a:p>
+            <a:endParaRPr lang="en-US" dirty="0"/>
           </a:p>
         </p:txBody>
       </p:sp>
@@ -951,7 +1024,7 @@
             <a:spLocks noGrp="1"/>
           </p:cNvSpPr>
           <p:nvPr>
-            <p:ph type="sldNum" sz="quarter" idx="5"/>
+            <p:ph type="sldNum" sz="quarter" idx="10"/>
           </p:nvPr>
         </p:nvSpPr>
         <p:spPr/>
@@ -961,7 +1034,7 @@
           <a:p>
             <a:fld id="{392C882F-C55E-0C4C-9C06-F730D65A242C}" type="slidenum">
               <a:rPr lang="en-US" smtClean="0"/>
-              <a:t>12</a:t>
+              <a:t>13</a:t>
             </a:fld>
             <a:endParaRPr lang="en-US"/>
           </a:p>
@@ -970,7 +1043,7 @@
     </p:spTree>
     <p:extLst>
       <p:ext uri="{BB962C8B-B14F-4D97-AF65-F5344CB8AC3E}">
-        <p14:creationId xmlns:p14="http://schemas.microsoft.com/office/powerpoint/2010/main" val="2650346864"/>
+        <p14:creationId xmlns:p14="http://schemas.microsoft.com/office/powerpoint/2010/main" val="1118887490"/>
       </p:ext>
     </p:extLst>
   </p:cSld>
@@ -1024,39 +1097,7 @@
           <a:bodyPr/>
           <a:lstStyle/>
           <a:p>
-            <a:pPr marL="0" marR="0" indent="0" algn="l" defTabSz="914400" rtl="0" eaLnBrk="1" fontAlgn="auto" latinLnBrk="0" hangingPunct="1">
-              <a:lnSpc>
-                <a:spcPct val="100000"/>
-              </a:lnSpc>
-              <a:spcBef>
-                <a:spcPts val="0"/>
-              </a:spcBef>
-              <a:spcAft>
-                <a:spcPts val="0"/>
-              </a:spcAft>
-              <a:buClrTx/>
-              <a:buSzTx/>
-              <a:buFontTx/>
-              <a:buNone/>
-              <a:tabLst/>
-              <a:defRPr/>
-            </a:pPr>
-            <a:r>
-              <a:rPr lang="en-US" dirty="0">
-                <a:latin typeface="Optima" charset="0"/>
-                <a:ea typeface="Optima" charset="0"/>
-                <a:cs typeface="Optima" charset="0"/>
-              </a:rPr>
-              <a:t>Note: when we use the term “classification”, we will mean multiclass classification with a single output, unless we state otherwise.</a:t>
-            </a:r>
-            <a:endParaRPr lang="en-US" b="1" dirty="0">
-              <a:latin typeface="Optima" charset="0"/>
-              <a:ea typeface="Optima" charset="0"/>
-              <a:cs typeface="Optima" charset="0"/>
-            </a:endParaRPr>
-          </a:p>
-          <a:p>
-            <a:endParaRPr lang="en-US" dirty="0"/>
+            <a:endParaRPr lang="en-US"/>
           </a:p>
         </p:txBody>
       </p:sp>
@@ -1067,7 +1108,7 @@
             <a:spLocks noGrp="1"/>
           </p:cNvSpPr>
           <p:nvPr>
-            <p:ph type="sldNum" sz="quarter" idx="10"/>
+            <p:ph type="sldNum" sz="quarter" idx="5"/>
           </p:nvPr>
         </p:nvSpPr>
         <p:spPr/>
@@ -1077,7 +1118,7 @@
           <a:p>
             <a:fld id="{392C882F-C55E-0C4C-9C06-F730D65A242C}" type="slidenum">
               <a:rPr lang="en-US" smtClean="0"/>
-              <a:t>13</a:t>
+              <a:t>14</a:t>
             </a:fld>
             <a:endParaRPr lang="en-US"/>
           </a:p>
@@ -1086,7 +1127,7 @@
     </p:spTree>
     <p:extLst>
       <p:ext uri="{BB962C8B-B14F-4D97-AF65-F5344CB8AC3E}">
-        <p14:creationId xmlns:p14="http://schemas.microsoft.com/office/powerpoint/2010/main" val="233704423"/>
+        <p14:creationId xmlns:p14="http://schemas.microsoft.com/office/powerpoint/2010/main" val="2650346864"/>
       </p:ext>
     </p:extLst>
   </p:cSld>
@@ -1140,7 +1181,39 @@
           <a:bodyPr/>
           <a:lstStyle/>
           <a:p>
-            <a:endParaRPr lang="en-US"/>
+            <a:pPr marL="0" marR="0" indent="0" algn="l" defTabSz="914400" rtl="0" eaLnBrk="1" fontAlgn="auto" latinLnBrk="0" hangingPunct="1">
+              <a:lnSpc>
+                <a:spcPct val="100000"/>
+              </a:lnSpc>
+              <a:spcBef>
+                <a:spcPts val="0"/>
+              </a:spcBef>
+              <a:spcAft>
+                <a:spcPts val="0"/>
+              </a:spcAft>
+              <a:buClrTx/>
+              <a:buSzTx/>
+              <a:buFontTx/>
+              <a:buNone/>
+              <a:tabLst/>
+              <a:defRPr/>
+            </a:pPr>
+            <a:r>
+              <a:rPr lang="en-US" dirty="0">
+                <a:latin typeface="Optima" charset="0"/>
+                <a:ea typeface="Optima" charset="0"/>
+                <a:cs typeface="Optima" charset="0"/>
+              </a:rPr>
+              <a:t>Note: when we use the term “classification”, we will mean multiclass classification with a single output, unless we state otherwise.</a:t>
+            </a:r>
+            <a:endParaRPr lang="en-US" b="1" dirty="0">
+              <a:latin typeface="Optima" charset="0"/>
+              <a:ea typeface="Optima" charset="0"/>
+              <a:cs typeface="Optima" charset="0"/>
+            </a:endParaRPr>
+          </a:p>
+          <a:p>
+            <a:endParaRPr lang="en-US" dirty="0"/>
           </a:p>
         </p:txBody>
       </p:sp>
@@ -1151,7 +1224,7 @@
             <a:spLocks noGrp="1"/>
           </p:cNvSpPr>
           <p:nvPr>
-            <p:ph type="sldNum" sz="quarter" idx="5"/>
+            <p:ph type="sldNum" sz="quarter" idx="10"/>
           </p:nvPr>
         </p:nvSpPr>
         <p:spPr/>
@@ -1161,7 +1234,7 @@
           <a:p>
             <a:fld id="{392C882F-C55E-0C4C-9C06-F730D65A242C}" type="slidenum">
               <a:rPr lang="en-US" smtClean="0"/>
-              <a:t>14</a:t>
+              <a:t>15</a:t>
             </a:fld>
             <a:endParaRPr lang="en-US"/>
           </a:p>
@@ -1170,7 +1243,7 @@
     </p:spTree>
     <p:extLst>
       <p:ext uri="{BB962C8B-B14F-4D97-AF65-F5344CB8AC3E}">
-        <p14:creationId xmlns:p14="http://schemas.microsoft.com/office/powerpoint/2010/main" val="2035736774"/>
+        <p14:creationId xmlns:p14="http://schemas.microsoft.com/office/powerpoint/2010/main" val="233704423"/>
       </p:ext>
     </p:extLst>
   </p:cSld>
@@ -1224,105 +1297,7 @@
           <a:bodyPr/>
           <a:lstStyle/>
           <a:p>
-            <a:r>
-              <a:rPr lang="en-US" sz="1200" b="0" i="0" u="none" strike="noStrike" kern="1200" baseline="0" dirty="0">
-                <a:solidFill>
-                  <a:schemeClr val="tx1"/>
-                </a:solidFill>
-                <a:latin typeface="+mn-lt"/>
-                <a:ea typeface="+mn-ea"/>
-                <a:cs typeface="+mn-cs"/>
-              </a:rPr>
-              <a:t> As a simple toy example of classification, consider the problem illustrated in Figure 1.1(a). </a:t>
-            </a:r>
-          </a:p>
-          <a:p>
-            <a:r>
-              <a:rPr lang="en-US" sz="1200" b="0" i="0" u="none" strike="noStrike" kern="1200" baseline="0" dirty="0">
-                <a:solidFill>
-                  <a:schemeClr val="tx1"/>
-                </a:solidFill>
-                <a:latin typeface="+mn-lt"/>
-                <a:ea typeface="+mn-ea"/>
-                <a:cs typeface="+mn-cs"/>
-              </a:rPr>
-              <a:t>We have two classes of object which correspond to labels 0 and 1. The inputs are colored shapes.</a:t>
-            </a:r>
-          </a:p>
-          <a:p>
-            <a:r>
-              <a:rPr lang="en-US" sz="1200" b="0" i="0" u="none" strike="noStrike" kern="1200" baseline="0" dirty="0">
-                <a:solidFill>
-                  <a:schemeClr val="tx1"/>
-                </a:solidFill>
-                <a:latin typeface="+mn-lt"/>
-                <a:ea typeface="+mn-ea"/>
-                <a:cs typeface="+mn-cs"/>
-              </a:rPr>
-              <a:t>These have been described by a set of D  features or attributes, which are stored in an N x D design matrix X , shown in Figure 1.1(b). The input features x  can be discrete, continuous or a combination of the two. In addition to the inputs, we have a vector of training labels y .</a:t>
-            </a:r>
-          </a:p>
-          <a:p>
-            <a:endParaRPr lang="en-US" sz="1200" b="0" i="0" u="none" strike="noStrike" kern="1200" baseline="0" dirty="0">
-              <a:solidFill>
-                <a:schemeClr val="tx1"/>
-              </a:solidFill>
-              <a:latin typeface="+mn-lt"/>
-              <a:ea typeface="+mn-ea"/>
-              <a:cs typeface="+mn-cs"/>
-            </a:endParaRPr>
-          </a:p>
-          <a:p>
-            <a:r>
-              <a:rPr lang="en-US" sz="1200" b="0" i="0" u="none" strike="noStrike" kern="1200" baseline="0" dirty="0">
-                <a:solidFill>
-                  <a:schemeClr val="tx1"/>
-                </a:solidFill>
-                <a:latin typeface="+mn-lt"/>
-                <a:ea typeface="+mn-ea"/>
-                <a:cs typeface="+mn-cs"/>
-              </a:rPr>
-              <a:t>In Figure 1.1, the test cases are a blue crescent, a yellow circle and a blue arrow. None of these have been seen before. Thus we are required to generalize  beyond the training set. A reasonable guess is that blue crescent should be y = 1 , since all blue shapes are labeled 1 in the</a:t>
-            </a:r>
-          </a:p>
-          <a:p>
-            <a:r>
-              <a:rPr lang="en-US" sz="1200" b="0" i="0" u="none" strike="noStrike" kern="1200" baseline="0" dirty="0">
-                <a:solidFill>
-                  <a:schemeClr val="tx1"/>
-                </a:solidFill>
-                <a:latin typeface="+mn-lt"/>
-                <a:ea typeface="+mn-ea"/>
-                <a:cs typeface="+mn-cs"/>
-              </a:rPr>
-              <a:t>training set. The yellow circle is harder to classify, since some yellow things are labeled y = 1 and some are labeled y = 0 , and some circles are labeled y = 1  and some y = 0 . Consequently it is not clear what the right label should be in the case of the yellow circle. Similarly, the correct</a:t>
-            </a:r>
-          </a:p>
-          <a:p>
-            <a:r>
-              <a:rPr lang="en-US" sz="1200" b="0" i="0" u="none" strike="noStrike" kern="1200" baseline="0" dirty="0">
-                <a:solidFill>
-                  <a:schemeClr val="tx1"/>
-                </a:solidFill>
-                <a:latin typeface="+mn-lt"/>
-                <a:ea typeface="+mn-ea"/>
-                <a:cs typeface="+mn-cs"/>
-              </a:rPr>
-              <a:t>label for the blue arrow is unclear.</a:t>
-            </a:r>
-          </a:p>
-          <a:p>
-            <a:endParaRPr lang="en-US" sz="1200" b="0" i="0" u="none" strike="noStrike" kern="1200" baseline="0" dirty="0">
-              <a:solidFill>
-                <a:schemeClr val="tx1"/>
-              </a:solidFill>
-              <a:latin typeface="+mn-lt"/>
-              <a:ea typeface="+mn-ea"/>
-              <a:cs typeface="+mn-cs"/>
-            </a:endParaRPr>
-          </a:p>
-          <a:p>
-            <a:endParaRPr lang="en-US" dirty="0"/>
+            <a:endParaRPr lang="en-US"/>
           </a:p>
         </p:txBody>
       </p:sp>
@@ -1333,7 +1308,7 @@
             <a:spLocks noGrp="1"/>
           </p:cNvSpPr>
           <p:nvPr>
-            <p:ph type="sldNum" sz="quarter" idx="10"/>
+            <p:ph type="sldNum" sz="quarter" idx="5"/>
           </p:nvPr>
         </p:nvSpPr>
         <p:spPr/>
@@ -1343,7 +1318,7 @@
           <a:p>
             <a:fld id="{392C882F-C55E-0C4C-9C06-F730D65A242C}" type="slidenum">
               <a:rPr lang="en-US" smtClean="0"/>
-              <a:t>15</a:t>
+              <a:t>16</a:t>
             </a:fld>
             <a:endParaRPr lang="en-US"/>
           </a:p>
@@ -1352,7 +1327,7 @@
     </p:spTree>
     <p:extLst>
       <p:ext uri="{BB962C8B-B14F-4D97-AF65-F5344CB8AC3E}">
-        <p14:creationId xmlns:p14="http://schemas.microsoft.com/office/powerpoint/2010/main" val="1451978273"/>
+        <p14:creationId xmlns:p14="http://schemas.microsoft.com/office/powerpoint/2010/main" val="2035736774"/>
       </p:ext>
     </p:extLst>
   </p:cSld>
@@ -1406,27 +1381,102 @@
           <a:bodyPr/>
           <a:lstStyle/>
           <a:p>
-            <a:pPr marL="0" marR="0" indent="0" algn="l" defTabSz="914400" rtl="0" eaLnBrk="1" fontAlgn="auto" latinLnBrk="0" hangingPunct="1">
-              <a:lnSpc>
-                <a:spcPct val="100000"/>
-              </a:lnSpc>
-              <a:spcBef>
-                <a:spcPts val="0"/>
-              </a:spcBef>
-              <a:spcAft>
-                <a:spcPts val="0"/>
-              </a:spcAft>
-              <a:buClrTx/>
-              <a:buSzTx/>
-              <a:buFontTx/>
-              <a:buNone/>
-              <a:tabLst/>
-              <a:defRPr/>
-            </a:pPr>
-            <a:r>
-              <a:rPr lang="en-US" dirty="0"/>
-              <a:t>To handle ambiguous cases, such as the yellow circle above, it is desirable to return a probability.</a:t>
-            </a:r>
+            <a:r>
+              <a:rPr lang="en-US" sz="1200" b="0" i="0" u="none" strike="noStrike" kern="1200" baseline="0" dirty="0">
+                <a:solidFill>
+                  <a:schemeClr val="tx1"/>
+                </a:solidFill>
+                <a:latin typeface="+mn-lt"/>
+                <a:ea typeface="+mn-ea"/>
+                <a:cs typeface="+mn-cs"/>
+              </a:rPr>
+              <a:t> As a simple toy example of classification, consider the problem illustrated in Figure 1.1(a). </a:t>
+            </a:r>
+          </a:p>
+          <a:p>
+            <a:r>
+              <a:rPr lang="en-US" sz="1200" b="0" i="0" u="none" strike="noStrike" kern="1200" baseline="0" dirty="0">
+                <a:solidFill>
+                  <a:schemeClr val="tx1"/>
+                </a:solidFill>
+                <a:latin typeface="+mn-lt"/>
+                <a:ea typeface="+mn-ea"/>
+                <a:cs typeface="+mn-cs"/>
+              </a:rPr>
+              <a:t>We have two classes of object which correspond to labels 0 and 1. The inputs are colored shapes.</a:t>
+            </a:r>
+          </a:p>
+          <a:p>
+            <a:r>
+              <a:rPr lang="en-US" sz="1200" b="0" i="0" u="none" strike="noStrike" kern="1200" baseline="0" dirty="0">
+                <a:solidFill>
+                  <a:schemeClr val="tx1"/>
+                </a:solidFill>
+                <a:latin typeface="+mn-lt"/>
+                <a:ea typeface="+mn-ea"/>
+                <a:cs typeface="+mn-cs"/>
+              </a:rPr>
+              <a:t>These have been described by a set of D  features or attributes, which are stored in an N x D design matrix X , shown in Figure 1.1(b). The input features x  can be discrete, continuous or a combination of the two. In addition to the inputs, we have a vector of training labels y .</a:t>
+            </a:r>
+          </a:p>
+          <a:p>
+            <a:endParaRPr lang="en-US" sz="1200" b="0" i="0" u="none" strike="noStrike" kern="1200" baseline="0" dirty="0">
+              <a:solidFill>
+                <a:schemeClr val="tx1"/>
+              </a:solidFill>
+              <a:latin typeface="+mn-lt"/>
+              <a:ea typeface="+mn-ea"/>
+              <a:cs typeface="+mn-cs"/>
+            </a:endParaRPr>
+          </a:p>
+          <a:p>
+            <a:r>
+              <a:rPr lang="en-US" sz="1200" b="0" i="0" u="none" strike="noStrike" kern="1200" baseline="0" dirty="0">
+                <a:solidFill>
+                  <a:schemeClr val="tx1"/>
+                </a:solidFill>
+                <a:latin typeface="+mn-lt"/>
+                <a:ea typeface="+mn-ea"/>
+                <a:cs typeface="+mn-cs"/>
+              </a:rPr>
+              <a:t>In Figure 1.1, the test cases are a blue crescent, a yellow circle and a blue arrow. None of these have been seen before. Thus we are required to generalize  beyond the training set. A reasonable guess is that blue crescent should be y = 1 , since all blue shapes are labeled 1 in the</a:t>
+            </a:r>
+          </a:p>
+          <a:p>
+            <a:r>
+              <a:rPr lang="en-US" sz="1200" b="0" i="0" u="none" strike="noStrike" kern="1200" baseline="0" dirty="0">
+                <a:solidFill>
+                  <a:schemeClr val="tx1"/>
+                </a:solidFill>
+                <a:latin typeface="+mn-lt"/>
+                <a:ea typeface="+mn-ea"/>
+                <a:cs typeface="+mn-cs"/>
+              </a:rPr>
+              <a:t>training set. The yellow circle is harder to classify, since some yellow things are labeled y = 1 and some are labeled y = 0 , and some circles are labeled y = 1  and some y = 0 . Consequently it is not clear what the right label should be in the case of the yellow circle. Similarly, the correct</a:t>
+            </a:r>
+          </a:p>
+          <a:p>
+            <a:r>
+              <a:rPr lang="en-US" sz="1200" b="0" i="0" u="none" strike="noStrike" kern="1200" baseline="0" dirty="0">
+                <a:solidFill>
+                  <a:schemeClr val="tx1"/>
+                </a:solidFill>
+                <a:latin typeface="+mn-lt"/>
+                <a:ea typeface="+mn-ea"/>
+                <a:cs typeface="+mn-cs"/>
+              </a:rPr>
+              <a:t>label for the blue arrow is unclear.</a:t>
+            </a:r>
+          </a:p>
+          <a:p>
+            <a:endParaRPr lang="en-US" sz="1200" b="0" i="0" u="none" strike="noStrike" kern="1200" baseline="0" dirty="0">
+              <a:solidFill>
+                <a:schemeClr val="tx1"/>
+              </a:solidFill>
+              <a:latin typeface="+mn-lt"/>
+              <a:ea typeface="+mn-ea"/>
+              <a:cs typeface="+mn-cs"/>
+            </a:endParaRPr>
           </a:p>
           <a:p>
             <a:endParaRPr lang="en-US" dirty="0"/>
@@ -1450,7 +1500,7 @@
           <a:p>
             <a:fld id="{392C882F-C55E-0C4C-9C06-F730D65A242C}" type="slidenum">
               <a:rPr lang="en-US" smtClean="0"/>
-              <a:t>16</a:t>
+              <a:t>17</a:t>
             </a:fld>
             <a:endParaRPr lang="en-US"/>
           </a:p>
@@ -1459,7 +1509,7 @@
     </p:spTree>
     <p:extLst>
       <p:ext uri="{BB962C8B-B14F-4D97-AF65-F5344CB8AC3E}">
-        <p14:creationId xmlns:p14="http://schemas.microsoft.com/office/powerpoint/2010/main" val="1275917927"/>
+        <p14:creationId xmlns:p14="http://schemas.microsoft.com/office/powerpoint/2010/main" val="1451978273"/>
       </p:ext>
     </p:extLst>
   </p:cSld>
@@ -1513,7 +1563,30 @@
           <a:bodyPr/>
           <a:lstStyle/>
           <a:p>
-            <a:endParaRPr lang="en-US"/>
+            <a:pPr marL="0" marR="0" indent="0" algn="l" defTabSz="914400" rtl="0" eaLnBrk="1" fontAlgn="auto" latinLnBrk="0" hangingPunct="1">
+              <a:lnSpc>
+                <a:spcPct val="100000"/>
+              </a:lnSpc>
+              <a:spcBef>
+                <a:spcPts val="0"/>
+              </a:spcBef>
+              <a:spcAft>
+                <a:spcPts val="0"/>
+              </a:spcAft>
+              <a:buClrTx/>
+              <a:buSzTx/>
+              <a:buFontTx/>
+              <a:buNone/>
+              <a:tabLst/>
+              <a:defRPr/>
+            </a:pPr>
+            <a:r>
+              <a:rPr lang="en-US" dirty="0"/>
+              <a:t>To handle ambiguous cases, such as the yellow circle above, it is desirable to return a probability.</a:t>
+            </a:r>
+          </a:p>
+          <a:p>
+            <a:endParaRPr lang="en-US" dirty="0"/>
           </a:p>
         </p:txBody>
       </p:sp>
@@ -1524,7 +1597,7 @@
             <a:spLocks noGrp="1"/>
           </p:cNvSpPr>
           <p:nvPr>
-            <p:ph type="sldNum" sz="quarter" idx="5"/>
+            <p:ph type="sldNum" sz="quarter" idx="10"/>
           </p:nvPr>
         </p:nvSpPr>
         <p:spPr/>
@@ -1534,7 +1607,7 @@
           <a:p>
             <a:fld id="{392C882F-C55E-0C4C-9C06-F730D65A242C}" type="slidenum">
               <a:rPr lang="en-US" smtClean="0"/>
-              <a:t>17</a:t>
+              <a:t>18</a:t>
             </a:fld>
             <a:endParaRPr lang="en-US"/>
           </a:p>
@@ -1543,7 +1616,7 @@
     </p:spTree>
     <p:extLst>
       <p:ext uri="{BB962C8B-B14F-4D97-AF65-F5344CB8AC3E}">
-        <p14:creationId xmlns:p14="http://schemas.microsoft.com/office/powerpoint/2010/main" val="3863663524"/>
+        <p14:creationId xmlns:p14="http://schemas.microsoft.com/office/powerpoint/2010/main" val="1275917927"/>
       </p:ext>
     </p:extLst>
   </p:cSld>
@@ -1597,7 +1670,7 @@
           <a:bodyPr/>
           <a:lstStyle/>
           <a:p>
-            <a:endParaRPr lang="en-US" dirty="0"/>
+            <a:endParaRPr lang="en-US"/>
           </a:p>
         </p:txBody>
       </p:sp>
@@ -1608,7 +1681,7 @@
             <a:spLocks noGrp="1"/>
           </p:cNvSpPr>
           <p:nvPr>
-            <p:ph type="sldNum" sz="quarter" idx="10"/>
+            <p:ph type="sldNum" sz="quarter" idx="5"/>
           </p:nvPr>
         </p:nvSpPr>
         <p:spPr/>
@@ -1627,7 +1700,7 @@
     </p:spTree>
     <p:extLst>
       <p:ext uri="{BB962C8B-B14F-4D97-AF65-F5344CB8AC3E}">
-        <p14:creationId xmlns:p14="http://schemas.microsoft.com/office/powerpoint/2010/main" val="1374344043"/>
+        <p14:creationId xmlns:p14="http://schemas.microsoft.com/office/powerpoint/2010/main" val="3863663524"/>
       </p:ext>
     </p:extLst>
   </p:cSld>
@@ -1681,29 +1754,6 @@
           <a:bodyPr/>
           <a:lstStyle/>
           <a:p>
-            <a:pPr marL="0" marR="0" indent="0" algn="l" defTabSz="914400" rtl="0" eaLnBrk="1" fontAlgn="auto" latinLnBrk="0" hangingPunct="1">
-              <a:lnSpc>
-                <a:spcPct val="100000"/>
-              </a:lnSpc>
-              <a:spcBef>
-                <a:spcPts val="0"/>
-              </a:spcBef>
-              <a:spcAft>
-                <a:spcPts val="0"/>
-              </a:spcAft>
-              <a:buClrTx/>
-              <a:buSzTx/>
-              <a:buFontTx/>
-              <a:buNone/>
-              <a:tabLst/>
-              <a:defRPr/>
-            </a:pPr>
-            <a:r>
-              <a:rPr lang="en-US" dirty="0"/>
-              <a:t>(We explain how to fit such models later.) Various extensions of this basic problem can arise, such as having high-dimensional inputs, outliers, non-smooth responses, etc. We will discuss ways to handle such problems later in the book.</a:t>
-            </a:r>
-          </a:p>
-          <a:p>
             <a:endParaRPr lang="en-US" dirty="0"/>
           </a:p>
         </p:txBody>
@@ -1725,7 +1775,7 @@
           <a:p>
             <a:fld id="{392C882F-C55E-0C4C-9C06-F730D65A242C}" type="slidenum">
               <a:rPr lang="en-US" smtClean="0"/>
-              <a:t>20</a:t>
+              <a:t>21</a:t>
             </a:fld>
             <a:endParaRPr lang="en-US"/>
           </a:p>
@@ -1734,7 +1784,7 @@
     </p:spTree>
     <p:extLst>
       <p:ext uri="{BB962C8B-B14F-4D97-AF65-F5344CB8AC3E}">
-        <p14:creationId xmlns:p14="http://schemas.microsoft.com/office/powerpoint/2010/main" val="918891743"/>
+        <p14:creationId xmlns:p14="http://schemas.microsoft.com/office/powerpoint/2010/main" val="1374344043"/>
       </p:ext>
     </p:extLst>
   </p:cSld>
@@ -1788,7 +1838,30 @@
           <a:bodyPr/>
           <a:lstStyle/>
           <a:p>
-            <a:endParaRPr lang="en-US"/>
+            <a:pPr marL="0" marR="0" indent="0" algn="l" defTabSz="914400" rtl="0" eaLnBrk="1" fontAlgn="auto" latinLnBrk="0" hangingPunct="1">
+              <a:lnSpc>
+                <a:spcPct val="100000"/>
+              </a:lnSpc>
+              <a:spcBef>
+                <a:spcPts val="0"/>
+              </a:spcBef>
+              <a:spcAft>
+                <a:spcPts val="0"/>
+              </a:spcAft>
+              <a:buClrTx/>
+              <a:buSzTx/>
+              <a:buFontTx/>
+              <a:buNone/>
+              <a:tabLst/>
+              <a:defRPr/>
+            </a:pPr>
+            <a:r>
+              <a:rPr lang="en-US" dirty="0"/>
+              <a:t>(We explain how to fit such models later.) Various extensions of this basic problem can arise, such as having high-dimensional inputs, outliers, non-smooth responses, etc. We will discuss ways to handle such problems later in the book.</a:t>
+            </a:r>
+          </a:p>
+          <a:p>
+            <a:endParaRPr lang="en-US" dirty="0"/>
           </a:p>
         </p:txBody>
       </p:sp>
@@ -1799,7 +1872,7 @@
             <a:spLocks noGrp="1"/>
           </p:cNvSpPr>
           <p:nvPr>
-            <p:ph type="sldNum" sz="quarter" idx="5"/>
+            <p:ph type="sldNum" sz="quarter" idx="10"/>
           </p:nvPr>
         </p:nvSpPr>
         <p:spPr/>
@@ -1809,7 +1882,7 @@
           <a:p>
             <a:fld id="{392C882F-C55E-0C4C-9C06-F730D65A242C}" type="slidenum">
               <a:rPr lang="en-US" smtClean="0"/>
-              <a:t>21</a:t>
+              <a:t>22</a:t>
             </a:fld>
             <a:endParaRPr lang="en-US"/>
           </a:p>
@@ -1818,7 +1891,7 @@
     </p:spTree>
     <p:extLst>
       <p:ext uri="{BB962C8B-B14F-4D97-AF65-F5344CB8AC3E}">
-        <p14:creationId xmlns:p14="http://schemas.microsoft.com/office/powerpoint/2010/main" val="2758307508"/>
+        <p14:creationId xmlns:p14="http://schemas.microsoft.com/office/powerpoint/2010/main" val="918891743"/>
       </p:ext>
     </p:extLst>
   </p:cSld>
@@ -1873,195 +1946,69 @@
           <a:lstStyle/>
           <a:p>
             <a:r>
-              <a:rPr lang="en-US" sz="1200" b="1" kern="1200" dirty="0">
-                <a:solidFill>
-                  <a:schemeClr val="tx1"/>
-                </a:solidFill>
-                <a:effectLst/>
-                <a:latin typeface="+mn-lt"/>
-                <a:ea typeface="+mn-ea"/>
-                <a:cs typeface="+mn-cs"/>
-              </a:rPr>
-              <a:t>Questions</a:t>
-            </a:r>
-            <a:endParaRPr lang="en-US" sz="1100" kern="1200" dirty="0">
-              <a:solidFill>
-                <a:schemeClr val="tx1"/>
-              </a:solidFill>
-              <a:effectLst/>
-              <a:latin typeface="+mn-lt"/>
-              <a:ea typeface="+mn-ea"/>
-              <a:cs typeface="+mn-cs"/>
-            </a:endParaRPr>
-          </a:p>
-          <a:p>
-            <a:pPr lvl="0"/>
-            <a:r>
-              <a:rPr lang="en-US" sz="1200" kern="1200" dirty="0">
-                <a:solidFill>
-                  <a:schemeClr val="tx1"/>
-                </a:solidFill>
-                <a:effectLst/>
-                <a:latin typeface="+mn-lt"/>
-                <a:ea typeface="+mn-ea"/>
-                <a:cs typeface="+mn-cs"/>
-              </a:rPr>
-              <a:t>What Does it Mean to Learn?</a:t>
-            </a:r>
-            <a:endParaRPr lang="en-US" sz="1100" kern="1200" dirty="0">
-              <a:solidFill>
-                <a:schemeClr val="tx1"/>
-              </a:solidFill>
-              <a:effectLst/>
-              <a:latin typeface="+mn-lt"/>
-              <a:ea typeface="+mn-ea"/>
-              <a:cs typeface="+mn-cs"/>
-            </a:endParaRPr>
-          </a:p>
-          <a:p>
-            <a:pPr lvl="1"/>
-            <a:r>
-              <a:rPr lang="en-US" sz="1200" i="1" kern="1200" dirty="0">
-                <a:solidFill>
-                  <a:schemeClr val="tx1"/>
-                </a:solidFill>
-                <a:effectLst/>
-                <a:latin typeface="+mn-lt"/>
-                <a:ea typeface="+mn-ea"/>
-                <a:cs typeface="+mn-cs"/>
-              </a:rPr>
-              <a:t>The general supervised approach to machine learning: a learning algorithm reads in training data and computes a learned function f.</a:t>
-            </a:r>
-            <a:endParaRPr lang="en-US" sz="1600" kern="1200" dirty="0">
-              <a:solidFill>
-                <a:schemeClr val="tx1"/>
-              </a:solidFill>
-              <a:effectLst/>
-              <a:latin typeface="+mn-lt"/>
-              <a:ea typeface="+mn-ea"/>
-              <a:cs typeface="+mn-cs"/>
-            </a:endParaRPr>
-          </a:p>
-          <a:p>
-            <a:pPr lvl="0"/>
-            <a:r>
-              <a:rPr lang="en-US" sz="1200" kern="1200" dirty="0">
-                <a:solidFill>
-                  <a:schemeClr val="tx1"/>
-                </a:solidFill>
-                <a:effectLst/>
-                <a:latin typeface="+mn-lt"/>
-                <a:ea typeface="+mn-ea"/>
-                <a:cs typeface="+mn-cs"/>
-              </a:rPr>
-              <a:t>What is the difference between memorization and generalization?</a:t>
-            </a:r>
-            <a:endParaRPr lang="en-US" sz="1100" kern="1200" dirty="0">
-              <a:solidFill>
-                <a:schemeClr val="tx1"/>
-              </a:solidFill>
-              <a:effectLst/>
-              <a:latin typeface="+mn-lt"/>
-              <a:ea typeface="+mn-ea"/>
-              <a:cs typeface="+mn-cs"/>
-            </a:endParaRPr>
-          </a:p>
-          <a:p>
-            <a:r>
-              <a:rPr lang="en-US" sz="1200" b="1" kern="1200" dirty="0">
-                <a:solidFill>
-                  <a:schemeClr val="tx1"/>
-                </a:solidFill>
-                <a:effectLst/>
-                <a:latin typeface="+mn-lt"/>
-                <a:ea typeface="+mn-ea"/>
-                <a:cs typeface="+mn-cs"/>
-              </a:rPr>
-              <a:t> </a:t>
-            </a:r>
-            <a:endParaRPr lang="en-US" sz="1100" kern="1200" dirty="0">
-              <a:solidFill>
-                <a:schemeClr val="tx1"/>
-              </a:solidFill>
-              <a:effectLst/>
-              <a:latin typeface="+mn-lt"/>
-              <a:ea typeface="+mn-ea"/>
-              <a:cs typeface="+mn-cs"/>
-            </a:endParaRPr>
-          </a:p>
-          <a:p>
-            <a:r>
-              <a:rPr lang="en-US" sz="1200" b="1" kern="1200" dirty="0">
-                <a:solidFill>
-                  <a:schemeClr val="tx1"/>
-                </a:solidFill>
-                <a:effectLst/>
-                <a:latin typeface="+mn-lt"/>
-                <a:ea typeface="+mn-ea"/>
-                <a:cs typeface="+mn-cs"/>
-              </a:rPr>
-              <a:t>Evidence</a:t>
-            </a:r>
-            <a:endParaRPr lang="en-US" sz="1100" kern="1200" dirty="0">
-              <a:solidFill>
-                <a:schemeClr val="tx1"/>
-              </a:solidFill>
-              <a:effectLst/>
-              <a:latin typeface="+mn-lt"/>
-              <a:ea typeface="+mn-ea"/>
-              <a:cs typeface="+mn-cs"/>
-            </a:endParaRPr>
-          </a:p>
-          <a:p>
-            <a:pPr lvl="0"/>
-            <a:r>
-              <a:rPr lang="en-US" sz="1200" kern="1200" dirty="0">
-                <a:solidFill>
-                  <a:schemeClr val="tx1"/>
-                </a:solidFill>
-                <a:effectLst/>
-                <a:latin typeface="+mn-lt"/>
-                <a:ea typeface="+mn-ea"/>
-                <a:cs typeface="+mn-cs"/>
-              </a:rPr>
-              <a:t>Ask students to formulate a learning problem (in class)</a:t>
-            </a:r>
-            <a:endParaRPr lang="en-US" sz="1100" kern="1200" dirty="0">
-              <a:solidFill>
-                <a:schemeClr val="tx1"/>
-              </a:solidFill>
-              <a:effectLst/>
-              <a:latin typeface="+mn-lt"/>
-              <a:ea typeface="+mn-ea"/>
-              <a:cs typeface="+mn-cs"/>
-            </a:endParaRPr>
-          </a:p>
-          <a:p>
-            <a:pPr lvl="0"/>
-            <a:r>
-              <a:rPr lang="en-US" sz="1200" kern="1200" dirty="0">
-                <a:solidFill>
-                  <a:schemeClr val="tx1"/>
-                </a:solidFill>
-                <a:effectLst/>
-                <a:latin typeface="+mn-lt"/>
-                <a:ea typeface="+mn-ea"/>
-                <a:cs typeface="+mn-cs"/>
-              </a:rPr>
-              <a:t>Homework (focusing on revisions and assessing what they know in terms of basic probability and statistics, calculus, and linear algebra)</a:t>
-            </a:r>
-            <a:endParaRPr lang="en-US" sz="1100" kern="1200" dirty="0">
-              <a:solidFill>
-                <a:schemeClr val="tx1"/>
-              </a:solidFill>
-              <a:effectLst/>
-              <a:latin typeface="+mn-lt"/>
-              <a:ea typeface="+mn-ea"/>
-              <a:cs typeface="+mn-cs"/>
-            </a:endParaRPr>
-          </a:p>
-          <a:p>
-            <a:endParaRPr lang="en-US" dirty="0"/>
+              <a:rPr lang="en-US" dirty="0"/>
+              <a:t>http://</a:t>
+            </a:r>
+            <a:r>
+              <a:rPr lang="en-US" dirty="0" err="1"/>
+              <a:t>www.cs.cmu.edu</a:t>
+            </a:r>
+            <a:r>
+              <a:rPr lang="en-US" dirty="0"/>
+              <a:t>/~</a:t>
+            </a:r>
+            <a:r>
+              <a:rPr lang="en-US" dirty="0" err="1"/>
+              <a:t>ninamf</a:t>
+            </a:r>
+            <a:r>
+              <a:rPr lang="en-US" dirty="0"/>
+              <a:t>/courses/601sp15/slides/</a:t>
+            </a:r>
+          </a:p>
+          <a:p>
+            <a:r>
+              <a:rPr lang="en-US" dirty="0"/>
+              <a:t>http://</a:t>
+            </a:r>
+            <a:r>
+              <a:rPr lang="en-US" dirty="0" err="1"/>
+              <a:t>www.cs.cmu.edu</a:t>
+            </a:r>
+            <a:r>
+              <a:rPr lang="en-US" dirty="0"/>
+              <a:t>/~</a:t>
+            </a:r>
+            <a:r>
+              <a:rPr lang="en-US" dirty="0" err="1"/>
+              <a:t>mgormley</a:t>
+            </a:r>
+            <a:r>
+              <a:rPr lang="en-US" dirty="0"/>
+              <a:t>/courses/10601-s18/slides/</a:t>
+            </a:r>
+          </a:p>
+          <a:p>
+            <a:r>
+              <a:rPr lang="en-US" dirty="0"/>
+              <a:t>https://</a:t>
+            </a:r>
+            <a:r>
+              <a:rPr lang="en-US" dirty="0" err="1"/>
+              <a:t>www.cs.cmu.edu</a:t>
+            </a:r>
+            <a:r>
+              <a:rPr lang="en-US" dirty="0"/>
+              <a:t>/~</a:t>
+            </a:r>
+            <a:r>
+              <a:rPr lang="en-US" dirty="0" err="1"/>
+              <a:t>mgormley</a:t>
+            </a:r>
+            <a:r>
+              <a:rPr lang="en-US" dirty="0"/>
+              <a:t>/courses/10601-s17/slides/</a:t>
+            </a:r>
           </a:p>
         </p:txBody>
       </p:sp>
@@ -2082,7 +2029,7 @@
           <a:p>
             <a:fld id="{392C882F-C55E-0C4C-9C06-F730D65A242C}" type="slidenum">
               <a:rPr lang="en-US" smtClean="0"/>
-              <a:t>2</a:t>
+              <a:t>3</a:t>
             </a:fld>
             <a:endParaRPr lang="en-US"/>
           </a:p>
@@ -2091,7 +2038,7 @@
     </p:spTree>
     <p:extLst>
       <p:ext uri="{BB962C8B-B14F-4D97-AF65-F5344CB8AC3E}">
-        <p14:creationId xmlns:p14="http://schemas.microsoft.com/office/powerpoint/2010/main" val="801682365"/>
+        <p14:creationId xmlns:p14="http://schemas.microsoft.com/office/powerpoint/2010/main" val="1329137847"/>
       </p:ext>
     </p:extLst>
   </p:cSld>
@@ -2145,46 +2092,7 @@
           <a:bodyPr/>
           <a:lstStyle/>
           <a:p>
-            <a:pPr marL="0" marR="0" indent="0" algn="l" defTabSz="914400" rtl="0" eaLnBrk="1" fontAlgn="auto" latinLnBrk="0" hangingPunct="1">
-              <a:lnSpc>
-                <a:spcPct val="100000"/>
-              </a:lnSpc>
-              <a:spcBef>
-                <a:spcPts val="0"/>
-              </a:spcBef>
-              <a:spcAft>
-                <a:spcPts val="0"/>
-              </a:spcAft>
-              <a:buClrTx/>
-              <a:buSzTx/>
-              <a:buFontTx/>
-              <a:buNone/>
-              <a:tabLst/>
-              <a:defRPr/>
-            </a:pPr>
-            <a:r>
-              <a:rPr lang="en-US" dirty="0"/>
-              <a:t>By contrast, in supervised learning, </a:t>
-            </a:r>
-            <a:r>
-              <a:rPr lang="en-US" dirty="0" err="1"/>
-              <a:t>yi</a:t>
-            </a:r>
-            <a:r>
-              <a:rPr lang="en-US" dirty="0"/>
-              <a:t>  is usually just a single variable that we are trying to predict. This means that for most supervised learning problems, we can use </a:t>
-            </a:r>
-            <a:r>
-              <a:rPr lang="en-US" dirty="0" err="1"/>
-              <a:t>univariate</a:t>
-            </a:r>
-            <a:r>
-              <a:rPr lang="en-US" dirty="0"/>
-              <a:t> probability models (with input-dependent parameters), which significantly simplifies the problem. </a:t>
-            </a:r>
-          </a:p>
-          <a:p>
-            <a:endParaRPr lang="en-US" dirty="0"/>
+            <a:endParaRPr lang="en-US"/>
           </a:p>
         </p:txBody>
       </p:sp>
@@ -2195,7 +2103,7 @@
             <a:spLocks noGrp="1"/>
           </p:cNvSpPr>
           <p:nvPr>
-            <p:ph type="sldNum" sz="quarter" idx="10"/>
+            <p:ph type="sldNum" sz="quarter" idx="5"/>
           </p:nvPr>
         </p:nvSpPr>
         <p:spPr/>
@@ -2214,7 +2122,7 @@
     </p:spTree>
     <p:extLst>
       <p:ext uri="{BB962C8B-B14F-4D97-AF65-F5344CB8AC3E}">
-        <p14:creationId xmlns:p14="http://schemas.microsoft.com/office/powerpoint/2010/main" val="356426808"/>
+        <p14:creationId xmlns:p14="http://schemas.microsoft.com/office/powerpoint/2010/main" val="2758307508"/>
       </p:ext>
     </p:extLst>
   </p:cSld>
@@ -2268,6 +2176,45 @@
           <a:bodyPr/>
           <a:lstStyle/>
           <a:p>
+            <a:pPr marL="0" marR="0" indent="0" algn="l" defTabSz="914400" rtl="0" eaLnBrk="1" fontAlgn="auto" latinLnBrk="0" hangingPunct="1">
+              <a:lnSpc>
+                <a:spcPct val="100000"/>
+              </a:lnSpc>
+              <a:spcBef>
+                <a:spcPts val="0"/>
+              </a:spcBef>
+              <a:spcAft>
+                <a:spcPts val="0"/>
+              </a:spcAft>
+              <a:buClrTx/>
+              <a:buSzTx/>
+              <a:buFontTx/>
+              <a:buNone/>
+              <a:tabLst/>
+              <a:defRPr/>
+            </a:pPr>
+            <a:r>
+              <a:rPr lang="en-US" dirty="0"/>
+              <a:t>By contrast, in supervised learning, </a:t>
+            </a:r>
+            <a:r>
+              <a:rPr lang="en-US" dirty="0" err="1"/>
+              <a:t>yi</a:t>
+            </a:r>
+            <a:r>
+              <a:rPr lang="en-US" dirty="0"/>
+              <a:t>  is usually just a single variable that we are trying to predict. This means that for most supervised learning problems, we can use </a:t>
+            </a:r>
+            <a:r>
+              <a:rPr lang="en-US" dirty="0" err="1"/>
+              <a:t>univariate</a:t>
+            </a:r>
+            <a:r>
+              <a:rPr lang="en-US" dirty="0"/>
+              <a:t> probability models (with input-dependent parameters), which significantly simplifies the problem. </a:t>
+            </a:r>
+          </a:p>
+          <a:p>
             <a:endParaRPr lang="en-US" dirty="0"/>
           </a:p>
         </p:txBody>
@@ -2289,7 +2236,7 @@
           <a:p>
             <a:fld id="{392C882F-C55E-0C4C-9C06-F730D65A242C}" type="slidenum">
               <a:rPr lang="en-US" smtClean="0"/>
-              <a:t>24</a:t>
+              <a:t>25</a:t>
             </a:fld>
             <a:endParaRPr lang="en-US"/>
           </a:p>
@@ -2298,7 +2245,7 @@
     </p:spTree>
     <p:extLst>
       <p:ext uri="{BB962C8B-B14F-4D97-AF65-F5344CB8AC3E}">
-        <p14:creationId xmlns:p14="http://schemas.microsoft.com/office/powerpoint/2010/main" val="1046864860"/>
+        <p14:creationId xmlns:p14="http://schemas.microsoft.com/office/powerpoint/2010/main" val="356426808"/>
       </p:ext>
     </p:extLst>
   </p:cSld>
@@ -2352,7 +2299,7 @@
           <a:bodyPr/>
           <a:lstStyle/>
           <a:p>
-            <a:endParaRPr lang="en-US"/>
+            <a:endParaRPr lang="en-US" dirty="0"/>
           </a:p>
         </p:txBody>
       </p:sp>
@@ -2363,7 +2310,7 @@
             <a:spLocks noGrp="1"/>
           </p:cNvSpPr>
           <p:nvPr>
-            <p:ph type="sldNum" sz="quarter" idx="5"/>
+            <p:ph type="sldNum" sz="quarter" idx="10"/>
           </p:nvPr>
         </p:nvSpPr>
         <p:spPr/>
@@ -2373,7 +2320,7 @@
           <a:p>
             <a:fld id="{392C882F-C55E-0C4C-9C06-F730D65A242C}" type="slidenum">
               <a:rPr lang="en-US" smtClean="0"/>
-              <a:t>25</a:t>
+              <a:t>26</a:t>
             </a:fld>
             <a:endParaRPr lang="en-US"/>
           </a:p>
@@ -2382,7 +2329,7 @@
     </p:spTree>
     <p:extLst>
       <p:ext uri="{BB962C8B-B14F-4D97-AF65-F5344CB8AC3E}">
-        <p14:creationId xmlns:p14="http://schemas.microsoft.com/office/powerpoint/2010/main" val="2547226032"/>
+        <p14:creationId xmlns:p14="http://schemas.microsoft.com/office/powerpoint/2010/main" val="1046864860"/>
       </p:ext>
     </p:extLst>
   </p:cSld>
@@ -2436,31 +2383,7 @@
           <a:bodyPr/>
           <a:lstStyle/>
           <a:p>
-            <a:r>
-              <a:rPr lang="en-US" sz="1200" b="0" i="0" u="none" strike="noStrike" kern="1200" baseline="0" dirty="0">
-                <a:solidFill>
-                  <a:schemeClr val="tx1"/>
-                </a:solidFill>
-                <a:latin typeface="+mn-lt"/>
-                <a:ea typeface="+mn-ea"/>
-                <a:cs typeface="+mn-cs"/>
-              </a:rPr>
-              <a:t> A simple example is shown in Figure 1.9, where we project some 3d data down to a 2d plane. The 2d approximation is quite good, since most points lie close to this subspace. Reducing to 1d would involve projecting points onto the red line in</a:t>
-            </a:r>
-          </a:p>
-          <a:p>
-            <a:r>
-              <a:rPr lang="en-US" sz="1200" b="0" i="0" u="none" strike="noStrike" kern="1200" baseline="0" dirty="0">
-                <a:solidFill>
-                  <a:schemeClr val="tx1"/>
-                </a:solidFill>
-                <a:latin typeface="+mn-lt"/>
-                <a:ea typeface="+mn-ea"/>
-                <a:cs typeface="+mn-cs"/>
-              </a:rPr>
-              <a:t>Figure 1.9(a); this would be a rather poor approximation. (We will make this notion precise in Chapter 12.)</a:t>
-            </a:r>
-            <a:endParaRPr lang="en-US" dirty="0"/>
+            <a:endParaRPr lang="en-US"/>
           </a:p>
         </p:txBody>
       </p:sp>
@@ -2471,7 +2394,7 @@
             <a:spLocks noGrp="1"/>
           </p:cNvSpPr>
           <p:nvPr>
-            <p:ph type="sldNum" sz="quarter" idx="10"/>
+            <p:ph type="sldNum" sz="quarter" idx="5"/>
           </p:nvPr>
         </p:nvSpPr>
         <p:spPr/>
@@ -2481,7 +2404,7 @@
           <a:p>
             <a:fld id="{392C882F-C55E-0C4C-9C06-F730D65A242C}" type="slidenum">
               <a:rPr lang="en-US" smtClean="0"/>
-              <a:t>26</a:t>
+              <a:t>27</a:t>
             </a:fld>
             <a:endParaRPr lang="en-US"/>
           </a:p>
@@ -2490,7 +2413,7 @@
     </p:spTree>
     <p:extLst>
       <p:ext uri="{BB962C8B-B14F-4D97-AF65-F5344CB8AC3E}">
-        <p14:creationId xmlns:p14="http://schemas.microsoft.com/office/powerpoint/2010/main" val="1302151842"/>
+        <p14:creationId xmlns:p14="http://schemas.microsoft.com/office/powerpoint/2010/main" val="2547226032"/>
       </p:ext>
     </p:extLst>
   </p:cSld>
@@ -2544,7 +2467,31 @@
           <a:bodyPr/>
           <a:lstStyle/>
           <a:p>
-            <a:endParaRPr lang="en-US"/>
+            <a:r>
+              <a:rPr lang="en-US" sz="1200" b="0" i="0" u="none" strike="noStrike" kern="1200" baseline="0" dirty="0">
+                <a:solidFill>
+                  <a:schemeClr val="tx1"/>
+                </a:solidFill>
+                <a:latin typeface="+mn-lt"/>
+                <a:ea typeface="+mn-ea"/>
+                <a:cs typeface="+mn-cs"/>
+              </a:rPr>
+              <a:t> A simple example is shown in Figure 1.9, where we project some 3d data down to a 2d plane. The 2d approximation is quite good, since most points lie close to this subspace. Reducing to 1d would involve projecting points onto the red line in</a:t>
+            </a:r>
+          </a:p>
+          <a:p>
+            <a:r>
+              <a:rPr lang="en-US" sz="1200" b="0" i="0" u="none" strike="noStrike" kern="1200" baseline="0" dirty="0">
+                <a:solidFill>
+                  <a:schemeClr val="tx1"/>
+                </a:solidFill>
+                <a:latin typeface="+mn-lt"/>
+                <a:ea typeface="+mn-ea"/>
+                <a:cs typeface="+mn-cs"/>
+              </a:rPr>
+              <a:t>Figure 1.9(a); this would be a rather poor approximation. (We will make this notion precise in Chapter 12.)</a:t>
+            </a:r>
+            <a:endParaRPr lang="en-US" dirty="0"/>
           </a:p>
         </p:txBody>
       </p:sp>
@@ -2555,7 +2502,7 @@
             <a:spLocks noGrp="1"/>
           </p:cNvSpPr>
           <p:nvPr>
-            <p:ph type="sldNum" sz="quarter" idx="5"/>
+            <p:ph type="sldNum" sz="quarter" idx="10"/>
           </p:nvPr>
         </p:nvSpPr>
         <p:spPr/>
@@ -2565,7 +2512,7 @@
           <a:p>
             <a:fld id="{392C882F-C55E-0C4C-9C06-F730D65A242C}" type="slidenum">
               <a:rPr lang="en-US" smtClean="0"/>
-              <a:t>27</a:t>
+              <a:t>28</a:t>
             </a:fld>
             <a:endParaRPr lang="en-US"/>
           </a:p>
@@ -2574,7 +2521,7 @@
     </p:spTree>
     <p:extLst>
       <p:ext uri="{BB962C8B-B14F-4D97-AF65-F5344CB8AC3E}">
-        <p14:creationId xmlns:p14="http://schemas.microsoft.com/office/powerpoint/2010/main" val="745780371"/>
+        <p14:creationId xmlns:p14="http://schemas.microsoft.com/office/powerpoint/2010/main" val="1302151842"/>
       </p:ext>
     </p:extLst>
   </p:cSld>
@@ -2628,36 +2575,7 @@
           <a:bodyPr/>
           <a:lstStyle/>
           <a:p>
-            <a:r>
-              <a:rPr lang="en-US" dirty="0"/>
-              <a:t>Other references</a:t>
-            </a:r>
-            <a:r>
-              <a:rPr lang="en-US" baseline="0" dirty="0"/>
-              <a:t> for parametric vs non-parametric</a:t>
-            </a:r>
-          </a:p>
-          <a:p>
-            <a:r>
-              <a:rPr lang="en-US" dirty="0"/>
-              <a:t>http://</a:t>
-            </a:r>
-            <a:r>
-              <a:rPr lang="en-US" dirty="0" err="1"/>
-              <a:t>mlss.tuebingen.mpg.de</a:t>
-            </a:r>
-            <a:r>
-              <a:rPr lang="en-US" dirty="0"/>
-              <a:t>/2015/slides/</a:t>
-            </a:r>
-            <a:r>
-              <a:rPr lang="en-US" dirty="0" err="1"/>
-              <a:t>ghahramani</a:t>
-            </a:r>
-            <a:r>
-              <a:rPr lang="en-US" dirty="0"/>
-              <a:t>/gp-neural-nets15.pdf</a:t>
-            </a:r>
+            <a:endParaRPr lang="en-US"/>
           </a:p>
         </p:txBody>
       </p:sp>
@@ -2668,7 +2586,7 @@
             <a:spLocks noGrp="1"/>
           </p:cNvSpPr>
           <p:nvPr>
-            <p:ph type="sldNum" sz="quarter" idx="10"/>
+            <p:ph type="sldNum" sz="quarter" idx="5"/>
           </p:nvPr>
         </p:nvSpPr>
         <p:spPr/>
@@ -2678,7 +2596,7 @@
           <a:p>
             <a:fld id="{392C882F-C55E-0C4C-9C06-F730D65A242C}" type="slidenum">
               <a:rPr lang="en-US" smtClean="0"/>
-              <a:t>28</a:t>
+              <a:t>29</a:t>
             </a:fld>
             <a:endParaRPr lang="en-US"/>
           </a:p>
@@ -2687,7 +2605,7 @@
     </p:spTree>
     <p:extLst>
       <p:ext uri="{BB962C8B-B14F-4D97-AF65-F5344CB8AC3E}">
-        <p14:creationId xmlns:p14="http://schemas.microsoft.com/office/powerpoint/2010/main" val="2039723618"/>
+        <p14:creationId xmlns:p14="http://schemas.microsoft.com/office/powerpoint/2010/main" val="745780371"/>
       </p:ext>
     </p:extLst>
   </p:cSld>
@@ -2741,7 +2659,36 @@
           <a:bodyPr/>
           <a:lstStyle/>
           <a:p>
-            <a:endParaRPr lang="en-US"/>
+            <a:r>
+              <a:rPr lang="en-US" dirty="0"/>
+              <a:t>Other references</a:t>
+            </a:r>
+            <a:r>
+              <a:rPr lang="en-US" baseline="0" dirty="0"/>
+              <a:t> for parametric vs non-parametric</a:t>
+            </a:r>
+          </a:p>
+          <a:p>
+            <a:r>
+              <a:rPr lang="en-US" dirty="0"/>
+              <a:t>http://</a:t>
+            </a:r>
+            <a:r>
+              <a:rPr lang="en-US" dirty="0" err="1"/>
+              <a:t>mlss.tuebingen.mpg.de</a:t>
+            </a:r>
+            <a:r>
+              <a:rPr lang="en-US" dirty="0"/>
+              <a:t>/2015/slides/</a:t>
+            </a:r>
+            <a:r>
+              <a:rPr lang="en-US" dirty="0" err="1"/>
+              <a:t>ghahramani</a:t>
+            </a:r>
+            <a:r>
+              <a:rPr lang="en-US" dirty="0"/>
+              <a:t>/gp-neural-nets15.pdf</a:t>
+            </a:r>
           </a:p>
         </p:txBody>
       </p:sp>
@@ -2752,7 +2699,7 @@
             <a:spLocks noGrp="1"/>
           </p:cNvSpPr>
           <p:nvPr>
-            <p:ph type="sldNum" sz="quarter" idx="5"/>
+            <p:ph type="sldNum" sz="quarter" idx="10"/>
           </p:nvPr>
         </p:nvSpPr>
         <p:spPr/>
@@ -2762,7 +2709,7 @@
           <a:p>
             <a:fld id="{392C882F-C55E-0C4C-9C06-F730D65A242C}" type="slidenum">
               <a:rPr lang="en-US" smtClean="0"/>
-              <a:t>29</a:t>
+              <a:t>30</a:t>
             </a:fld>
             <a:endParaRPr lang="en-US"/>
           </a:p>
@@ -2771,7 +2718,7 @@
     </p:spTree>
     <p:extLst>
       <p:ext uri="{BB962C8B-B14F-4D97-AF65-F5344CB8AC3E}">
-        <p14:creationId xmlns:p14="http://schemas.microsoft.com/office/powerpoint/2010/main" val="1211281533"/>
+        <p14:creationId xmlns:p14="http://schemas.microsoft.com/office/powerpoint/2010/main" val="2039723618"/>
       </p:ext>
     </p:extLst>
   </p:cSld>
@@ -2846,7 +2793,7 @@
           <a:p>
             <a:fld id="{392C882F-C55E-0C4C-9C06-F730D65A242C}" type="slidenum">
               <a:rPr lang="en-US" smtClean="0"/>
-              <a:t>30</a:t>
+              <a:t>31</a:t>
             </a:fld>
             <a:endParaRPr lang="en-US"/>
           </a:p>
@@ -2855,7 +2802,7 @@
     </p:spTree>
     <p:extLst>
       <p:ext uri="{BB962C8B-B14F-4D97-AF65-F5344CB8AC3E}">
-        <p14:creationId xmlns:p14="http://schemas.microsoft.com/office/powerpoint/2010/main" val="2688296781"/>
+        <p14:creationId xmlns:p14="http://schemas.microsoft.com/office/powerpoint/2010/main" val="1211281533"/>
       </p:ext>
     </p:extLst>
   </p:cSld>
@@ -2909,44 +2856,7 @@
           <a:bodyPr/>
           <a:lstStyle/>
           <a:p>
-            <a:r>
-              <a:rPr lang="en-US" sz="1200" b="0" i="0" u="none" strike="noStrike" kern="1200" baseline="0" dirty="0">
-                <a:solidFill>
-                  <a:schemeClr val="tx1"/>
-                </a:solidFill>
-                <a:latin typeface="+mn-lt"/>
-                <a:ea typeface="+mn-ea"/>
-                <a:cs typeface="+mn-cs"/>
-              </a:rPr>
-              <a:t> see Figure 1.16. Since the entire range of the data is only 1 along each dimension, we see that the method is no longer very local, despite the name “nearest neighbor”. The trouble with looking at neighbors that are</a:t>
-            </a:r>
-          </a:p>
-          <a:p>
-            <a:r>
-              <a:rPr lang="en-US" sz="1200" b="0" i="0" u="none" strike="noStrike" kern="1200" baseline="0" dirty="0">
-                <a:solidFill>
-                  <a:schemeClr val="tx1"/>
-                </a:solidFill>
-                <a:latin typeface="+mn-lt"/>
-                <a:ea typeface="+mn-ea"/>
-                <a:cs typeface="+mn-cs"/>
-              </a:rPr>
-              <a:t>so far away is that they may not be good predictors about the behavior of the input-output</a:t>
-            </a:r>
-          </a:p>
-          <a:p>
-            <a:r>
-              <a:rPr lang="en-US" sz="1200" b="0" i="0" u="none" strike="noStrike" kern="1200" baseline="0" dirty="0">
-                <a:solidFill>
-                  <a:schemeClr val="tx1"/>
-                </a:solidFill>
-                <a:latin typeface="+mn-lt"/>
-                <a:ea typeface="+mn-ea"/>
-                <a:cs typeface="+mn-cs"/>
-              </a:rPr>
-              <a:t>function at a given point.</a:t>
-            </a:r>
-            <a:endParaRPr lang="en-US" dirty="0"/>
+            <a:endParaRPr lang="en-US"/>
           </a:p>
         </p:txBody>
       </p:sp>
@@ -2957,7 +2867,7 @@
             <a:spLocks noGrp="1"/>
           </p:cNvSpPr>
           <p:nvPr>
-            <p:ph type="sldNum" sz="quarter" idx="10"/>
+            <p:ph type="sldNum" sz="quarter" idx="5"/>
           </p:nvPr>
         </p:nvSpPr>
         <p:spPr/>
@@ -2967,7 +2877,7 @@
           <a:p>
             <a:fld id="{392C882F-C55E-0C4C-9C06-F730D65A242C}" type="slidenum">
               <a:rPr lang="en-US" smtClean="0"/>
-              <a:t>31</a:t>
+              <a:t>32</a:t>
             </a:fld>
             <a:endParaRPr lang="en-US"/>
           </a:p>
@@ -2976,7 +2886,7 @@
     </p:spTree>
     <p:extLst>
       <p:ext uri="{BB962C8B-B14F-4D97-AF65-F5344CB8AC3E}">
-        <p14:creationId xmlns:p14="http://schemas.microsoft.com/office/powerpoint/2010/main" val="777535114"/>
+        <p14:creationId xmlns:p14="http://schemas.microsoft.com/office/powerpoint/2010/main" val="2688296781"/>
       </p:ext>
     </p:extLst>
   </p:cSld>
@@ -3088,7 +2998,7 @@
           <a:p>
             <a:fld id="{392C882F-C55E-0C4C-9C06-F730D65A242C}" type="slidenum">
               <a:rPr lang="en-US" smtClean="0"/>
-              <a:t>32</a:t>
+              <a:t>33</a:t>
             </a:fld>
             <a:endParaRPr lang="en-US"/>
           </a:p>
@@ -3097,7 +3007,7 @@
     </p:spTree>
     <p:extLst>
       <p:ext uri="{BB962C8B-B14F-4D97-AF65-F5344CB8AC3E}">
-        <p14:creationId xmlns:p14="http://schemas.microsoft.com/office/powerpoint/2010/main" val="452435012"/>
+        <p14:creationId xmlns:p14="http://schemas.microsoft.com/office/powerpoint/2010/main" val="777535114"/>
       </p:ext>
     </p:extLst>
   </p:cSld>
@@ -3151,6 +3061,220 @@
           <a:bodyPr/>
           <a:lstStyle/>
           <a:p>
+            <a:r>
+              <a:rPr lang="en-US" sz="1200" b="1" kern="1200" dirty="0">
+                <a:solidFill>
+                  <a:schemeClr val="tx1"/>
+                </a:solidFill>
+                <a:effectLst/>
+                <a:latin typeface="+mn-lt"/>
+                <a:ea typeface="+mn-ea"/>
+                <a:cs typeface="+mn-cs"/>
+              </a:rPr>
+              <a:t>Explore the art science and tools of ML</a:t>
+            </a:r>
+          </a:p>
+          <a:p>
+            <a:endParaRPr lang="en-US" sz="1200" b="1" kern="1200" dirty="0">
+              <a:solidFill>
+                <a:schemeClr val="tx1"/>
+              </a:solidFill>
+              <a:effectLst/>
+              <a:latin typeface="+mn-lt"/>
+              <a:ea typeface="+mn-ea"/>
+              <a:cs typeface="+mn-cs"/>
+            </a:endParaRPr>
+          </a:p>
+          <a:p>
+            <a:r>
+              <a:rPr lang="en-US" sz="1200" b="1" kern="1200" dirty="0">
+                <a:solidFill>
+                  <a:schemeClr val="tx1"/>
+                </a:solidFill>
+                <a:effectLst/>
+                <a:latin typeface="+mn-lt"/>
+                <a:ea typeface="+mn-ea"/>
+                <a:cs typeface="+mn-cs"/>
+              </a:rPr>
+              <a:t>Questions</a:t>
+            </a:r>
+            <a:endParaRPr lang="en-US" sz="1100" kern="1200" dirty="0">
+              <a:solidFill>
+                <a:schemeClr val="tx1"/>
+              </a:solidFill>
+              <a:effectLst/>
+              <a:latin typeface="+mn-lt"/>
+              <a:ea typeface="+mn-ea"/>
+              <a:cs typeface="+mn-cs"/>
+            </a:endParaRPr>
+          </a:p>
+          <a:p>
+            <a:pPr lvl="0"/>
+            <a:r>
+              <a:rPr lang="en-US" sz="1200" kern="1200" dirty="0">
+                <a:solidFill>
+                  <a:schemeClr val="tx1"/>
+                </a:solidFill>
+                <a:effectLst/>
+                <a:latin typeface="+mn-lt"/>
+                <a:ea typeface="+mn-ea"/>
+                <a:cs typeface="+mn-cs"/>
+              </a:rPr>
+              <a:t>What Does it Mean to Learn?</a:t>
+            </a:r>
+            <a:endParaRPr lang="en-US" sz="1100" kern="1200" dirty="0">
+              <a:solidFill>
+                <a:schemeClr val="tx1"/>
+              </a:solidFill>
+              <a:effectLst/>
+              <a:latin typeface="+mn-lt"/>
+              <a:ea typeface="+mn-ea"/>
+              <a:cs typeface="+mn-cs"/>
+            </a:endParaRPr>
+          </a:p>
+          <a:p>
+            <a:pPr lvl="1"/>
+            <a:r>
+              <a:rPr lang="en-US" sz="1200" i="1" kern="1200" dirty="0">
+                <a:solidFill>
+                  <a:schemeClr val="tx1"/>
+                </a:solidFill>
+                <a:effectLst/>
+                <a:latin typeface="+mn-lt"/>
+                <a:ea typeface="+mn-ea"/>
+                <a:cs typeface="+mn-cs"/>
+              </a:rPr>
+              <a:t>The general supervised approach to machine learning: a learning algorithm reads in training data and computes a learned function f.</a:t>
+            </a:r>
+            <a:endParaRPr lang="en-US" sz="1600" kern="1200" dirty="0">
+              <a:solidFill>
+                <a:schemeClr val="tx1"/>
+              </a:solidFill>
+              <a:effectLst/>
+              <a:latin typeface="+mn-lt"/>
+              <a:ea typeface="+mn-ea"/>
+              <a:cs typeface="+mn-cs"/>
+            </a:endParaRPr>
+          </a:p>
+          <a:p>
+            <a:pPr lvl="0"/>
+            <a:r>
+              <a:rPr lang="en-US" sz="1200" kern="1200" dirty="0">
+                <a:solidFill>
+                  <a:schemeClr val="tx1"/>
+                </a:solidFill>
+                <a:effectLst/>
+                <a:latin typeface="+mn-lt"/>
+                <a:ea typeface="+mn-ea"/>
+                <a:cs typeface="+mn-cs"/>
+              </a:rPr>
+              <a:t>What is the difference between memorization and generalization?</a:t>
+            </a:r>
+            <a:endParaRPr lang="en-US" sz="1100" kern="1200" dirty="0">
+              <a:solidFill>
+                <a:schemeClr val="tx1"/>
+              </a:solidFill>
+              <a:effectLst/>
+              <a:latin typeface="+mn-lt"/>
+              <a:ea typeface="+mn-ea"/>
+              <a:cs typeface="+mn-cs"/>
+            </a:endParaRPr>
+          </a:p>
+          <a:p>
+            <a:r>
+              <a:rPr lang="en-US" sz="1200" b="1" kern="1200" dirty="0">
+                <a:solidFill>
+                  <a:schemeClr val="tx1"/>
+                </a:solidFill>
+                <a:effectLst/>
+                <a:latin typeface="+mn-lt"/>
+                <a:ea typeface="+mn-ea"/>
+                <a:cs typeface="+mn-cs"/>
+              </a:rPr>
+              <a:t> </a:t>
+            </a:r>
+            <a:endParaRPr lang="en-US" sz="1100" kern="1200" dirty="0">
+              <a:solidFill>
+                <a:schemeClr val="tx1"/>
+              </a:solidFill>
+              <a:effectLst/>
+              <a:latin typeface="+mn-lt"/>
+              <a:ea typeface="+mn-ea"/>
+              <a:cs typeface="+mn-cs"/>
+            </a:endParaRPr>
+          </a:p>
+          <a:p>
+            <a:r>
+              <a:rPr lang="en-US" sz="1200" b="1" kern="1200" dirty="0">
+                <a:solidFill>
+                  <a:schemeClr val="tx1"/>
+                </a:solidFill>
+                <a:effectLst/>
+                <a:latin typeface="+mn-lt"/>
+                <a:ea typeface="+mn-ea"/>
+                <a:cs typeface="+mn-cs"/>
+              </a:rPr>
+              <a:t>Evidence</a:t>
+            </a:r>
+            <a:endParaRPr lang="en-US" sz="1100" kern="1200" dirty="0">
+              <a:solidFill>
+                <a:schemeClr val="tx1"/>
+              </a:solidFill>
+              <a:effectLst/>
+              <a:latin typeface="+mn-lt"/>
+              <a:ea typeface="+mn-ea"/>
+              <a:cs typeface="+mn-cs"/>
+            </a:endParaRPr>
+          </a:p>
+          <a:p>
+            <a:pPr lvl="0"/>
+            <a:r>
+              <a:rPr lang="en-US" sz="1200" kern="1200" dirty="0">
+                <a:solidFill>
+                  <a:schemeClr val="tx1"/>
+                </a:solidFill>
+                <a:effectLst/>
+                <a:latin typeface="+mn-lt"/>
+                <a:ea typeface="+mn-ea"/>
+                <a:cs typeface="+mn-cs"/>
+              </a:rPr>
+              <a:t>Ask students to formulate a learning problem (in class)</a:t>
+            </a:r>
+            <a:endParaRPr lang="en-US" sz="1100" kern="1200" dirty="0">
+              <a:solidFill>
+                <a:schemeClr val="tx1"/>
+              </a:solidFill>
+              <a:effectLst/>
+              <a:latin typeface="+mn-lt"/>
+              <a:ea typeface="+mn-ea"/>
+              <a:cs typeface="+mn-cs"/>
+            </a:endParaRPr>
+          </a:p>
+          <a:p>
+            <a:pPr lvl="0"/>
+            <a:r>
+              <a:rPr lang="en-US" sz="1200" kern="1200" dirty="0">
+                <a:solidFill>
+                  <a:schemeClr val="tx1"/>
+                </a:solidFill>
+                <a:effectLst/>
+                <a:latin typeface="+mn-lt"/>
+                <a:ea typeface="+mn-ea"/>
+                <a:cs typeface="+mn-cs"/>
+              </a:rPr>
+              <a:t>Homework (focusing on revisions and assessing what they know in terms of basic probability and statistics, calculus, and linear algebra)</a:t>
+            </a:r>
+            <a:endParaRPr lang="en-US" sz="1100" kern="1200" dirty="0">
+              <a:solidFill>
+                <a:schemeClr val="tx1"/>
+              </a:solidFill>
+              <a:effectLst/>
+              <a:latin typeface="+mn-lt"/>
+              <a:ea typeface="+mn-ea"/>
+              <a:cs typeface="+mn-cs"/>
+            </a:endParaRPr>
+          </a:p>
+          <a:p>
             <a:endParaRPr lang="en-US" dirty="0"/>
           </a:p>
         </p:txBody>
@@ -3162,7 +3286,7 @@
             <a:spLocks noGrp="1"/>
           </p:cNvSpPr>
           <p:nvPr>
-            <p:ph type="sldNum" sz="quarter" idx="10"/>
+            <p:ph type="sldNum" sz="quarter" idx="5"/>
           </p:nvPr>
         </p:nvSpPr>
         <p:spPr/>
@@ -3172,7 +3296,7 @@
           <a:p>
             <a:fld id="{392C882F-C55E-0C4C-9C06-F730D65A242C}" type="slidenum">
               <a:rPr lang="en-US" smtClean="0"/>
-              <a:t>3</a:t>
+              <a:t>4</a:t>
             </a:fld>
             <a:endParaRPr lang="en-US"/>
           </a:p>
@@ -3181,7 +3305,7 @@
     </p:spTree>
     <p:extLst>
       <p:ext uri="{BB962C8B-B14F-4D97-AF65-F5344CB8AC3E}">
-        <p14:creationId xmlns:p14="http://schemas.microsoft.com/office/powerpoint/2010/main" val="674062382"/>
+        <p14:creationId xmlns:p14="http://schemas.microsoft.com/office/powerpoint/2010/main" val="801682365"/>
       </p:ext>
     </p:extLst>
   </p:cSld>
@@ -3235,19 +3359,6 @@
           <a:bodyPr/>
           <a:lstStyle/>
           <a:p>
-            <a:endParaRPr lang="pl-PL" baseline="30000" dirty="0"/>
-          </a:p>
-          <a:p>
-            <a:endParaRPr lang="en-US" sz="1200" b="0" i="0" u="none" strike="noStrike" kern="1200" baseline="0" dirty="0">
-              <a:solidFill>
-                <a:schemeClr val="tx1"/>
-              </a:solidFill>
-              <a:latin typeface="+mn-lt"/>
-              <a:ea typeface="+mn-ea"/>
-              <a:cs typeface="+mn-cs"/>
-            </a:endParaRPr>
-          </a:p>
-          <a:p>
             <a:r>
               <a:rPr lang="en-US" sz="1200" b="0" i="0" u="none" strike="noStrike" kern="1200" baseline="0" dirty="0">
                 <a:solidFill>
@@ -3257,7 +3368,33 @@
                 <a:ea typeface="+mn-ea"/>
                 <a:cs typeface="+mn-cs"/>
               </a:rPr>
-              <a:t>7. In statistics, it is more common to denote the regression weights by β.</a:t>
+              <a:t> see Figure 1.16. Since the entire range of the data is only 1 along each dimension, we see that the method is no longer very local, despite the name “nearest neighbor”. The trouble with looking at neighbors that are</a:t>
+            </a:r>
+          </a:p>
+          <a:p>
+            <a:r>
+              <a:rPr lang="en-US" sz="1200" b="0" i="0" u="none" strike="noStrike" kern="1200" baseline="0" dirty="0">
+                <a:solidFill>
+                  <a:schemeClr val="tx1"/>
+                </a:solidFill>
+                <a:latin typeface="+mn-lt"/>
+                <a:ea typeface="+mn-ea"/>
+                <a:cs typeface="+mn-cs"/>
+              </a:rPr>
+              <a:t>so far away is that they may not be good predictors about the behavior of the input-output</a:t>
+            </a:r>
+          </a:p>
+          <a:p>
+            <a:r>
+              <a:rPr lang="en-US" sz="1200" b="0" i="0" u="none" strike="noStrike" kern="1200" baseline="0" dirty="0">
+                <a:solidFill>
+                  <a:schemeClr val="tx1"/>
+                </a:solidFill>
+                <a:latin typeface="+mn-lt"/>
+                <a:ea typeface="+mn-ea"/>
+                <a:cs typeface="+mn-cs"/>
+              </a:rPr>
+              <a:t>function at a given point.</a:t>
             </a:r>
             <a:endParaRPr lang="en-US" dirty="0"/>
           </a:p>
@@ -3289,7 +3426,7 @@
     </p:spTree>
     <p:extLst>
       <p:ext uri="{BB962C8B-B14F-4D97-AF65-F5344CB8AC3E}">
-        <p14:creationId xmlns:p14="http://schemas.microsoft.com/office/powerpoint/2010/main" val="298125972"/>
+        <p14:creationId xmlns:p14="http://schemas.microsoft.com/office/powerpoint/2010/main" val="452435012"/>
       </p:ext>
     </p:extLst>
   </p:cSld>
@@ -3343,173 +3480,29 @@
           <a:bodyPr/>
           <a:lstStyle/>
           <a:p>
-            <a:r>
-              <a:rPr lang="en-US" sz="1200" b="1" i="0" kern="1200" dirty="0">
+            <a:endParaRPr lang="pl-PL" baseline="30000" dirty="0"/>
+          </a:p>
+          <a:p>
+            <a:endParaRPr lang="en-US" sz="1200" b="0" i="0" u="none" strike="noStrike" kern="1200" baseline="0" dirty="0">
+              <a:solidFill>
+                <a:schemeClr val="tx1"/>
+              </a:solidFill>
+              <a:latin typeface="+mn-lt"/>
+              <a:ea typeface="+mn-ea"/>
+              <a:cs typeface="+mn-cs"/>
+            </a:endParaRPr>
+          </a:p>
+          <a:p>
+            <a:r>
+              <a:rPr lang="en-US" sz="1200" b="0" i="0" u="none" strike="noStrike" kern="1200" baseline="0" dirty="0">
                 <a:solidFill>
                   <a:schemeClr val="tx1"/>
                 </a:solidFill>
-                <a:effectLst/>
                 <a:latin typeface="+mn-lt"/>
                 <a:ea typeface="+mn-ea"/>
                 <a:cs typeface="+mn-cs"/>
               </a:rPr>
-              <a:t>probability density function</a:t>
-            </a:r>
-            <a:r>
-              <a:rPr lang="en-US" sz="1200" b="0" i="0" kern="1200" dirty="0">
-                <a:solidFill>
-                  <a:schemeClr val="tx1"/>
-                </a:solidFill>
-                <a:effectLst/>
-                <a:latin typeface="+mn-lt"/>
-                <a:ea typeface="+mn-ea"/>
-                <a:cs typeface="+mn-cs"/>
-              </a:rPr>
-              <a:t> (</a:t>
-            </a:r>
-            <a:r>
-              <a:rPr lang="en-US" sz="1200" b="1" i="0" kern="1200" dirty="0">
-                <a:solidFill>
-                  <a:schemeClr val="tx1"/>
-                </a:solidFill>
-                <a:effectLst/>
-                <a:latin typeface="+mn-lt"/>
-                <a:ea typeface="+mn-ea"/>
-                <a:cs typeface="+mn-cs"/>
-              </a:rPr>
-              <a:t>PDF</a:t>
-            </a:r>
-            <a:r>
-              <a:rPr lang="en-US" sz="1200" b="0" i="0" kern="1200" dirty="0">
-                <a:solidFill>
-                  <a:schemeClr val="tx1"/>
-                </a:solidFill>
-                <a:effectLst/>
-                <a:latin typeface="+mn-lt"/>
-                <a:ea typeface="+mn-ea"/>
-                <a:cs typeface="+mn-cs"/>
-              </a:rPr>
-              <a:t>), or </a:t>
-            </a:r>
-            <a:r>
-              <a:rPr lang="en-US" sz="1200" b="1" i="0" kern="1200" dirty="0">
-                <a:solidFill>
-                  <a:schemeClr val="tx1"/>
-                </a:solidFill>
-                <a:effectLst/>
-                <a:latin typeface="+mn-lt"/>
-                <a:ea typeface="+mn-ea"/>
-                <a:cs typeface="+mn-cs"/>
-              </a:rPr>
-              <a:t>density</a:t>
-            </a:r>
-            <a:r>
-              <a:rPr lang="en-US" sz="1200" b="0" i="0" kern="1200" dirty="0">
-                <a:solidFill>
-                  <a:schemeClr val="tx1"/>
-                </a:solidFill>
-                <a:effectLst/>
-                <a:latin typeface="+mn-lt"/>
-                <a:ea typeface="+mn-ea"/>
-                <a:cs typeface="+mn-cs"/>
-              </a:rPr>
-              <a:t> of a </a:t>
-            </a:r>
-            <a:r>
-              <a:rPr lang="en-US" sz="1200" b="0" i="0" u="none" strike="noStrike" kern="1200" dirty="0">
-                <a:solidFill>
-                  <a:schemeClr val="tx1"/>
-                </a:solidFill>
-                <a:effectLst/>
-                <a:latin typeface="+mn-lt"/>
-                <a:ea typeface="+mn-ea"/>
-                <a:cs typeface="+mn-cs"/>
-              </a:rPr>
-              <a:t>continuous random variable</a:t>
-            </a:r>
-            <a:r>
-              <a:rPr lang="en-US" sz="1200" b="0" i="0" kern="1200" dirty="0">
-                <a:solidFill>
-                  <a:schemeClr val="tx1"/>
-                </a:solidFill>
-                <a:effectLst/>
-                <a:latin typeface="+mn-lt"/>
-                <a:ea typeface="+mn-ea"/>
-                <a:cs typeface="+mn-cs"/>
-              </a:rPr>
-              <a:t>, is a </a:t>
-            </a:r>
-            <a:r>
-              <a:rPr lang="en-US" sz="1200" b="0" i="0" u="none" strike="noStrike" kern="1200" dirty="0">
-                <a:solidFill>
-                  <a:schemeClr val="tx1"/>
-                </a:solidFill>
-                <a:effectLst/>
-                <a:latin typeface="+mn-lt"/>
-                <a:ea typeface="+mn-ea"/>
-                <a:cs typeface="+mn-cs"/>
-              </a:rPr>
-              <a:t>function</a:t>
-            </a:r>
-            <a:r>
-              <a:rPr lang="en-US" sz="1200" b="0" i="0" kern="1200" dirty="0">
-                <a:solidFill>
-                  <a:schemeClr val="tx1"/>
-                </a:solidFill>
-                <a:effectLst/>
-                <a:latin typeface="+mn-lt"/>
-                <a:ea typeface="+mn-ea"/>
-                <a:cs typeface="+mn-cs"/>
-              </a:rPr>
-              <a:t>, whose value at any given sample (or point) in the </a:t>
-            </a:r>
-            <a:r>
-              <a:rPr lang="en-US" sz="1200" b="0" i="0" u="none" strike="noStrike" kern="1200" dirty="0">
-                <a:solidFill>
-                  <a:schemeClr val="tx1"/>
-                </a:solidFill>
-                <a:effectLst/>
-                <a:latin typeface="+mn-lt"/>
-                <a:ea typeface="+mn-ea"/>
-                <a:cs typeface="+mn-cs"/>
-              </a:rPr>
-              <a:t>sample space</a:t>
-            </a:r>
-            <a:r>
-              <a:rPr lang="en-US" sz="1200" b="0" i="0" kern="1200" dirty="0">
-                <a:solidFill>
-                  <a:schemeClr val="tx1"/>
-                </a:solidFill>
-                <a:effectLst/>
-                <a:latin typeface="+mn-lt"/>
-                <a:ea typeface="+mn-ea"/>
-                <a:cs typeface="+mn-cs"/>
-              </a:rPr>
-              <a:t> (the set of possible values taken by the random variable) can be interpreted as providing a </a:t>
-            </a:r>
-            <a:r>
-              <a:rPr lang="en-US" sz="1200" b="0" i="1" kern="1200" dirty="0">
-                <a:solidFill>
-                  <a:schemeClr val="tx1"/>
-                </a:solidFill>
-                <a:effectLst/>
-                <a:latin typeface="+mn-lt"/>
-                <a:ea typeface="+mn-ea"/>
-                <a:cs typeface="+mn-cs"/>
-              </a:rPr>
-              <a:t>relative likelihood</a:t>
-            </a:r>
-            <a:r>
-              <a:rPr lang="en-US" sz="1200" b="0" i="0" kern="1200" dirty="0">
-                <a:solidFill>
-                  <a:schemeClr val="tx1"/>
-                </a:solidFill>
-                <a:effectLst/>
-                <a:latin typeface="+mn-lt"/>
-                <a:ea typeface="+mn-ea"/>
-                <a:cs typeface="+mn-cs"/>
-              </a:rPr>
-              <a:t> that the value of the random variable would equal that sample.</a:t>
+              <a:t>7. In statistics, it is more common to denote the regression weights by β.</a:t>
             </a:r>
             <a:endParaRPr lang="en-US" dirty="0"/>
           </a:p>
@@ -3532,7 +3525,7 @@
           <a:p>
             <a:fld id="{392C882F-C55E-0C4C-9C06-F730D65A242C}" type="slidenum">
               <a:rPr lang="en-US" smtClean="0"/>
-              <a:t>35</a:t>
+              <a:t>36</a:t>
             </a:fld>
             <a:endParaRPr lang="en-US"/>
           </a:p>
@@ -3541,7 +3534,7 @@
     </p:spTree>
     <p:extLst>
       <p:ext uri="{BB962C8B-B14F-4D97-AF65-F5344CB8AC3E}">
-        <p14:creationId xmlns:p14="http://schemas.microsoft.com/office/powerpoint/2010/main" val="1472571462"/>
+        <p14:creationId xmlns:p14="http://schemas.microsoft.com/office/powerpoint/2010/main" val="298125972"/>
       </p:ext>
     </p:extLst>
   </p:cSld>
@@ -3595,7 +3588,175 @@
           <a:bodyPr/>
           <a:lstStyle/>
           <a:p>
-            <a:endParaRPr lang="en-US"/>
+            <a:r>
+              <a:rPr lang="en-US" sz="1200" b="1" i="0" kern="1200" dirty="0">
+                <a:solidFill>
+                  <a:schemeClr val="tx1"/>
+                </a:solidFill>
+                <a:effectLst/>
+                <a:latin typeface="+mn-lt"/>
+                <a:ea typeface="+mn-ea"/>
+                <a:cs typeface="+mn-cs"/>
+              </a:rPr>
+              <a:t>probability density function</a:t>
+            </a:r>
+            <a:r>
+              <a:rPr lang="en-US" sz="1200" b="0" i="0" kern="1200" dirty="0">
+                <a:solidFill>
+                  <a:schemeClr val="tx1"/>
+                </a:solidFill>
+                <a:effectLst/>
+                <a:latin typeface="+mn-lt"/>
+                <a:ea typeface="+mn-ea"/>
+                <a:cs typeface="+mn-cs"/>
+              </a:rPr>
+              <a:t> (</a:t>
+            </a:r>
+            <a:r>
+              <a:rPr lang="en-US" sz="1200" b="1" i="0" kern="1200" dirty="0">
+                <a:solidFill>
+                  <a:schemeClr val="tx1"/>
+                </a:solidFill>
+                <a:effectLst/>
+                <a:latin typeface="+mn-lt"/>
+                <a:ea typeface="+mn-ea"/>
+                <a:cs typeface="+mn-cs"/>
+              </a:rPr>
+              <a:t>PDF</a:t>
+            </a:r>
+            <a:r>
+              <a:rPr lang="en-US" sz="1200" b="0" i="0" kern="1200" dirty="0">
+                <a:solidFill>
+                  <a:schemeClr val="tx1"/>
+                </a:solidFill>
+                <a:effectLst/>
+                <a:latin typeface="+mn-lt"/>
+                <a:ea typeface="+mn-ea"/>
+                <a:cs typeface="+mn-cs"/>
+              </a:rPr>
+              <a:t>), or </a:t>
+            </a:r>
+            <a:r>
+              <a:rPr lang="en-US" sz="1200" b="1" i="0" kern="1200" dirty="0">
+                <a:solidFill>
+                  <a:schemeClr val="tx1"/>
+                </a:solidFill>
+                <a:effectLst/>
+                <a:latin typeface="+mn-lt"/>
+                <a:ea typeface="+mn-ea"/>
+                <a:cs typeface="+mn-cs"/>
+              </a:rPr>
+              <a:t>density</a:t>
+            </a:r>
+            <a:r>
+              <a:rPr lang="en-US" sz="1200" b="0" i="0" kern="1200" dirty="0">
+                <a:solidFill>
+                  <a:schemeClr val="tx1"/>
+                </a:solidFill>
+                <a:effectLst/>
+                <a:latin typeface="+mn-lt"/>
+                <a:ea typeface="+mn-ea"/>
+                <a:cs typeface="+mn-cs"/>
+              </a:rPr>
+              <a:t> of a </a:t>
+            </a:r>
+            <a:r>
+              <a:rPr lang="en-US" sz="1200" b="0" i="0" u="none" strike="noStrike" kern="1200" dirty="0">
+                <a:solidFill>
+                  <a:schemeClr val="tx1"/>
+                </a:solidFill>
+                <a:effectLst/>
+                <a:latin typeface="+mn-lt"/>
+                <a:ea typeface="+mn-ea"/>
+                <a:cs typeface="+mn-cs"/>
+              </a:rPr>
+              <a:t>continuous random variable</a:t>
+            </a:r>
+            <a:r>
+              <a:rPr lang="en-US" sz="1200" b="0" i="0" kern="1200" dirty="0">
+                <a:solidFill>
+                  <a:schemeClr val="tx1"/>
+                </a:solidFill>
+                <a:effectLst/>
+                <a:latin typeface="+mn-lt"/>
+                <a:ea typeface="+mn-ea"/>
+                <a:cs typeface="+mn-cs"/>
+              </a:rPr>
+              <a:t>, is a </a:t>
+            </a:r>
+            <a:r>
+              <a:rPr lang="en-US" sz="1200" b="0" i="0" u="none" strike="noStrike" kern="1200" dirty="0">
+                <a:solidFill>
+                  <a:schemeClr val="tx1"/>
+                </a:solidFill>
+                <a:effectLst/>
+                <a:latin typeface="+mn-lt"/>
+                <a:ea typeface="+mn-ea"/>
+                <a:cs typeface="+mn-cs"/>
+              </a:rPr>
+              <a:t>function</a:t>
+            </a:r>
+            <a:r>
+              <a:rPr lang="en-US" sz="1200" b="0" i="0" kern="1200" dirty="0">
+                <a:solidFill>
+                  <a:schemeClr val="tx1"/>
+                </a:solidFill>
+                <a:effectLst/>
+                <a:latin typeface="+mn-lt"/>
+                <a:ea typeface="+mn-ea"/>
+                <a:cs typeface="+mn-cs"/>
+              </a:rPr>
+              <a:t>, whose value at any given sample (or point) in the </a:t>
+            </a:r>
+            <a:r>
+              <a:rPr lang="en-US" sz="1200" b="0" i="0" u="none" strike="noStrike" kern="1200" dirty="0">
+                <a:solidFill>
+                  <a:schemeClr val="tx1"/>
+                </a:solidFill>
+                <a:effectLst/>
+                <a:latin typeface="+mn-lt"/>
+                <a:ea typeface="+mn-ea"/>
+                <a:cs typeface="+mn-cs"/>
+              </a:rPr>
+              <a:t>sample space</a:t>
+            </a:r>
+            <a:r>
+              <a:rPr lang="en-US" sz="1200" b="0" i="0" kern="1200" dirty="0">
+                <a:solidFill>
+                  <a:schemeClr val="tx1"/>
+                </a:solidFill>
+                <a:effectLst/>
+                <a:latin typeface="+mn-lt"/>
+                <a:ea typeface="+mn-ea"/>
+                <a:cs typeface="+mn-cs"/>
+              </a:rPr>
+              <a:t> (the set of possible values taken by the random variable) can be interpreted as providing a </a:t>
+            </a:r>
+            <a:r>
+              <a:rPr lang="en-US" sz="1200" b="0" i="1" kern="1200" dirty="0">
+                <a:solidFill>
+                  <a:schemeClr val="tx1"/>
+                </a:solidFill>
+                <a:effectLst/>
+                <a:latin typeface="+mn-lt"/>
+                <a:ea typeface="+mn-ea"/>
+                <a:cs typeface="+mn-cs"/>
+              </a:rPr>
+              <a:t>relative likelihood</a:t>
+            </a:r>
+            <a:r>
+              <a:rPr lang="en-US" sz="1200" b="0" i="0" kern="1200" dirty="0">
+                <a:solidFill>
+                  <a:schemeClr val="tx1"/>
+                </a:solidFill>
+                <a:effectLst/>
+                <a:latin typeface="+mn-lt"/>
+                <a:ea typeface="+mn-ea"/>
+                <a:cs typeface="+mn-cs"/>
+              </a:rPr>
+              <a:t> that the value of the random variable would equal that sample.</a:t>
+            </a:r>
+            <a:endParaRPr lang="en-US" dirty="0"/>
           </a:p>
         </p:txBody>
       </p:sp>
@@ -3606,7 +3767,7 @@
             <a:spLocks noGrp="1"/>
           </p:cNvSpPr>
           <p:nvPr>
-            <p:ph type="sldNum" sz="quarter" idx="5"/>
+            <p:ph type="sldNum" sz="quarter" idx="10"/>
           </p:nvPr>
         </p:nvSpPr>
         <p:spPr/>
@@ -3616,7 +3777,7 @@
           <a:p>
             <a:fld id="{392C882F-C55E-0C4C-9C06-F730D65A242C}" type="slidenum">
               <a:rPr lang="en-US" smtClean="0"/>
-              <a:t>36</a:t>
+              <a:t>37</a:t>
             </a:fld>
             <a:endParaRPr lang="en-US"/>
           </a:p>
@@ -3625,7 +3786,7 @@
     </p:spTree>
     <p:extLst>
       <p:ext uri="{BB962C8B-B14F-4D97-AF65-F5344CB8AC3E}">
-        <p14:creationId xmlns:p14="http://schemas.microsoft.com/office/powerpoint/2010/main" val="3594412081"/>
+        <p14:creationId xmlns:p14="http://schemas.microsoft.com/office/powerpoint/2010/main" val="1472571462"/>
       </p:ext>
     </p:extLst>
   </p:cSld>
@@ -3700,7 +3861,7 @@
           <a:p>
             <a:fld id="{392C882F-C55E-0C4C-9C06-F730D65A242C}" type="slidenum">
               <a:rPr lang="en-US" smtClean="0"/>
-              <a:t>37</a:t>
+              <a:t>38</a:t>
             </a:fld>
             <a:endParaRPr lang="en-US"/>
           </a:p>
@@ -3709,7 +3870,7 @@
     </p:spTree>
     <p:extLst>
       <p:ext uri="{BB962C8B-B14F-4D97-AF65-F5344CB8AC3E}">
-        <p14:creationId xmlns:p14="http://schemas.microsoft.com/office/powerpoint/2010/main" val="552188359"/>
+        <p14:creationId xmlns:p14="http://schemas.microsoft.com/office/powerpoint/2010/main" val="3594412081"/>
       </p:ext>
     </p:extLst>
   </p:cSld>
@@ -3784,7 +3945,7 @@
           <a:p>
             <a:fld id="{392C882F-C55E-0C4C-9C06-F730D65A242C}" type="slidenum">
               <a:rPr lang="en-US" smtClean="0"/>
-              <a:t>38</a:t>
+              <a:t>39</a:t>
             </a:fld>
             <a:endParaRPr lang="en-US"/>
           </a:p>
@@ -3793,7 +3954,7 @@
     </p:spTree>
     <p:extLst>
       <p:ext uri="{BB962C8B-B14F-4D97-AF65-F5344CB8AC3E}">
-        <p14:creationId xmlns:p14="http://schemas.microsoft.com/office/powerpoint/2010/main" val="3417603364"/>
+        <p14:creationId xmlns:p14="http://schemas.microsoft.com/office/powerpoint/2010/main" val="552188359"/>
       </p:ext>
     </p:extLst>
   </p:cSld>
@@ -3868,7 +4029,7 @@
           <a:p>
             <a:fld id="{392C882F-C55E-0C4C-9C06-F730D65A242C}" type="slidenum">
               <a:rPr lang="en-US" smtClean="0"/>
-              <a:t>39</a:t>
+              <a:t>40</a:t>
             </a:fld>
             <a:endParaRPr lang="en-US"/>
           </a:p>
@@ -3877,7 +4038,7 @@
     </p:spTree>
     <p:extLst>
       <p:ext uri="{BB962C8B-B14F-4D97-AF65-F5344CB8AC3E}">
-        <p14:creationId xmlns:p14="http://schemas.microsoft.com/office/powerpoint/2010/main" val="3131932982"/>
+        <p14:creationId xmlns:p14="http://schemas.microsoft.com/office/powerpoint/2010/main" val="3417603364"/>
       </p:ext>
     </p:extLst>
   </p:cSld>
@@ -3952,7 +4113,7 @@
           <a:p>
             <a:fld id="{392C882F-C55E-0C4C-9C06-F730D65A242C}" type="slidenum">
               <a:rPr lang="en-US" smtClean="0"/>
-              <a:t>40</a:t>
+              <a:t>41</a:t>
             </a:fld>
             <a:endParaRPr lang="en-US"/>
           </a:p>
@@ -3961,7 +4122,7 @@
     </p:spTree>
     <p:extLst>
       <p:ext uri="{BB962C8B-B14F-4D97-AF65-F5344CB8AC3E}">
-        <p14:creationId xmlns:p14="http://schemas.microsoft.com/office/powerpoint/2010/main" val="1937973795"/>
+        <p14:creationId xmlns:p14="http://schemas.microsoft.com/office/powerpoint/2010/main" val="3131932982"/>
       </p:ext>
     </p:extLst>
   </p:cSld>
@@ -4036,7 +4197,7 @@
           <a:p>
             <a:fld id="{392C882F-C55E-0C4C-9C06-F730D65A242C}" type="slidenum">
               <a:rPr lang="en-US" smtClean="0"/>
-              <a:t>41</a:t>
+              <a:t>42</a:t>
             </a:fld>
             <a:endParaRPr lang="en-US"/>
           </a:p>
@@ -4045,7 +4206,7 @@
     </p:spTree>
     <p:extLst>
       <p:ext uri="{BB962C8B-B14F-4D97-AF65-F5344CB8AC3E}">
-        <p14:creationId xmlns:p14="http://schemas.microsoft.com/office/powerpoint/2010/main" val="3202400794"/>
+        <p14:creationId xmlns:p14="http://schemas.microsoft.com/office/powerpoint/2010/main" val="1937973795"/>
       </p:ext>
     </p:extLst>
   </p:cSld>
@@ -4120,7 +4281,7 @@
           <a:p>
             <a:fld id="{392C882F-C55E-0C4C-9C06-F730D65A242C}" type="slidenum">
               <a:rPr lang="en-US" smtClean="0"/>
-              <a:t>42</a:t>
+              <a:t>43</a:t>
             </a:fld>
             <a:endParaRPr lang="en-US"/>
           </a:p>
@@ -4129,7 +4290,7 @@
     </p:spTree>
     <p:extLst>
       <p:ext uri="{BB962C8B-B14F-4D97-AF65-F5344CB8AC3E}">
-        <p14:creationId xmlns:p14="http://schemas.microsoft.com/office/powerpoint/2010/main" val="2028670970"/>
+        <p14:creationId xmlns:p14="http://schemas.microsoft.com/office/powerpoint/2010/main" val="3202400794"/>
       </p:ext>
     </p:extLst>
   </p:cSld>
@@ -4204,7 +4365,7 @@
           <a:p>
             <a:fld id="{392C882F-C55E-0C4C-9C06-F730D65A242C}" type="slidenum">
               <a:rPr lang="en-US" smtClean="0"/>
-              <a:t>43</a:t>
+              <a:t>44</a:t>
             </a:fld>
             <a:endParaRPr lang="en-US"/>
           </a:p>
@@ -4213,7 +4374,7 @@
     </p:spTree>
     <p:extLst>
       <p:ext uri="{BB962C8B-B14F-4D97-AF65-F5344CB8AC3E}">
-        <p14:creationId xmlns:p14="http://schemas.microsoft.com/office/powerpoint/2010/main" val="3448110109"/>
+        <p14:creationId xmlns:p14="http://schemas.microsoft.com/office/powerpoint/2010/main" val="2028670970"/>
       </p:ext>
     </p:extLst>
   </p:cSld>
@@ -4268,251 +4429,9 @@
           <a:lstStyle/>
           <a:p>
             <a:r>
-              <a:rPr lang="en-US" sz="1200" b="0" i="0" u="none" strike="noStrike" kern="1200" baseline="0" dirty="0">
-                <a:solidFill>
-                  <a:schemeClr val="tx1"/>
-                </a:solidFill>
-                <a:latin typeface="+mn-lt"/>
-                <a:ea typeface="+mn-ea"/>
-                <a:cs typeface="+mn-cs"/>
-              </a:rPr>
-              <a:t>We are entering the era of big data . For example, there are about 1 trillion web pages; one hour of video is uploaded to YouTube every second, amounting to 10 years of content every day ; </a:t>
-            </a:r>
-          </a:p>
-          <a:p>
-            <a:r>
-              <a:rPr lang="en-US" sz="1200" b="0" i="0" u="none" strike="noStrike" kern="1200" baseline="0" dirty="0">
-                <a:solidFill>
-                  <a:schemeClr val="tx1"/>
-                </a:solidFill>
-                <a:latin typeface="+mn-lt"/>
-                <a:ea typeface="+mn-ea"/>
-                <a:cs typeface="+mn-cs"/>
-              </a:rPr>
-              <a:t>the genomes of 1000s of people, each of which has a length of 3.8 ¡¿ 109  base pairs, have been sequenced by various labs; Walmart handles more than 1M transactions per hour and has databases containing more than 2.5 petabytes (2.5 x 10</a:t>
-            </a:r>
-            <a:r>
-              <a:rPr lang="en-US" sz="1200" b="0" i="0" u="none" strike="noStrike" kern="1200" baseline="30000" dirty="0">
-                <a:solidFill>
-                  <a:schemeClr val="tx1"/>
-                </a:solidFill>
-                <a:latin typeface="+mn-lt"/>
-                <a:ea typeface="+mn-ea"/>
-                <a:cs typeface="+mn-cs"/>
-              </a:rPr>
-              <a:t>15</a:t>
-            </a:r>
-            <a:r>
-              <a:rPr lang="en-US" sz="1200" b="0" i="0" u="none" strike="noStrike" kern="1200" baseline="0" dirty="0">
-                <a:solidFill>
-                  <a:schemeClr val="tx1"/>
-                </a:solidFill>
-                <a:latin typeface="+mn-lt"/>
-                <a:ea typeface="+mn-ea"/>
-                <a:cs typeface="+mn-cs"/>
-              </a:rPr>
-              <a:t> ) of information (</a:t>
-            </a:r>
-            <a:r>
-              <a:rPr lang="en-US" sz="1200" b="0" i="0" u="none" strike="noStrike" kern="1200" baseline="0" dirty="0" err="1">
-                <a:solidFill>
-                  <a:schemeClr val="tx1"/>
-                </a:solidFill>
-                <a:latin typeface="+mn-lt"/>
-                <a:ea typeface="+mn-ea"/>
-                <a:cs typeface="+mn-cs"/>
-              </a:rPr>
-              <a:t>Cukier</a:t>
-            </a:r>
-            <a:r>
-              <a:rPr lang="en-US" sz="1200" b="0" i="0" u="none" strike="noStrike" kern="1200" baseline="0" dirty="0">
-                <a:solidFill>
-                  <a:schemeClr val="tx1"/>
-                </a:solidFill>
-                <a:latin typeface="+mn-lt"/>
-                <a:ea typeface="+mn-ea"/>
-                <a:cs typeface="+mn-cs"/>
-              </a:rPr>
-              <a:t> 2010); and so</a:t>
-            </a:r>
-          </a:p>
-          <a:p>
-            <a:r>
-              <a:rPr lang="nb-NO" sz="1200" b="0" i="0" u="none" strike="noStrike" kern="1200" baseline="0" dirty="0">
-                <a:solidFill>
-                  <a:schemeClr val="tx1"/>
-                </a:solidFill>
-                <a:latin typeface="+mn-lt"/>
-                <a:ea typeface="+mn-ea"/>
-                <a:cs typeface="+mn-cs"/>
-              </a:rPr>
-              <a:t>on.</a:t>
-            </a:r>
-          </a:p>
-          <a:p>
-            <a:endParaRPr lang="nb-NO" sz="1200" b="0" i="0" u="none" strike="noStrike" kern="1200" baseline="0" dirty="0">
-              <a:solidFill>
-                <a:schemeClr val="tx1"/>
-              </a:solidFill>
-              <a:latin typeface="+mn-lt"/>
-              <a:ea typeface="+mn-ea"/>
-              <a:cs typeface="+mn-cs"/>
-            </a:endParaRPr>
-          </a:p>
-          <a:p>
-            <a:r>
-              <a:rPr lang="en-US" dirty="0"/>
-              <a:t>Examples of Machine Learning</a:t>
-            </a:r>
-          </a:p>
-          <a:p>
-            <a:pPr marL="0" marR="0" indent="0" algn="l" defTabSz="914400" rtl="0" eaLnBrk="1" fontAlgn="auto" latinLnBrk="0" hangingPunct="1">
-              <a:lnSpc>
-                <a:spcPct val="100000"/>
-              </a:lnSpc>
-              <a:spcBef>
-                <a:spcPts val="0"/>
-              </a:spcBef>
-              <a:spcAft>
-                <a:spcPts val="0"/>
-              </a:spcAft>
-              <a:buClrTx/>
-              <a:buSzTx/>
-              <a:buFontTx/>
-              <a:buNone/>
-              <a:tabLst/>
-              <a:defRPr/>
-            </a:pPr>
-            <a:r>
-              <a:rPr lang="en-US" dirty="0">
-                <a:hlinkClick r:id="rId3"/>
-              </a:rPr>
-              <a:t>https://www.redpixie.com/blog/examples-of-machine-learning</a:t>
-            </a:r>
-            <a:endParaRPr lang="en-US" dirty="0"/>
-          </a:p>
-          <a:p>
-            <a:endParaRPr lang="nb-NO" sz="1200" b="0" i="0" u="none" strike="noStrike" kern="1200" baseline="0" dirty="0">
-              <a:solidFill>
-                <a:schemeClr val="tx1"/>
-              </a:solidFill>
-              <a:latin typeface="+mn-lt"/>
-              <a:ea typeface="+mn-ea"/>
-              <a:cs typeface="+mn-cs"/>
-            </a:endParaRPr>
-          </a:p>
-          <a:p>
-            <a:pPr marL="0" marR="0" indent="0" algn="l" defTabSz="914400" rtl="0" eaLnBrk="1" fontAlgn="auto" latinLnBrk="0" hangingPunct="1">
-              <a:lnSpc>
-                <a:spcPct val="100000"/>
-              </a:lnSpc>
-              <a:spcBef>
-                <a:spcPts val="0"/>
-              </a:spcBef>
-              <a:spcAft>
-                <a:spcPts val="0"/>
-              </a:spcAft>
-              <a:buClrTx/>
-              <a:buSzTx/>
-              <a:buFontTx/>
-              <a:buNone/>
-              <a:tabLst/>
-              <a:defRPr/>
-            </a:pPr>
-            <a:r>
-              <a:rPr lang="en-US" dirty="0"/>
-              <a:t>You can view ML's history by clicking on this link:</a:t>
-            </a:r>
-            <a:br>
-              <a:rPr lang="en-US" dirty="0"/>
-            </a:br>
-            <a:r>
-              <a:rPr lang="en-US" dirty="0">
-                <a:hlinkClick r:id="rId4"/>
-              </a:rPr>
-              <a:t>http://sge.wonderville.ca/machinelearning/history/history.html</a:t>
-            </a:r>
-            <a:endParaRPr lang="en-US" dirty="0"/>
-          </a:p>
-          <a:p>
-            <a:endParaRPr lang="nb-NO" sz="1200" b="0" i="0" u="none" strike="noStrike" kern="1200" baseline="0" dirty="0">
-              <a:solidFill>
-                <a:schemeClr val="tx1"/>
-              </a:solidFill>
-              <a:latin typeface="+mn-lt"/>
-              <a:ea typeface="+mn-ea"/>
-              <a:cs typeface="+mn-cs"/>
-            </a:endParaRPr>
-          </a:p>
-          <a:p>
-            <a:r>
-              <a:rPr lang="en-US" dirty="0"/>
-              <a:t>References:</a:t>
-            </a:r>
-          </a:p>
-          <a:p>
-            <a:r>
-              <a:rPr lang="en-US" dirty="0"/>
-              <a:t>http://</a:t>
-            </a:r>
-            <a:r>
-              <a:rPr lang="en-US" dirty="0" err="1"/>
-              <a:t>www.contrib.andrew.cmu.edu</a:t>
-            </a:r>
-            <a:r>
-              <a:rPr lang="en-US" dirty="0"/>
-              <a:t>/~</a:t>
-            </a:r>
-            <a:r>
-              <a:rPr lang="en-US" dirty="0" err="1"/>
-              <a:t>mndarwis</a:t>
-            </a:r>
-            <a:r>
-              <a:rPr lang="en-US" dirty="0"/>
-              <a:t>/</a:t>
-            </a:r>
-            <a:r>
-              <a:rPr lang="en-US" dirty="0" err="1"/>
-              <a:t>ML.html</a:t>
-            </a:r>
-            <a:endParaRPr lang="en-US" dirty="0"/>
-          </a:p>
-          <a:p>
-            <a:r>
-              <a:rPr lang="en-US" dirty="0"/>
-              <a:t>http://</a:t>
-            </a:r>
-            <a:r>
-              <a:rPr lang="en-US" dirty="0" err="1"/>
-              <a:t>alex.smola.org</a:t>
-            </a:r>
-            <a:r>
-              <a:rPr lang="en-US" dirty="0"/>
-              <a:t>/teaching/cmu2013-10-701/</a:t>
-            </a:r>
-          </a:p>
-          <a:p>
-            <a:r>
-              <a:rPr lang="en-US" dirty="0"/>
-              <a:t>https://</a:t>
-            </a:r>
-            <a:r>
-              <a:rPr lang="en-US" dirty="0" err="1"/>
-              <a:t>classroom.udacity.com</a:t>
-            </a:r>
-            <a:r>
-              <a:rPr lang="en-US" dirty="0"/>
-              <a:t>/courses/ud120/lessons/2410328539/concepts/24185385370923</a:t>
-            </a:r>
-          </a:p>
-          <a:p>
-            <a:r>
-              <a:rPr lang="en-US" dirty="0"/>
-              <a:t>http://cs231n.github.io/</a:t>
-            </a:r>
-          </a:p>
-          <a:p>
-            <a:endParaRPr lang="en-US" dirty="0"/>
+              <a:rPr lang="en-US" dirty="0"/>
+              <a:t>Common Learning Paradigms: Supervised and Unsupervised learning</a:t>
+            </a:r>
           </a:p>
         </p:txBody>
       </p:sp>
@@ -4533,7 +4452,7 @@
           <a:p>
             <a:fld id="{392C882F-C55E-0C4C-9C06-F730D65A242C}" type="slidenum">
               <a:rPr lang="en-US" smtClean="0"/>
-              <a:t>4</a:t>
+              <a:t>5</a:t>
             </a:fld>
             <a:endParaRPr lang="en-US"/>
           </a:p>
@@ -4542,7 +4461,7 @@
     </p:spTree>
     <p:extLst>
       <p:ext uri="{BB962C8B-B14F-4D97-AF65-F5344CB8AC3E}">
-        <p14:creationId xmlns:p14="http://schemas.microsoft.com/office/powerpoint/2010/main" val="1176473438"/>
+        <p14:creationId xmlns:p14="http://schemas.microsoft.com/office/powerpoint/2010/main" val="674062382"/>
       </p:ext>
     </p:extLst>
   </p:cSld>
@@ -4596,18 +4515,7 @@
           <a:bodyPr/>
           <a:lstStyle/>
           <a:p>
-            <a:r>
-              <a:rPr lang="en-US" sz="1200" b="0" i="0" u="none" strike="noStrike" kern="1200" baseline="0" dirty="0">
-                <a:solidFill>
-                  <a:schemeClr val="tx1"/>
-                </a:solidFill>
-                <a:latin typeface="+mn-lt"/>
-                <a:ea typeface="+mn-ea"/>
-                <a:cs typeface="+mn-cs"/>
-              </a:rPr>
-              <a:t> This is illustrated in Figure 1.18(b), where we see that using a high degree polynomial results in a curve that is very “wiggly”. It is unlikely that the true function has such extreme oscillations. Thus using such a model might result in accurate predictions of future outputs.</a:t>
-            </a:r>
-            <a:endParaRPr lang="en-US" dirty="0"/>
+            <a:endParaRPr lang="en-US"/>
           </a:p>
         </p:txBody>
       </p:sp>
@@ -4618,7 +4526,7 @@
             <a:spLocks noGrp="1"/>
           </p:cNvSpPr>
           <p:nvPr>
-            <p:ph type="sldNum" sz="quarter" idx="10"/>
+            <p:ph type="sldNum" sz="quarter" idx="5"/>
           </p:nvPr>
         </p:nvSpPr>
         <p:spPr/>
@@ -4628,7 +4536,7 @@
           <a:p>
             <a:fld id="{392C882F-C55E-0C4C-9C06-F730D65A242C}" type="slidenum">
               <a:rPr lang="en-US" smtClean="0"/>
-              <a:t>44</a:t>
+              <a:t>45</a:t>
             </a:fld>
             <a:endParaRPr lang="en-US"/>
           </a:p>
@@ -4637,7 +4545,7 @@
     </p:spTree>
     <p:extLst>
       <p:ext uri="{BB962C8B-B14F-4D97-AF65-F5344CB8AC3E}">
-        <p14:creationId xmlns:p14="http://schemas.microsoft.com/office/powerpoint/2010/main" val="1883401701"/>
+        <p14:creationId xmlns:p14="http://schemas.microsoft.com/office/powerpoint/2010/main" val="3448110109"/>
       </p:ext>
     </p:extLst>
   </p:cSld>
@@ -4691,7 +4599,18 @@
           <a:bodyPr/>
           <a:lstStyle/>
           <a:p>
-            <a:endParaRPr lang="en-US"/>
+            <a:r>
+              <a:rPr lang="en-US" sz="1200" b="0" i="0" u="none" strike="noStrike" kern="1200" baseline="0" dirty="0">
+                <a:solidFill>
+                  <a:schemeClr val="tx1"/>
+                </a:solidFill>
+                <a:latin typeface="+mn-lt"/>
+                <a:ea typeface="+mn-ea"/>
+                <a:cs typeface="+mn-cs"/>
+              </a:rPr>
+              <a:t> This is illustrated in Figure 1.18(b), where we see that using a high degree polynomial results in a curve that is very “wiggly”. It is unlikely that the true function has such extreme oscillations. Thus using such a model might result in accurate predictions of future outputs.</a:t>
+            </a:r>
+            <a:endParaRPr lang="en-US" dirty="0"/>
           </a:p>
         </p:txBody>
       </p:sp>
@@ -4702,7 +4621,7 @@
             <a:spLocks noGrp="1"/>
           </p:cNvSpPr>
           <p:nvPr>
-            <p:ph type="sldNum" sz="quarter" idx="5"/>
+            <p:ph type="sldNum" sz="quarter" idx="10"/>
           </p:nvPr>
         </p:nvSpPr>
         <p:spPr/>
@@ -4712,7 +4631,7 @@
           <a:p>
             <a:fld id="{392C882F-C55E-0C4C-9C06-F730D65A242C}" type="slidenum">
               <a:rPr lang="en-US" smtClean="0"/>
-              <a:t>45</a:t>
+              <a:t>46</a:t>
             </a:fld>
             <a:endParaRPr lang="en-US"/>
           </a:p>
@@ -4721,7 +4640,7 @@
     </p:spTree>
     <p:extLst>
       <p:ext uri="{BB962C8B-B14F-4D97-AF65-F5344CB8AC3E}">
-        <p14:creationId xmlns:p14="http://schemas.microsoft.com/office/powerpoint/2010/main" val="3069107437"/>
+        <p14:creationId xmlns:p14="http://schemas.microsoft.com/office/powerpoint/2010/main" val="1883401701"/>
       </p:ext>
     </p:extLst>
   </p:cSld>
@@ -4775,101 +4694,7 @@
           <a:bodyPr/>
           <a:lstStyle/>
           <a:p>
-            <a:r>
-              <a:rPr lang="en-US" sz="1200" b="0" i="0" u="none" strike="noStrike" kern="1200" baseline="0" dirty="0">
-                <a:solidFill>
-                  <a:schemeClr val="tx1"/>
-                </a:solidFill>
-                <a:latin typeface="+mn-lt"/>
-                <a:ea typeface="+mn-ea"/>
-                <a:cs typeface="+mn-cs"/>
-              </a:rPr>
-              <a:t> Now we see a U-shaped curve : for complex models (small K ), the method </a:t>
-            </a:r>
-            <a:r>
-              <a:rPr lang="en-US" sz="1200" b="0" i="0" u="none" strike="noStrike" kern="1200" baseline="0" dirty="0" err="1">
-                <a:solidFill>
-                  <a:schemeClr val="tx1"/>
-                </a:solidFill>
-                <a:latin typeface="+mn-lt"/>
-                <a:ea typeface="+mn-ea"/>
-                <a:cs typeface="+mn-cs"/>
-              </a:rPr>
-              <a:t>overfits</a:t>
-            </a:r>
-            <a:r>
-              <a:rPr lang="en-US" sz="1200" b="0" i="0" u="none" strike="noStrike" kern="1200" baseline="0" dirty="0">
-                <a:solidFill>
-                  <a:schemeClr val="tx1"/>
-                </a:solidFill>
-                <a:latin typeface="+mn-lt"/>
-                <a:ea typeface="+mn-ea"/>
-                <a:cs typeface="+mn-cs"/>
-              </a:rPr>
-              <a:t>, and for</a:t>
-            </a:r>
-          </a:p>
-          <a:p>
-            <a:r>
-              <a:rPr lang="en-US" sz="1200" b="0" i="0" u="none" strike="noStrike" kern="1200" baseline="0" dirty="0">
-                <a:solidFill>
-                  <a:schemeClr val="tx1"/>
-                </a:solidFill>
-                <a:latin typeface="+mn-lt"/>
-                <a:ea typeface="+mn-ea"/>
-                <a:cs typeface="+mn-cs"/>
-              </a:rPr>
-              <a:t>simple models (big K ), the method </a:t>
-            </a:r>
-            <a:r>
-              <a:rPr lang="en-US" sz="1200" b="0" i="0" u="none" strike="noStrike" kern="1200" baseline="0" dirty="0" err="1">
-                <a:solidFill>
-                  <a:schemeClr val="tx1"/>
-                </a:solidFill>
-                <a:latin typeface="+mn-lt"/>
-                <a:ea typeface="+mn-ea"/>
-                <a:cs typeface="+mn-cs"/>
-              </a:rPr>
-              <a:t>underfits</a:t>
-            </a:r>
-            <a:r>
-              <a:rPr lang="en-US" sz="1200" b="0" i="0" u="none" strike="noStrike" kern="1200" baseline="0" dirty="0">
-                <a:solidFill>
-                  <a:schemeClr val="tx1"/>
-                </a:solidFill>
-                <a:latin typeface="+mn-lt"/>
-                <a:ea typeface="+mn-ea"/>
-                <a:cs typeface="+mn-cs"/>
-              </a:rPr>
-              <a:t> . Therefore, an obvious way to pick K  is to pick</a:t>
-            </a:r>
-          </a:p>
-          <a:p>
-            <a:r>
-              <a:rPr lang="en-US" sz="1200" b="0" i="0" u="none" strike="noStrike" kern="1200" baseline="0" dirty="0">
-                <a:solidFill>
-                  <a:schemeClr val="tx1"/>
-                </a:solidFill>
-                <a:latin typeface="+mn-lt"/>
-                <a:ea typeface="+mn-ea"/>
-                <a:cs typeface="+mn-cs"/>
-              </a:rPr>
-              <a:t>the value with the minimum error on the test set (in this example, any value between 10 and</a:t>
-            </a:r>
-          </a:p>
-          <a:p>
-            <a:r>
-              <a:rPr lang="en-US" sz="1200" b="0" i="0" u="none" strike="noStrike" kern="1200" baseline="0" dirty="0">
-                <a:solidFill>
-                  <a:schemeClr val="tx1"/>
-                </a:solidFill>
-                <a:latin typeface="+mn-lt"/>
-                <a:ea typeface="+mn-ea"/>
-                <a:cs typeface="+mn-cs"/>
-              </a:rPr>
-              <a:t>100 should be fine).</a:t>
-            </a:r>
-            <a:endParaRPr lang="en-US" dirty="0"/>
+            <a:endParaRPr lang="en-US"/>
           </a:p>
         </p:txBody>
       </p:sp>
@@ -4880,7 +4705,7 @@
             <a:spLocks noGrp="1"/>
           </p:cNvSpPr>
           <p:nvPr>
-            <p:ph type="sldNum" sz="quarter" idx="10"/>
+            <p:ph type="sldNum" sz="quarter" idx="5"/>
           </p:nvPr>
         </p:nvSpPr>
         <p:spPr/>
@@ -4890,7 +4715,7 @@
           <a:p>
             <a:fld id="{392C882F-C55E-0C4C-9C06-F730D65A242C}" type="slidenum">
               <a:rPr lang="en-US" smtClean="0"/>
-              <a:t>46</a:t>
+              <a:t>47</a:t>
             </a:fld>
             <a:endParaRPr lang="en-US"/>
           </a:p>
@@ -4899,7 +4724,7 @@
     </p:spTree>
     <p:extLst>
       <p:ext uri="{BB962C8B-B14F-4D97-AF65-F5344CB8AC3E}">
-        <p14:creationId xmlns:p14="http://schemas.microsoft.com/office/powerpoint/2010/main" val="1427012372"/>
+        <p14:creationId xmlns:p14="http://schemas.microsoft.com/office/powerpoint/2010/main" val="3069107437"/>
       </p:ext>
     </p:extLst>
   </p:cSld>
@@ -4953,7 +4778,101 @@
           <a:bodyPr/>
           <a:lstStyle/>
           <a:p>
-            <a:endParaRPr lang="en-US"/>
+            <a:r>
+              <a:rPr lang="en-US" sz="1200" b="0" i="0" u="none" strike="noStrike" kern="1200" baseline="0" dirty="0">
+                <a:solidFill>
+                  <a:schemeClr val="tx1"/>
+                </a:solidFill>
+                <a:latin typeface="+mn-lt"/>
+                <a:ea typeface="+mn-ea"/>
+                <a:cs typeface="+mn-cs"/>
+              </a:rPr>
+              <a:t> Now we see a U-shaped curve : for complex models (small K ), the method </a:t>
+            </a:r>
+            <a:r>
+              <a:rPr lang="en-US" sz="1200" b="0" i="0" u="none" strike="noStrike" kern="1200" baseline="0" dirty="0" err="1">
+                <a:solidFill>
+                  <a:schemeClr val="tx1"/>
+                </a:solidFill>
+                <a:latin typeface="+mn-lt"/>
+                <a:ea typeface="+mn-ea"/>
+                <a:cs typeface="+mn-cs"/>
+              </a:rPr>
+              <a:t>overfits</a:t>
+            </a:r>
+            <a:r>
+              <a:rPr lang="en-US" sz="1200" b="0" i="0" u="none" strike="noStrike" kern="1200" baseline="0" dirty="0">
+                <a:solidFill>
+                  <a:schemeClr val="tx1"/>
+                </a:solidFill>
+                <a:latin typeface="+mn-lt"/>
+                <a:ea typeface="+mn-ea"/>
+                <a:cs typeface="+mn-cs"/>
+              </a:rPr>
+              <a:t>, and for</a:t>
+            </a:r>
+          </a:p>
+          <a:p>
+            <a:r>
+              <a:rPr lang="en-US" sz="1200" b="0" i="0" u="none" strike="noStrike" kern="1200" baseline="0" dirty="0">
+                <a:solidFill>
+                  <a:schemeClr val="tx1"/>
+                </a:solidFill>
+                <a:latin typeface="+mn-lt"/>
+                <a:ea typeface="+mn-ea"/>
+                <a:cs typeface="+mn-cs"/>
+              </a:rPr>
+              <a:t>simple models (big K ), the method </a:t>
+            </a:r>
+            <a:r>
+              <a:rPr lang="en-US" sz="1200" b="0" i="0" u="none" strike="noStrike" kern="1200" baseline="0" dirty="0" err="1">
+                <a:solidFill>
+                  <a:schemeClr val="tx1"/>
+                </a:solidFill>
+                <a:latin typeface="+mn-lt"/>
+                <a:ea typeface="+mn-ea"/>
+                <a:cs typeface="+mn-cs"/>
+              </a:rPr>
+              <a:t>underfits</a:t>
+            </a:r>
+            <a:r>
+              <a:rPr lang="en-US" sz="1200" b="0" i="0" u="none" strike="noStrike" kern="1200" baseline="0" dirty="0">
+                <a:solidFill>
+                  <a:schemeClr val="tx1"/>
+                </a:solidFill>
+                <a:latin typeface="+mn-lt"/>
+                <a:ea typeface="+mn-ea"/>
+                <a:cs typeface="+mn-cs"/>
+              </a:rPr>
+              <a:t> . Therefore, an obvious way to pick K  is to pick</a:t>
+            </a:r>
+          </a:p>
+          <a:p>
+            <a:r>
+              <a:rPr lang="en-US" sz="1200" b="0" i="0" u="none" strike="noStrike" kern="1200" baseline="0" dirty="0">
+                <a:solidFill>
+                  <a:schemeClr val="tx1"/>
+                </a:solidFill>
+                <a:latin typeface="+mn-lt"/>
+                <a:ea typeface="+mn-ea"/>
+                <a:cs typeface="+mn-cs"/>
+              </a:rPr>
+              <a:t>the value with the minimum error on the test set (in this example, any value between 10 and</a:t>
+            </a:r>
+          </a:p>
+          <a:p>
+            <a:r>
+              <a:rPr lang="en-US" sz="1200" b="0" i="0" u="none" strike="noStrike" kern="1200" baseline="0" dirty="0">
+                <a:solidFill>
+                  <a:schemeClr val="tx1"/>
+                </a:solidFill>
+                <a:latin typeface="+mn-lt"/>
+                <a:ea typeface="+mn-ea"/>
+                <a:cs typeface="+mn-cs"/>
+              </a:rPr>
+              <a:t>100 should be fine).</a:t>
+            </a:r>
+            <a:endParaRPr lang="en-US" dirty="0"/>
           </a:p>
         </p:txBody>
       </p:sp>
@@ -4964,7 +4883,7 @@
             <a:spLocks noGrp="1"/>
           </p:cNvSpPr>
           <p:nvPr>
-            <p:ph type="sldNum" sz="quarter" idx="5"/>
+            <p:ph type="sldNum" sz="quarter" idx="10"/>
           </p:nvPr>
         </p:nvSpPr>
         <p:spPr/>
@@ -4974,7 +4893,7 @@
           <a:p>
             <a:fld id="{392C882F-C55E-0C4C-9C06-F730D65A242C}" type="slidenum">
               <a:rPr lang="en-US" smtClean="0"/>
-              <a:t>47</a:t>
+              <a:t>48</a:t>
             </a:fld>
             <a:endParaRPr lang="en-US"/>
           </a:p>
@@ -4983,7 +4902,7 @@
     </p:spTree>
     <p:extLst>
       <p:ext uri="{BB962C8B-B14F-4D97-AF65-F5344CB8AC3E}">
-        <p14:creationId xmlns:p14="http://schemas.microsoft.com/office/powerpoint/2010/main" val="3673826649"/>
+        <p14:creationId xmlns:p14="http://schemas.microsoft.com/office/powerpoint/2010/main" val="1427012372"/>
       </p:ext>
     </p:extLst>
   </p:cSld>
@@ -5037,55 +4956,7 @@
           <a:bodyPr/>
           <a:lstStyle/>
           <a:p>
-            <a:r>
-              <a:rPr lang="en-US" dirty="0"/>
-              <a:t>If we set K = N , then we get a method</a:t>
-            </a:r>
-          </a:p>
-          <a:p>
-            <a:r>
-              <a:rPr lang="en-US" dirty="0"/>
-              <a:t>called leave-one out cross validation , or LOOCV , since in fold </a:t>
-            </a:r>
-            <a:r>
-              <a:rPr lang="en-US" dirty="0" err="1"/>
-              <a:t>i</a:t>
-            </a:r>
-            <a:r>
-              <a:rPr lang="en-US" dirty="0"/>
-              <a:t> , we train on all the data cases</a:t>
-            </a:r>
-          </a:p>
-          <a:p>
-            <a:r>
-              <a:rPr lang="en-US" dirty="0"/>
-              <a:t>except for </a:t>
-            </a:r>
-            <a:r>
-              <a:rPr lang="en-US" dirty="0" err="1"/>
-              <a:t>i</a:t>
-            </a:r>
-            <a:r>
-              <a:rPr lang="en-US" dirty="0"/>
-              <a:t> , and then test on </a:t>
-            </a:r>
-            <a:r>
-              <a:rPr lang="en-US" dirty="0" err="1"/>
-              <a:t>i</a:t>
-            </a:r>
-            <a:r>
-              <a:rPr lang="en-US" dirty="0"/>
-              <a:t> . Exercise 1.3 asks you to compute the 5-fold CV estimate of the</a:t>
-            </a:r>
-          </a:p>
-          <a:p>
-            <a:r>
-              <a:rPr lang="en-US" dirty="0"/>
-              <a:t>test error vs K , and to compare it to the empirical test error in Figure 1.21(a).</a:t>
-            </a:r>
-          </a:p>
-          <a:p>
-            <a:endParaRPr lang="en-US" dirty="0"/>
+            <a:endParaRPr lang="en-US"/>
           </a:p>
         </p:txBody>
       </p:sp>
@@ -5096,7 +4967,7 @@
             <a:spLocks noGrp="1"/>
           </p:cNvSpPr>
           <p:nvPr>
-            <p:ph type="sldNum" sz="quarter" idx="10"/>
+            <p:ph type="sldNum" sz="quarter" idx="5"/>
           </p:nvPr>
         </p:nvSpPr>
         <p:spPr/>
@@ -5106,7 +4977,7 @@
           <a:p>
             <a:fld id="{392C882F-C55E-0C4C-9C06-F730D65A242C}" type="slidenum">
               <a:rPr lang="en-US" smtClean="0"/>
-              <a:t>48</a:t>
+              <a:t>49</a:t>
             </a:fld>
             <a:endParaRPr lang="en-US"/>
           </a:p>
@@ -5115,7 +4986,7 @@
     </p:spTree>
     <p:extLst>
       <p:ext uri="{BB962C8B-B14F-4D97-AF65-F5344CB8AC3E}">
-        <p14:creationId xmlns:p14="http://schemas.microsoft.com/office/powerpoint/2010/main" val="1484467830"/>
+        <p14:creationId xmlns:p14="http://schemas.microsoft.com/office/powerpoint/2010/main" val="3673826649"/>
       </p:ext>
     </p:extLst>
   </p:cSld>
@@ -5169,7 +5040,55 @@
           <a:bodyPr/>
           <a:lstStyle/>
           <a:p>
-            <a:endParaRPr lang="en-US"/>
+            <a:r>
+              <a:rPr lang="en-US" dirty="0"/>
+              <a:t>If we set K = N , then we get a method</a:t>
+            </a:r>
+          </a:p>
+          <a:p>
+            <a:r>
+              <a:rPr lang="en-US" dirty="0"/>
+              <a:t>called leave-one out cross validation , or LOOCV , since in fold </a:t>
+            </a:r>
+            <a:r>
+              <a:rPr lang="en-US" dirty="0" err="1"/>
+              <a:t>i</a:t>
+            </a:r>
+            <a:r>
+              <a:rPr lang="en-US" dirty="0"/>
+              <a:t> , we train on all the data cases</a:t>
+            </a:r>
+          </a:p>
+          <a:p>
+            <a:r>
+              <a:rPr lang="en-US" dirty="0"/>
+              <a:t>except for </a:t>
+            </a:r>
+            <a:r>
+              <a:rPr lang="en-US" dirty="0" err="1"/>
+              <a:t>i</a:t>
+            </a:r>
+            <a:r>
+              <a:rPr lang="en-US" dirty="0"/>
+              <a:t> , and then test on </a:t>
+            </a:r>
+            <a:r>
+              <a:rPr lang="en-US" dirty="0" err="1"/>
+              <a:t>i</a:t>
+            </a:r>
+            <a:r>
+              <a:rPr lang="en-US" dirty="0"/>
+              <a:t> . Exercise 1.3 asks you to compute the 5-fold CV estimate of the</a:t>
+            </a:r>
+          </a:p>
+          <a:p>
+            <a:r>
+              <a:rPr lang="en-US" dirty="0"/>
+              <a:t>test error vs K , and to compare it to the empirical test error in Figure 1.21(a).</a:t>
+            </a:r>
+          </a:p>
+          <a:p>
+            <a:endParaRPr lang="en-US" dirty="0"/>
           </a:p>
         </p:txBody>
       </p:sp>
@@ -5180,7 +5099,7 @@
             <a:spLocks noGrp="1"/>
           </p:cNvSpPr>
           <p:nvPr>
-            <p:ph type="sldNum" sz="quarter" idx="5"/>
+            <p:ph type="sldNum" sz="quarter" idx="10"/>
           </p:nvPr>
         </p:nvSpPr>
         <p:spPr/>
@@ -5190,7 +5109,7 @@
           <a:p>
             <a:fld id="{392C882F-C55E-0C4C-9C06-F730D65A242C}" type="slidenum">
               <a:rPr lang="en-US" smtClean="0"/>
-              <a:t>49</a:t>
+              <a:t>50</a:t>
             </a:fld>
             <a:endParaRPr lang="en-US"/>
           </a:p>
@@ -5199,7 +5118,7 @@
     </p:spTree>
     <p:extLst>
       <p:ext uri="{BB962C8B-B14F-4D97-AF65-F5344CB8AC3E}">
-        <p14:creationId xmlns:p14="http://schemas.microsoft.com/office/powerpoint/2010/main" val="2870047399"/>
+        <p14:creationId xmlns:p14="http://schemas.microsoft.com/office/powerpoint/2010/main" val="1484467830"/>
       </p:ext>
     </p:extLst>
   </p:cSld>
@@ -5274,7 +5193,91 @@
           <a:p>
             <a:fld id="{392C882F-C55E-0C4C-9C06-F730D65A242C}" type="slidenum">
               <a:rPr lang="en-US" smtClean="0"/>
-              <a:t>50</a:t>
+              <a:t>51</a:t>
+            </a:fld>
+            <a:endParaRPr lang="en-US"/>
+          </a:p>
+        </p:txBody>
+      </p:sp>
+    </p:spTree>
+    <p:extLst>
+      <p:ext uri="{BB962C8B-B14F-4D97-AF65-F5344CB8AC3E}">
+        <p14:creationId xmlns:p14="http://schemas.microsoft.com/office/powerpoint/2010/main" val="2870047399"/>
+      </p:ext>
+    </p:extLst>
+  </p:cSld>
+  <p:clrMapOvr>
+    <a:masterClrMapping/>
+  </p:clrMapOvr>
+</p:notes>
+</file>
+
+<file path=ppt/notesSlides/notesSlide47.xml><?xml version="1.0" encoding="utf-8"?>
+<p:notes xmlns:a="http://schemas.openxmlformats.org/drawingml/2006/main" xmlns:r="http://schemas.openxmlformats.org/officeDocument/2006/relationships" xmlns:p="http://schemas.openxmlformats.org/presentationml/2006/main">
+  <p:cSld>
+    <p:spTree>
+      <p:nvGrpSpPr>
+        <p:cNvPr id="1" name=""/>
+        <p:cNvGrpSpPr/>
+        <p:nvPr/>
+      </p:nvGrpSpPr>
+      <p:grpSpPr>
+        <a:xfrm>
+          <a:off x="0" y="0"/>
+          <a:ext cx="0" cy="0"/>
+          <a:chOff x="0" y="0"/>
+          <a:chExt cx="0" cy="0"/>
+        </a:xfrm>
+      </p:grpSpPr>
+      <p:sp>
+        <p:nvSpPr>
+          <p:cNvPr id="2" name="Slide Image Placeholder 1"/>
+          <p:cNvSpPr>
+            <a:spLocks noGrp="1" noRot="1" noChangeAspect="1"/>
+          </p:cNvSpPr>
+          <p:nvPr>
+            <p:ph type="sldImg"/>
+          </p:nvPr>
+        </p:nvSpPr>
+        <p:spPr/>
+      </p:sp>
+      <p:sp>
+        <p:nvSpPr>
+          <p:cNvPr id="3" name="Notes Placeholder 2"/>
+          <p:cNvSpPr>
+            <a:spLocks noGrp="1"/>
+          </p:cNvSpPr>
+          <p:nvPr>
+            <p:ph type="body" idx="1"/>
+          </p:nvPr>
+        </p:nvSpPr>
+        <p:spPr/>
+        <p:txBody>
+          <a:bodyPr/>
+          <a:lstStyle/>
+          <a:p>
+            <a:endParaRPr lang="en-US"/>
+          </a:p>
+        </p:txBody>
+      </p:sp>
+      <p:sp>
+        <p:nvSpPr>
+          <p:cNvPr id="4" name="Slide Number Placeholder 3"/>
+          <p:cNvSpPr>
+            <a:spLocks noGrp="1"/>
+          </p:cNvSpPr>
+          <p:nvPr>
+            <p:ph type="sldNum" sz="quarter" idx="5"/>
+          </p:nvPr>
+        </p:nvSpPr>
+        <p:spPr/>
+        <p:txBody>
+          <a:bodyPr/>
+          <a:lstStyle/>
+          <a:p>
+            <a:fld id="{392C882F-C55E-0C4C-9C06-F730D65A242C}" type="slidenum">
+              <a:rPr lang="en-US" smtClean="0"/>
+              <a:t>52</a:t>
             </a:fld>
             <a:endParaRPr lang="en-US"/>
           </a:p>
@@ -5337,6 +5340,186 @@
           <a:bodyPr/>
           <a:lstStyle/>
           <a:p>
+            <a:r>
+              <a:rPr lang="en-US" sz="1200" b="0" i="0" u="none" strike="noStrike" kern="1200" baseline="0" dirty="0">
+                <a:solidFill>
+                  <a:schemeClr val="tx1"/>
+                </a:solidFill>
+                <a:latin typeface="+mn-lt"/>
+                <a:ea typeface="+mn-ea"/>
+                <a:cs typeface="+mn-cs"/>
+              </a:rPr>
+              <a:t>The world is filled with data, a lot of data: videos, pictures, music, documents, </a:t>
+            </a:r>
+            <a:r>
+              <a:rPr lang="en-US" sz="1200" b="0" i="0" u="none" strike="noStrike" kern="1200" baseline="0" dirty="0" err="1">
+                <a:solidFill>
+                  <a:schemeClr val="tx1"/>
+                </a:solidFill>
+                <a:latin typeface="+mn-lt"/>
+                <a:ea typeface="+mn-ea"/>
+                <a:cs typeface="+mn-cs"/>
+              </a:rPr>
+              <a:t>etc</a:t>
+            </a:r>
+            <a:r>
+              <a:rPr lang="en-US" sz="1200" b="0" i="0" u="none" strike="noStrike" kern="1200" baseline="0" dirty="0">
+                <a:solidFill>
+                  <a:schemeClr val="tx1"/>
+                </a:solidFill>
+                <a:latin typeface="+mn-lt"/>
+                <a:ea typeface="+mn-ea"/>
+                <a:cs typeface="+mn-cs"/>
+              </a:rPr>
+              <a:t>, and it doesn’t look like it’s going to slow down anytime soon.</a:t>
+            </a:r>
+          </a:p>
+          <a:p>
+            <a:endParaRPr lang="en-US" sz="1200" b="0" i="0" u="none" strike="noStrike" kern="1200" baseline="0" dirty="0">
+              <a:solidFill>
+                <a:schemeClr val="tx1"/>
+              </a:solidFill>
+              <a:latin typeface="+mn-lt"/>
+              <a:ea typeface="+mn-ea"/>
+              <a:cs typeface="+mn-cs"/>
+            </a:endParaRPr>
+          </a:p>
+          <a:p>
+            <a:r>
+              <a:rPr lang="en-US" sz="1200" b="0" i="0" u="none" strike="noStrike" kern="1200" baseline="0" dirty="0">
+                <a:solidFill>
+                  <a:schemeClr val="tx1"/>
+                </a:solidFill>
+                <a:latin typeface="+mn-lt"/>
+                <a:ea typeface="+mn-ea"/>
+                <a:cs typeface="+mn-cs"/>
+              </a:rPr>
+              <a:t>Machine Learning brings the promise of deriving meaning from all of that data</a:t>
+            </a:r>
+          </a:p>
+          <a:p>
+            <a:endParaRPr lang="en-US" sz="1200" b="0" i="0" u="none" strike="noStrike" kern="1200" baseline="0" dirty="0">
+              <a:solidFill>
+                <a:schemeClr val="tx1"/>
+              </a:solidFill>
+              <a:latin typeface="+mn-lt"/>
+              <a:ea typeface="+mn-ea"/>
+              <a:cs typeface="+mn-cs"/>
+            </a:endParaRPr>
+          </a:p>
+          <a:p>
+            <a:r>
+              <a:rPr lang="en-US" sz="1200" b="0" i="0" u="none" strike="noStrike" kern="1200" baseline="0" dirty="0">
+                <a:solidFill>
+                  <a:schemeClr val="tx1"/>
+                </a:solidFill>
+                <a:latin typeface="+mn-lt"/>
+                <a:ea typeface="+mn-ea"/>
+                <a:cs typeface="+mn-cs"/>
+              </a:rPr>
+              <a:t>*****</a:t>
+            </a:r>
+          </a:p>
+          <a:p>
+            <a:r>
+              <a:rPr lang="en-US" sz="1200" b="0" i="0" u="none" strike="noStrike" kern="1200" baseline="0" dirty="0">
+                <a:solidFill>
+                  <a:schemeClr val="tx1"/>
+                </a:solidFill>
+                <a:latin typeface="+mn-lt"/>
+                <a:ea typeface="+mn-ea"/>
+                <a:cs typeface="+mn-cs"/>
+              </a:rPr>
+              <a:t>We are entering the era of big data . For example, there are about 1 trillion web pages; one hour of video is uploaded to YouTube every second, amounting to 10 years of content every day ; </a:t>
+            </a:r>
+          </a:p>
+          <a:p>
+            <a:r>
+              <a:rPr lang="en-US" sz="1200" b="0" i="0" u="none" strike="noStrike" kern="1200" baseline="0" dirty="0">
+                <a:solidFill>
+                  <a:schemeClr val="tx1"/>
+                </a:solidFill>
+                <a:latin typeface="+mn-lt"/>
+                <a:ea typeface="+mn-ea"/>
+                <a:cs typeface="+mn-cs"/>
+              </a:rPr>
+              <a:t>the genomes of 1000s of people, each of which has a length of 3.8 ¡¿ 109  base pairs, have been sequenced by various labs; Walmart handles more than 1M transactions per hour and has databases containing more than 2.5 petabytes (2.5 x 10</a:t>
+            </a:r>
+            <a:r>
+              <a:rPr lang="en-US" sz="1200" b="0" i="0" u="none" strike="noStrike" kern="1200" baseline="30000" dirty="0">
+                <a:solidFill>
+                  <a:schemeClr val="tx1"/>
+                </a:solidFill>
+                <a:latin typeface="+mn-lt"/>
+                <a:ea typeface="+mn-ea"/>
+                <a:cs typeface="+mn-cs"/>
+              </a:rPr>
+              <a:t>15</a:t>
+            </a:r>
+            <a:r>
+              <a:rPr lang="en-US" sz="1200" b="0" i="0" u="none" strike="noStrike" kern="1200" baseline="0" dirty="0">
+                <a:solidFill>
+                  <a:schemeClr val="tx1"/>
+                </a:solidFill>
+                <a:latin typeface="+mn-lt"/>
+                <a:ea typeface="+mn-ea"/>
+                <a:cs typeface="+mn-cs"/>
+              </a:rPr>
+              <a:t> ) of information (</a:t>
+            </a:r>
+            <a:r>
+              <a:rPr lang="en-US" sz="1200" b="0" i="0" u="none" strike="noStrike" kern="1200" baseline="0" dirty="0" err="1">
+                <a:solidFill>
+                  <a:schemeClr val="tx1"/>
+                </a:solidFill>
+                <a:latin typeface="+mn-lt"/>
+                <a:ea typeface="+mn-ea"/>
+                <a:cs typeface="+mn-cs"/>
+              </a:rPr>
+              <a:t>Cukier</a:t>
+            </a:r>
+            <a:r>
+              <a:rPr lang="en-US" sz="1200" b="0" i="0" u="none" strike="noStrike" kern="1200" baseline="0" dirty="0">
+                <a:solidFill>
+                  <a:schemeClr val="tx1"/>
+                </a:solidFill>
+                <a:latin typeface="+mn-lt"/>
+                <a:ea typeface="+mn-ea"/>
+                <a:cs typeface="+mn-cs"/>
+              </a:rPr>
+              <a:t> 2010); and so</a:t>
+            </a:r>
+          </a:p>
+          <a:p>
+            <a:r>
+              <a:rPr lang="nb-NO" sz="1200" b="0" i="0" u="none" strike="noStrike" kern="1200" baseline="0" dirty="0">
+                <a:solidFill>
+                  <a:schemeClr val="tx1"/>
+                </a:solidFill>
+                <a:latin typeface="+mn-lt"/>
+                <a:ea typeface="+mn-ea"/>
+                <a:cs typeface="+mn-cs"/>
+              </a:rPr>
+              <a:t>on.</a:t>
+            </a:r>
+          </a:p>
+          <a:p>
+            <a:endParaRPr lang="nb-NO" sz="1200" b="0" i="0" u="none" strike="noStrike" kern="1200" baseline="0" dirty="0">
+              <a:solidFill>
+                <a:schemeClr val="tx1"/>
+              </a:solidFill>
+              <a:latin typeface="+mn-lt"/>
+              <a:ea typeface="+mn-ea"/>
+              <a:cs typeface="+mn-cs"/>
+            </a:endParaRPr>
+          </a:p>
+          <a:p>
+            <a:r>
+              <a:rPr lang="en-US" dirty="0"/>
+              <a:t>Examples of Machine Learning</a:t>
+            </a:r>
+          </a:p>
+          <a:p>
             <a:pPr marL="0" marR="0" indent="0" algn="l" defTabSz="914400" rtl="0" eaLnBrk="1" fontAlgn="auto" latinLnBrk="0" hangingPunct="1">
               <a:lnSpc>
                 <a:spcPct val="100000"/>
@@ -5355,20 +5538,131 @@
               <a:defRPr/>
             </a:pPr>
             <a:r>
-              <a:rPr lang="en-US" dirty="0"/>
-              <a:t>In ML we try to take as input </a:t>
-            </a:r>
-            <a:r>
-              <a:rPr lang="en-US" b="1" u="sng" dirty="0"/>
-              <a:t>features</a:t>
-            </a:r>
-            <a:r>
-              <a:rPr lang="en-US" dirty="0"/>
-              <a:t> and we try to produce </a:t>
-            </a:r>
-            <a:r>
-              <a:rPr lang="en-US" b="1" u="sng" dirty="0"/>
-              <a:t>labels</a:t>
+              <a:rPr lang="en-US" dirty="0">
+                <a:hlinkClick r:id="rId3"/>
+              </a:rPr>
+              <a:t>https://www.redpixie.com/blog/examples-of-machine-learning</a:t>
+            </a:r>
+            <a:endParaRPr lang="en-US" dirty="0"/>
+          </a:p>
+          <a:p>
+            <a:endParaRPr lang="nb-NO" sz="1200" b="0" i="0" u="none" strike="noStrike" kern="1200" baseline="0" dirty="0">
+              <a:solidFill>
+                <a:schemeClr val="tx1"/>
+              </a:solidFill>
+              <a:latin typeface="+mn-lt"/>
+              <a:ea typeface="+mn-ea"/>
+              <a:cs typeface="+mn-cs"/>
+            </a:endParaRPr>
+          </a:p>
+          <a:p>
+            <a:pPr marL="0" marR="0" indent="0" algn="l" defTabSz="914400" rtl="0" eaLnBrk="1" fontAlgn="auto" latinLnBrk="0" hangingPunct="1">
+              <a:lnSpc>
+                <a:spcPct val="100000"/>
+              </a:lnSpc>
+              <a:spcBef>
+                <a:spcPts val="0"/>
+              </a:spcBef>
+              <a:spcAft>
+                <a:spcPts val="0"/>
+              </a:spcAft>
+              <a:buClrTx/>
+              <a:buSzTx/>
+              <a:buFontTx/>
+              <a:buNone/>
+              <a:tabLst/>
+              <a:defRPr/>
+            </a:pPr>
+            <a:r>
+              <a:rPr lang="en-US" dirty="0"/>
+              <a:t>You can view ML's history by clicking on this link:</a:t>
+            </a:r>
+            <a:br>
+              <a:rPr lang="en-US" dirty="0"/>
+            </a:br>
+            <a:r>
+              <a:rPr lang="en-US" dirty="0">
+                <a:hlinkClick r:id="rId4"/>
+              </a:rPr>
+              <a:t>http://sge.wonderville.ca/machinelearning/history/history.html</a:t>
+            </a:r>
+            <a:endParaRPr lang="en-US" dirty="0"/>
+          </a:p>
+          <a:p>
+            <a:endParaRPr lang="nb-NO" sz="1200" b="0" i="0" u="none" strike="noStrike" kern="1200" baseline="0" dirty="0">
+              <a:solidFill>
+                <a:schemeClr val="tx1"/>
+              </a:solidFill>
+              <a:latin typeface="+mn-lt"/>
+              <a:ea typeface="+mn-ea"/>
+              <a:cs typeface="+mn-cs"/>
+            </a:endParaRPr>
+          </a:p>
+          <a:p>
+            <a:r>
+              <a:rPr lang="en-US" dirty="0"/>
+              <a:t>References:</a:t>
+            </a:r>
+          </a:p>
+          <a:p>
+            <a:r>
+              <a:rPr lang="en-US" dirty="0"/>
+              <a:t>http://</a:t>
+            </a:r>
+            <a:r>
+              <a:rPr lang="en-US" dirty="0" err="1"/>
+              <a:t>www.contrib.andrew.cmu.edu</a:t>
+            </a:r>
+            <a:r>
+              <a:rPr lang="en-US" dirty="0"/>
+              <a:t>/~</a:t>
+            </a:r>
+            <a:r>
+              <a:rPr lang="en-US" dirty="0" err="1"/>
+              <a:t>mndarwis</a:t>
+            </a:r>
+            <a:r>
+              <a:rPr lang="en-US" dirty="0"/>
+              <a:t>/</a:t>
+            </a:r>
+            <a:r>
+              <a:rPr lang="en-US" dirty="0" err="1"/>
+              <a:t>ML.html</a:t>
+            </a:r>
+            <a:endParaRPr lang="en-US" dirty="0"/>
+          </a:p>
+          <a:p>
+            <a:r>
+              <a:rPr lang="en-US" dirty="0"/>
+              <a:t>http://</a:t>
+            </a:r>
+            <a:r>
+              <a:rPr lang="en-US" dirty="0" err="1"/>
+              <a:t>alex.smola.org</a:t>
+            </a:r>
+            <a:r>
+              <a:rPr lang="en-US" dirty="0"/>
+              <a:t>/teaching/cmu2013-10-701/</a:t>
+            </a:r>
+          </a:p>
+          <a:p>
+            <a:r>
+              <a:rPr lang="en-US" dirty="0"/>
+              <a:t>https://</a:t>
+            </a:r>
+            <a:r>
+              <a:rPr lang="en-US" dirty="0" err="1"/>
+              <a:t>classroom.udacity.com</a:t>
+            </a:r>
+            <a:r>
+              <a:rPr lang="en-US" dirty="0"/>
+              <a:t>/courses/ud120/lessons/2410328539/concepts/24185385370923</a:t>
+            </a:r>
+          </a:p>
+          <a:p>
+            <a:r>
+              <a:rPr lang="en-US" dirty="0"/>
+              <a:t>http://cs231n.github.io/</a:t>
             </a:r>
           </a:p>
           <a:p>
@@ -5393,7 +5687,7 @@
           <a:p>
             <a:fld id="{392C882F-C55E-0C4C-9C06-F730D65A242C}" type="slidenum">
               <a:rPr lang="en-US" smtClean="0"/>
-              <a:t>5</a:t>
+              <a:t>6</a:t>
             </a:fld>
             <a:endParaRPr lang="en-US"/>
           </a:p>
@@ -5402,7 +5696,7 @@
     </p:spTree>
     <p:extLst>
       <p:ext uri="{BB962C8B-B14F-4D97-AF65-F5344CB8AC3E}">
-        <p14:creationId xmlns:p14="http://schemas.microsoft.com/office/powerpoint/2010/main" val="1373183215"/>
+        <p14:creationId xmlns:p14="http://schemas.microsoft.com/office/powerpoint/2010/main" val="1176473438"/>
       </p:ext>
     </p:extLst>
   </p:cSld>
@@ -5456,7 +5750,7 @@
           <a:bodyPr/>
           <a:lstStyle/>
           <a:p>
-            <a:pPr marL="0" marR="0" lvl="0" indent="0" algn="l" defTabSz="914400" rtl="0" eaLnBrk="1" fontAlgn="auto" latinLnBrk="0" hangingPunct="1">
+            <a:pPr marL="0" marR="0" indent="0" algn="l" defTabSz="914400" rtl="0" eaLnBrk="1" fontAlgn="auto" latinLnBrk="0" hangingPunct="1">
               <a:lnSpc>
                 <a:spcPct val="100000"/>
               </a:lnSpc>
@@ -5475,76 +5769,24 @@
             </a:pPr>
             <a:r>
               <a:rPr lang="en-US" dirty="0"/>
-              <a:t>Goal: present a unified view of the field through the lens of </a:t>
-            </a:r>
-            <a:r>
-              <a:rPr lang="en-US" b="1" dirty="0"/>
-              <a:t>probabilistic modeling and inference</a:t>
-            </a:r>
-            <a:r>
-              <a:rPr lang="en-US" dirty="0"/>
-              <a:t>. </a:t>
+              <a:t>In ML we try to take as input </a:t>
+            </a:r>
+            <a:r>
+              <a:rPr lang="en-US" b="1" u="sng" dirty="0"/>
+              <a:t>features</a:t>
+            </a:r>
+            <a:r>
+              <a:rPr lang="en-US" dirty="0"/>
+              <a:t> and we try to produce </a:t>
+            </a:r>
+            <a:r>
+              <a:rPr lang="en-US" b="1" u="sng" dirty="0"/>
+              <a:t>labels</a:t>
             </a:r>
           </a:p>
           <a:p>
             <a:endParaRPr lang="en-US" dirty="0"/>
           </a:p>
-          <a:p>
-            <a:r>
-              <a:rPr lang="en-US" dirty="0"/>
-              <a:t>What are the advantages of Machine Learning?</a:t>
-            </a:r>
-          </a:p>
-          <a:p>
-            <a:r>
-              <a:rPr lang="en-US" dirty="0"/>
-              <a:t>References:</a:t>
-            </a:r>
-          </a:p>
-          <a:p>
-            <a:r>
-              <a:rPr lang="en-US" dirty="0"/>
-              <a:t>http://</a:t>
-            </a:r>
-            <a:r>
-              <a:rPr lang="en-US" dirty="0" err="1"/>
-              <a:t>www.contrib.andrew.cmu.edu</a:t>
-            </a:r>
-            <a:r>
-              <a:rPr lang="en-US" dirty="0"/>
-              <a:t>/~</a:t>
-            </a:r>
-            <a:r>
-              <a:rPr lang="en-US" dirty="0" err="1"/>
-              <a:t>mndarwis</a:t>
-            </a:r>
-            <a:r>
-              <a:rPr lang="en-US" dirty="0"/>
-              <a:t>/</a:t>
-            </a:r>
-            <a:r>
-              <a:rPr lang="en-US" dirty="0" err="1"/>
-              <a:t>ML.html</a:t>
-            </a:r>
-            <a:endParaRPr lang="en-US" dirty="0"/>
-          </a:p>
-          <a:p>
-            <a:r>
-              <a:rPr lang="en-US" dirty="0"/>
-              <a:t>https://</a:t>
-            </a:r>
-            <a:r>
-              <a:rPr lang="en-US" dirty="0" err="1"/>
-              <a:t>classroom.udacity.com</a:t>
-            </a:r>
-            <a:r>
-              <a:rPr lang="en-US" dirty="0"/>
-              <a:t>/courses/ud120/lessons/2410328539/concepts/24185385370923</a:t>
-            </a:r>
-          </a:p>
-          <a:p>
-            <a:endParaRPr lang="en-US" dirty="0"/>
-          </a:p>
         </p:txBody>
       </p:sp>
       <p:sp>
@@ -5554,7 +5796,7 @@
             <a:spLocks noGrp="1"/>
           </p:cNvSpPr>
           <p:nvPr>
-            <p:ph type="sldNum" sz="quarter" idx="5"/>
+            <p:ph type="sldNum" sz="quarter" idx="10"/>
           </p:nvPr>
         </p:nvSpPr>
         <p:spPr/>
@@ -5564,7 +5806,7 @@
           <a:p>
             <a:fld id="{392C882F-C55E-0C4C-9C06-F730D65A242C}" type="slidenum">
               <a:rPr lang="en-US" smtClean="0"/>
-              <a:t>6</a:t>
+              <a:t>7</a:t>
             </a:fld>
             <a:endParaRPr lang="en-US"/>
           </a:p>
@@ -5573,7 +5815,7 @@
     </p:spTree>
     <p:extLst>
       <p:ext uri="{BB962C8B-B14F-4D97-AF65-F5344CB8AC3E}">
-        <p14:creationId xmlns:p14="http://schemas.microsoft.com/office/powerpoint/2010/main" val="465218177"/>
+        <p14:creationId xmlns:p14="http://schemas.microsoft.com/office/powerpoint/2010/main" val="1373183215"/>
       </p:ext>
     </p:extLst>
   </p:cSld>
@@ -5627,29 +5869,95 @@
           <a:bodyPr/>
           <a:lstStyle/>
           <a:p>
-            <a:r>
-              <a:rPr lang="en-US" dirty="0"/>
-              <a:t>Humans learn from past experience</a:t>
-            </a:r>
-          </a:p>
-          <a:p>
-            <a:r>
-              <a:rPr lang="en-US" dirty="0"/>
-              <a:t>Computers follow instructions that have previously been programmed.</a:t>
-            </a:r>
-          </a:p>
-          <a:p>
-            <a:r>
-              <a:rPr lang="en-US" dirty="0"/>
-              <a:t>Can we get computers to learn from past experience too?</a:t>
+            <a:pPr marL="0" marR="0" lvl="0" indent="0" algn="l" defTabSz="914400" rtl="0" eaLnBrk="1" fontAlgn="auto" latinLnBrk="0" hangingPunct="1">
+              <a:lnSpc>
+                <a:spcPct val="100000"/>
+              </a:lnSpc>
+              <a:spcBef>
+                <a:spcPts val="0"/>
+              </a:spcBef>
+              <a:spcAft>
+                <a:spcPts val="0"/>
+              </a:spcAft>
+              <a:buClrTx/>
+              <a:buSzTx/>
+              <a:buFontTx/>
+              <a:buNone/>
+              <a:tabLst/>
+              <a:defRPr/>
+            </a:pPr>
+            <a:r>
+              <a:rPr lang="en-US" dirty="0"/>
+              <a:t>Goal: present a unified view of the field through the lens of </a:t>
+            </a:r>
+            <a:r>
+              <a:rPr lang="en-US" b="1" dirty="0"/>
+              <a:t>probabilistic modeling and inference</a:t>
+            </a:r>
+            <a:r>
+              <a:rPr lang="en-US" dirty="0"/>
+              <a:t>. </a:t>
             </a:r>
           </a:p>
           <a:p>
             <a:endParaRPr lang="en-US" dirty="0"/>
           </a:p>
           <a:p>
+            <a:r>
+              <a:rPr lang="en-US" dirty="0"/>
+              <a:t>What are the advantages of Machine Learning?</a:t>
+            </a:r>
+          </a:p>
+          <a:p>
+            <a:r>
+              <a:rPr lang="en-US" dirty="0"/>
+              <a:t>References:</a:t>
+            </a:r>
+          </a:p>
+          <a:p>
+            <a:r>
+              <a:rPr lang="en-US" dirty="0"/>
+              <a:t>http://</a:t>
+            </a:r>
+            <a:r>
+              <a:rPr lang="en-US" dirty="0" err="1"/>
+              <a:t>www.contrib.andrew.cmu.edu</a:t>
+            </a:r>
+            <a:r>
+              <a:rPr lang="en-US" dirty="0"/>
+              <a:t>/~</a:t>
+            </a:r>
+            <a:r>
+              <a:rPr lang="en-US" dirty="0" err="1"/>
+              <a:t>mndarwis</a:t>
+            </a:r>
+            <a:r>
+              <a:rPr lang="en-US" dirty="0"/>
+              <a:t>/</a:t>
+            </a:r>
+            <a:r>
+              <a:rPr lang="en-US" dirty="0" err="1"/>
+              <a:t>ML.html</a:t>
+            </a:r>
             <a:endParaRPr lang="en-US" dirty="0"/>
           </a:p>
+          <a:p>
+            <a:r>
+              <a:rPr lang="en-US" dirty="0"/>
+              <a:t>https://</a:t>
+            </a:r>
+            <a:r>
+              <a:rPr lang="en-US" dirty="0" err="1"/>
+              <a:t>classroom.udacity.com</a:t>
+            </a:r>
+            <a:r>
+              <a:rPr lang="en-US" dirty="0"/>
+              <a:t>/courses/ud120/lessons/2410328539/concepts/24185385370923</a:t>
+            </a:r>
+          </a:p>
+          <a:p>
+            <a:endParaRPr lang="en-US" dirty="0"/>
+          </a:p>
         </p:txBody>
       </p:sp>
       <p:sp>
@@ -5659,7 +5967,7 @@
             <a:spLocks noGrp="1"/>
           </p:cNvSpPr>
           <p:nvPr>
-            <p:ph type="sldNum" sz="quarter" idx="10"/>
+            <p:ph type="sldNum" sz="quarter" idx="5"/>
           </p:nvPr>
         </p:nvSpPr>
         <p:spPr/>
@@ -5678,7 +5986,7 @@
     </p:spTree>
     <p:extLst>
       <p:ext uri="{BB962C8B-B14F-4D97-AF65-F5344CB8AC3E}">
-        <p14:creationId xmlns:p14="http://schemas.microsoft.com/office/powerpoint/2010/main" val="1093488795"/>
+        <p14:creationId xmlns:p14="http://schemas.microsoft.com/office/powerpoint/2010/main" val="465218177"/>
       </p:ext>
     </p:extLst>
   </p:cSld>
@@ -5732,27 +6040,25 @@
           <a:bodyPr/>
           <a:lstStyle/>
           <a:p>
-            <a:pPr marL="0" marR="0" indent="0" algn="l" defTabSz="914400" rtl="0" eaLnBrk="1" fontAlgn="auto" latinLnBrk="0" hangingPunct="1">
-              <a:lnSpc>
-                <a:spcPct val="100000"/>
-              </a:lnSpc>
-              <a:spcBef>
-                <a:spcPts val="0"/>
-              </a:spcBef>
-              <a:spcAft>
-                <a:spcPts val="0"/>
-              </a:spcAft>
-              <a:buClrTx/>
-              <a:buSzTx/>
-              <a:buFontTx/>
-              <a:buNone/>
-              <a:tabLst/>
-              <a:defRPr/>
-            </a:pPr>
-            <a:r>
-              <a:rPr lang="en-US" sz="1200" dirty="0"/>
-              <a:t>The probabilistic approach to machine learning is closely related to the field of statistics, but differs slightly in terms of its emphasis and terminology</a:t>
-            </a:r>
+            <a:r>
+              <a:rPr lang="en-US" dirty="0"/>
+              <a:t>Humans learn from past experience</a:t>
+            </a:r>
+          </a:p>
+          <a:p>
+            <a:r>
+              <a:rPr lang="en-US" dirty="0"/>
+              <a:t>Computers follow instructions that have previously been programmed.</a:t>
+            </a:r>
+          </a:p>
+          <a:p>
+            <a:r>
+              <a:rPr lang="en-US" dirty="0"/>
+              <a:t>Can we get computers to learn from past experience too?</a:t>
+            </a:r>
+          </a:p>
+          <a:p>
+            <a:endParaRPr lang="en-US" dirty="0"/>
           </a:p>
           <a:p>
             <a:endParaRPr lang="en-US" dirty="0"/>
@@ -5776,7 +6082,7 @@
           <a:p>
             <a:fld id="{392C882F-C55E-0C4C-9C06-F730D65A242C}" type="slidenum">
               <a:rPr lang="en-US" smtClean="0"/>
-              <a:t>9</a:t>
+              <a:t>10</a:t>
             </a:fld>
             <a:endParaRPr lang="en-US"/>
           </a:p>
@@ -5785,7 +6091,7 @@
     </p:spTree>
     <p:extLst>
       <p:ext uri="{BB962C8B-B14F-4D97-AF65-F5344CB8AC3E}">
-        <p14:creationId xmlns:p14="http://schemas.microsoft.com/office/powerpoint/2010/main" val="3609048780"/>
+        <p14:creationId xmlns:p14="http://schemas.microsoft.com/office/powerpoint/2010/main" val="1093488795"/>
       </p:ext>
     </p:extLst>
   </p:cSld>
@@ -5839,7 +6145,7 @@
           <a:bodyPr/>
           <a:lstStyle/>
           <a:p>
-            <a:pPr marL="0" marR="0" lvl="1" indent="0" algn="l" defTabSz="914400" rtl="0" eaLnBrk="1" fontAlgn="auto" latinLnBrk="0" hangingPunct="1">
+            <a:pPr marL="0" marR="0" indent="0" algn="l" defTabSz="914400" rtl="0" eaLnBrk="1" fontAlgn="auto" latinLnBrk="0" hangingPunct="1">
               <a:lnSpc>
                 <a:spcPct val="100000"/>
               </a:lnSpc>
@@ -5857,16 +6163,8 @@
               <a:defRPr/>
             </a:pPr>
             <a:r>
-              <a:rPr lang="en-US" dirty="0"/>
-              <a:t>Another</a:t>
-            </a:r>
-            <a:r>
-              <a:rPr lang="en-US" baseline="0" dirty="0"/>
-              <a:t> variant of supervised learning</a:t>
-            </a:r>
-            <a:r>
-              <a:rPr lang="en-US" dirty="0"/>
-              <a:t>, known as ordinal regression , occurs where label space Y has some natural ordering, such as grades A–F.</a:t>
+              <a:rPr lang="en-US" sz="1200" dirty="0"/>
+              <a:t>The probabilistic approach to machine learning is closely related to the field of statistics, but differs slightly in terms of its emphasis and terminology</a:t>
             </a:r>
           </a:p>
           <a:p>
@@ -5891,7 +6189,7 @@
           <a:p>
             <a:fld id="{392C882F-C55E-0C4C-9C06-F730D65A242C}" type="slidenum">
               <a:rPr lang="en-US" smtClean="0"/>
-              <a:t>10</a:t>
+              <a:t>11</a:t>
             </a:fld>
             <a:endParaRPr lang="en-US"/>
           </a:p>
@@ -5900,7 +6198,7 @@
     </p:spTree>
     <p:extLst>
       <p:ext uri="{BB962C8B-B14F-4D97-AF65-F5344CB8AC3E}">
-        <p14:creationId xmlns:p14="http://schemas.microsoft.com/office/powerpoint/2010/main" val="817292180"/>
+        <p14:creationId xmlns:p14="http://schemas.microsoft.com/office/powerpoint/2010/main" val="3609048780"/>
       </p:ext>
     </p:extLst>
   </p:cSld>
@@ -8748,7 +9046,13 @@
       </p:grpSpPr>
       <p:sp>
         <p:nvSpPr>
-          <p:cNvPr id="2" name="Title 1"/>
+          <p:cNvPr id="2" name="Title 1">
+            <a:extLst>
+              <a:ext uri="{FF2B5EF4-FFF2-40B4-BE49-F238E27FC236}">
+                <a16:creationId xmlns:a16="http://schemas.microsoft.com/office/drawing/2014/main" id="{8773E25C-D2E6-E047-BABF-0EC0D49B0BB7}"/>
+              </a:ext>
+            </a:extLst>
+          </p:cNvPr>
           <p:cNvSpPr>
             <a:spLocks noGrp="1"/>
           </p:cNvSpPr>
@@ -8758,21 +9062,25 @@
         </p:nvSpPr>
         <p:spPr/>
         <p:txBody>
-          <a:bodyPr>
-            <a:normAutofit/>
-          </a:bodyPr>
-          <a:lstStyle/>
-          <a:p>
-            <a:r>
-              <a:rPr lang="en-US" dirty="0"/>
-              <a:t>Overview of Machine Learning</a:t>
-            </a:r>
-          </a:p>
-        </p:txBody>
-      </p:sp>
-      <p:sp>
-        <p:nvSpPr>
-          <p:cNvPr id="3" name="Subtitle 2"/>
+          <a:bodyPr/>
+          <a:lstStyle/>
+          <a:p>
+            <a:r>
+              <a:rPr lang="en-US" dirty="0"/>
+              <a:t>Machine Learning</a:t>
+            </a:r>
+          </a:p>
+        </p:txBody>
+      </p:sp>
+      <p:sp>
+        <p:nvSpPr>
+          <p:cNvPr id="3" name="Subtitle 2">
+            <a:extLst>
+              <a:ext uri="{FF2B5EF4-FFF2-40B4-BE49-F238E27FC236}">
+                <a16:creationId xmlns:a16="http://schemas.microsoft.com/office/drawing/2014/main" id="{0149DC42-0E95-5B4A-8370-66927A79401C}"/>
+              </a:ext>
+            </a:extLst>
+          </p:cNvPr>
           <p:cNvSpPr>
             <a:spLocks noGrp="1"/>
           </p:cNvSpPr>
@@ -8787,21 +9095,29 @@
           <a:p>
             <a:r>
               <a:rPr lang="en-US" dirty="0"/>
-              <a:t>Machine Learning, a Probabilistic Perspective</a:t>
-            </a:r>
-          </a:p>
-          <a:p>
-            <a:r>
-              <a:rPr lang="en-US" dirty="0"/>
-              <a:t>Chapter 1</a:t>
-            </a:r>
+              <a:t>COM-3920-341</a:t>
+            </a:r>
+          </a:p>
+          <a:p>
+            <a:endParaRPr lang="en-US" dirty="0"/>
+          </a:p>
+          <a:p>
+            <a:r>
+              <a:rPr lang="en-US" dirty="0"/>
+              <a:t>Prof. Adrian </a:t>
+            </a:r>
+            <a:r>
+              <a:rPr lang="en-US" dirty="0" err="1"/>
+              <a:t>Caciula</a:t>
+            </a:r>
+            <a:endParaRPr lang="en-US" dirty="0"/>
           </a:p>
         </p:txBody>
       </p:sp>
     </p:spTree>
     <p:extLst>
       <p:ext uri="{BB962C8B-B14F-4D97-AF65-F5344CB8AC3E}">
-        <p14:creationId xmlns:p14="http://schemas.microsoft.com/office/powerpoint/2010/main" val="1681692777"/>
+        <p14:creationId xmlns:p14="http://schemas.microsoft.com/office/powerpoint/2010/main" val="308275241"/>
       </p:ext>
     </p:extLst>
   </p:cSld>
@@ -8812,6 +9128,270 @@
 </file>
 
 <file path=ppt/slides/slide10.xml><?xml version="1.0" encoding="utf-8"?>
+<p:sld xmlns:a="http://schemas.openxmlformats.org/drawingml/2006/main" xmlns:r="http://schemas.openxmlformats.org/officeDocument/2006/relationships" xmlns:p="http://schemas.openxmlformats.org/presentationml/2006/main">
+  <p:cSld>
+    <p:spTree>
+      <p:nvGrpSpPr>
+        <p:cNvPr id="1" name=""/>
+        <p:cNvGrpSpPr/>
+        <p:nvPr/>
+      </p:nvGrpSpPr>
+      <p:grpSpPr>
+        <a:xfrm>
+          <a:off x="0" y="0"/>
+          <a:ext cx="0" cy="0"/>
+          <a:chOff x="0" y="0"/>
+          <a:chExt cx="0" cy="0"/>
+        </a:xfrm>
+      </p:grpSpPr>
+      <p:sp>
+        <p:nvSpPr>
+          <p:cNvPr id="2" name="Title 1"/>
+          <p:cNvSpPr>
+            <a:spLocks noGrp="1"/>
+          </p:cNvSpPr>
+          <p:nvPr>
+            <p:ph type="title"/>
+          </p:nvPr>
+        </p:nvSpPr>
+        <p:spPr/>
+        <p:txBody>
+          <a:bodyPr/>
+          <a:lstStyle/>
+          <a:p>
+            <a:r>
+              <a:rPr lang="en-US" dirty="0"/>
+              <a:t>What is Machine Learning?</a:t>
+            </a:r>
+          </a:p>
+        </p:txBody>
+      </p:sp>
+      <p:sp>
+        <p:nvSpPr>
+          <p:cNvPr id="3" name="Content Placeholder 2"/>
+          <p:cNvSpPr>
+            <a:spLocks noGrp="1"/>
+          </p:cNvSpPr>
+          <p:nvPr>
+            <p:ph idx="1"/>
+          </p:nvPr>
+        </p:nvSpPr>
+        <p:spPr>
+          <a:xfrm>
+            <a:off x="473529" y="1825624"/>
+            <a:ext cx="11217728" cy="4705805"/>
+          </a:xfrm>
+        </p:spPr>
+        <p:txBody>
+          <a:bodyPr>
+            <a:normAutofit lnSpcReduction="10000"/>
+          </a:bodyPr>
+          <a:lstStyle/>
+          <a:p>
+            <a:r>
+              <a:rPr lang="en-US" dirty="0"/>
+              <a:t>In 1959 Arthur Samuel described it as: </a:t>
+            </a:r>
+          </a:p>
+          <a:p>
+            <a:pPr marL="457200" lvl="1" indent="0">
+              <a:buNone/>
+            </a:pPr>
+            <a:r>
+              <a:rPr lang="en-US" dirty="0"/>
+              <a:t>"</a:t>
+            </a:r>
+            <a:r>
+              <a:rPr lang="en-US" b="1" dirty="0"/>
+              <a:t>the field of study that gives computers the ability to learn without being explicitly programmed</a:t>
+            </a:r>
+            <a:r>
+              <a:rPr lang="en-US" dirty="0"/>
+              <a:t>.”</a:t>
+            </a:r>
+          </a:p>
+          <a:p>
+            <a:endParaRPr lang="en-US" dirty="0"/>
+          </a:p>
+          <a:p>
+            <a:r>
+              <a:rPr lang="en-US" dirty="0"/>
+              <a:t>Tom Mitchell provides a more modern definition: </a:t>
+            </a:r>
+          </a:p>
+          <a:p>
+            <a:pPr marL="457200" lvl="1" indent="0">
+              <a:buNone/>
+            </a:pPr>
+            <a:r>
+              <a:rPr lang="en-US" dirty="0"/>
+              <a:t>“</a:t>
+            </a:r>
+            <a:r>
+              <a:rPr lang="en-US" b="1" dirty="0"/>
+              <a:t>A computer program is said to learn from experience E with respect to some class of tasks T and performance measure P, if its performance at tasks in T, as measured by P, improves with experience E.”</a:t>
+            </a:r>
+            <a:endParaRPr lang="en-US" dirty="0"/>
+          </a:p>
+          <a:p>
+            <a:pPr marL="457200" lvl="1" indent="0">
+              <a:buNone/>
+            </a:pPr>
+            <a:r>
+              <a:rPr lang="en-US" dirty="0"/>
+              <a:t>		  Example: playing checkers.</a:t>
+            </a:r>
+          </a:p>
+          <a:p>
+            <a:pPr marL="457200" lvl="1" indent="0">
+              <a:buNone/>
+            </a:pPr>
+            <a:r>
+              <a:rPr lang="en-US" dirty="0"/>
+              <a:t>		  E = the experience of playing many games of checkers</a:t>
+            </a:r>
+          </a:p>
+          <a:p>
+            <a:pPr marL="457200" lvl="1" indent="0">
+              <a:buNone/>
+            </a:pPr>
+            <a:r>
+              <a:rPr lang="en-US" dirty="0"/>
+              <a:t>		  T = the task of playing checkers.</a:t>
+            </a:r>
+          </a:p>
+          <a:p>
+            <a:pPr marL="457200" lvl="1" indent="0">
+              <a:buNone/>
+            </a:pPr>
+            <a:r>
+              <a:rPr lang="en-US" dirty="0"/>
+              <a:t>		  P = the probability that the program will win the next game.</a:t>
+            </a:r>
+          </a:p>
+          <a:p>
+            <a:pPr marL="0" indent="0">
+              <a:buNone/>
+            </a:pPr>
+            <a:endParaRPr lang="en-US" dirty="0"/>
+          </a:p>
+        </p:txBody>
+      </p:sp>
+      <p:pic>
+        <p:nvPicPr>
+          <p:cNvPr id="3074" name="Picture 2" descr="http://m.itsyourturn.com/help/kxsetup.gif"/>
+          <p:cNvPicPr>
+            <a:picLocks noChangeAspect="1" noChangeArrowheads="1"/>
+          </p:cNvPicPr>
+          <p:nvPr/>
+        </p:nvPicPr>
+        <p:blipFill>
+          <a:blip r:embed="rId3">
+            <a:extLst>
+              <a:ext uri="{28A0092B-C50C-407E-A947-70E740481C1C}">
+                <a14:useLocalDpi xmlns:a14="http://schemas.microsoft.com/office/drawing/2010/main" val="0"/>
+              </a:ext>
+            </a:extLst>
+          </a:blip>
+          <a:srcRect/>
+          <a:stretch>
+            <a:fillRect/>
+          </a:stretch>
+        </p:blipFill>
+        <p:spPr bwMode="auto">
+          <a:xfrm>
+            <a:off x="1001486" y="4750506"/>
+            <a:ext cx="1534886" cy="1581804"/>
+          </a:xfrm>
+          <a:prstGeom prst="rect">
+            <a:avLst/>
+          </a:prstGeom>
+          <a:noFill/>
+          <a:extLst>
+            <a:ext uri="{909E8E84-426E-40DD-AFC4-6F175D3DCCD1}">
+              <a14:hiddenFill xmlns:a14="http://schemas.microsoft.com/office/drawing/2010/main">
+                <a:solidFill>
+                  <a:srgbClr val="FFFFFF"/>
+                </a:solidFill>
+              </a14:hiddenFill>
+            </a:ext>
+          </a:extLst>
+        </p:spPr>
+      </p:pic>
+    </p:spTree>
+    <p:extLst>
+      <p:ext uri="{BB962C8B-B14F-4D97-AF65-F5344CB8AC3E}">
+        <p14:creationId xmlns:p14="http://schemas.microsoft.com/office/powerpoint/2010/main" val="562344749"/>
+      </p:ext>
+    </p:extLst>
+  </p:cSld>
+  <p:clrMapOvr>
+    <a:masterClrMapping/>
+  </p:clrMapOvr>
+</p:sld>
+</file>
+
+<file path=ppt/slides/slide11.xml><?xml version="1.0" encoding="utf-8"?>
+<p:sld xmlns:a="http://schemas.openxmlformats.org/drawingml/2006/main" xmlns:r="http://schemas.openxmlformats.org/officeDocument/2006/relationships" xmlns:p="http://schemas.openxmlformats.org/presentationml/2006/main" show="0">
+  <p:cSld>
+    <p:spTree>
+      <p:nvGrpSpPr>
+        <p:cNvPr id="1" name=""/>
+        <p:cNvGrpSpPr/>
+        <p:nvPr/>
+      </p:nvGrpSpPr>
+      <p:grpSpPr>
+        <a:xfrm>
+          <a:off x="0" y="0"/>
+          <a:ext cx="0" cy="0"/>
+          <a:chOff x="0" y="0"/>
+          <a:chExt cx="0" cy="0"/>
+        </a:xfrm>
+      </p:grpSpPr>
+      <p:pic>
+        <p:nvPicPr>
+          <p:cNvPr id="4" name="Picture 3"/>
+          <p:cNvPicPr>
+            <a:picLocks noChangeAspect="1"/>
+          </p:cNvPicPr>
+          <p:nvPr/>
+        </p:nvPicPr>
+        <p:blipFill>
+          <a:blip r:embed="rId3">
+            <a:extLst>
+              <a:ext uri="{28A0092B-C50C-407E-A947-70E740481C1C}">
+                <a14:useLocalDpi xmlns:a14="http://schemas.microsoft.com/office/drawing/2010/main" val="0"/>
+              </a:ext>
+            </a:extLst>
+          </a:blip>
+          <a:stretch>
+            <a:fillRect/>
+          </a:stretch>
+        </p:blipFill>
+        <p:spPr>
+          <a:xfrm>
+            <a:off x="2213120" y="0"/>
+            <a:ext cx="7594908" cy="6858000"/>
+          </a:xfrm>
+          <a:prstGeom prst="rect">
+            <a:avLst/>
+          </a:prstGeom>
+        </p:spPr>
+      </p:pic>
+    </p:spTree>
+    <p:extLst>
+      <p:ext uri="{BB962C8B-B14F-4D97-AF65-F5344CB8AC3E}">
+        <p14:creationId xmlns:p14="http://schemas.microsoft.com/office/powerpoint/2010/main" val="931287248"/>
+      </p:ext>
+    </p:extLst>
+  </p:cSld>
+  <p:clrMapOvr>
+    <a:masterClrMapping/>
+  </p:clrMapOvr>
+</p:sld>
+</file>
+
+<file path=ppt/slides/slide12.xml><?xml version="1.0" encoding="utf-8"?>
 <p:sld xmlns:a="http://schemas.openxmlformats.org/drawingml/2006/main" xmlns:r="http://schemas.openxmlformats.org/officeDocument/2006/relationships" xmlns:p="http://schemas.openxmlformats.org/presentationml/2006/main">
   <p:cSld>
     <p:spTree>
@@ -9317,438 +9897,6 @@
 </p:sld>
 </file>
 
-<file path=ppt/slides/slide11.xml><?xml version="1.0" encoding="utf-8"?>
-<p:sld xmlns:a="http://schemas.openxmlformats.org/drawingml/2006/main" xmlns:r="http://schemas.openxmlformats.org/officeDocument/2006/relationships" xmlns:p="http://schemas.openxmlformats.org/presentationml/2006/main">
-  <p:cSld>
-    <p:spTree>
-      <p:nvGrpSpPr>
-        <p:cNvPr id="1" name=""/>
-        <p:cNvGrpSpPr/>
-        <p:nvPr/>
-      </p:nvGrpSpPr>
-      <p:grpSpPr>
-        <a:xfrm>
-          <a:off x="0" y="0"/>
-          <a:ext cx="0" cy="0"/>
-          <a:chOff x="0" y="0"/>
-          <a:chExt cx="0" cy="0"/>
-        </a:xfrm>
-      </p:grpSpPr>
-      <p:sp>
-        <p:nvSpPr>
-          <p:cNvPr id="2" name="Title 1"/>
-          <p:cNvSpPr>
-            <a:spLocks noGrp="1"/>
-          </p:cNvSpPr>
-          <p:nvPr>
-            <p:ph type="title"/>
-          </p:nvPr>
-        </p:nvSpPr>
-        <p:spPr/>
-        <p:txBody>
-          <a:bodyPr/>
-          <a:lstStyle/>
-          <a:p>
-            <a:r>
-              <a:rPr lang="en-US" dirty="0"/>
-              <a:t>Key Terms</a:t>
-            </a:r>
-          </a:p>
-        </p:txBody>
-      </p:sp>
-      <p:sp>
-        <p:nvSpPr>
-          <p:cNvPr id="3" name="Content Placeholder 2"/>
-          <p:cNvSpPr>
-            <a:spLocks noGrp="1"/>
-          </p:cNvSpPr>
-          <p:nvPr>
-            <p:ph idx="1"/>
-          </p:nvPr>
-        </p:nvSpPr>
-        <p:spPr>
-          <a:xfrm>
-            <a:off x="186268" y="1825625"/>
-            <a:ext cx="11766246" cy="4351338"/>
-          </a:xfrm>
-        </p:spPr>
-        <p:txBody>
-          <a:bodyPr>
-            <a:normAutofit lnSpcReduction="10000"/>
-          </a:bodyPr>
-          <a:lstStyle/>
-          <a:p>
-            <a:pPr marL="0" indent="0">
-              <a:buNone/>
-            </a:pPr>
-            <a:r>
-              <a:rPr lang="en-US" b="1" dirty="0"/>
-              <a:t>features</a:t>
-            </a:r>
-            <a:r>
-              <a:rPr lang="en-US" dirty="0"/>
-              <a:t> , </a:t>
-            </a:r>
-            <a:r>
-              <a:rPr lang="en-US" b="1" dirty="0"/>
-              <a:t>attributes</a:t>
-            </a:r>
-            <a:r>
-              <a:rPr lang="en-US" dirty="0"/>
-              <a:t>  or </a:t>
-            </a:r>
-            <a:r>
-              <a:rPr lang="en-US" b="1" dirty="0"/>
-              <a:t>covariates:</a:t>
-            </a:r>
-            <a:endParaRPr lang="en-US" dirty="0"/>
-          </a:p>
-          <a:p>
-            <a:pPr marL="882650" indent="-882650">
-              <a:buNone/>
-            </a:pPr>
-            <a:r>
-              <a:rPr lang="en-US" dirty="0"/>
-              <a:t>	each training input x</a:t>
-            </a:r>
-            <a:r>
-              <a:rPr lang="en-US" sz="1600" dirty="0"/>
-              <a:t>i </a:t>
-            </a:r>
-            <a:r>
-              <a:rPr lang="en-US" dirty="0"/>
-              <a:t> is a D-dimensional vector of numbers, representing, say, the height and weight of a person. </a:t>
-            </a:r>
-          </a:p>
-          <a:p>
-            <a:pPr marL="882650" indent="-882650">
-              <a:buNone/>
-            </a:pPr>
-            <a:r>
-              <a:rPr lang="en-US" dirty="0"/>
-              <a:t>	however, x</a:t>
-            </a:r>
-            <a:r>
-              <a:rPr lang="en-US" sz="1600" dirty="0"/>
-              <a:t>i </a:t>
-            </a:r>
-            <a:r>
-              <a:rPr lang="en-US" dirty="0"/>
-              <a:t> could be a complex structured object, such as an image, a sentence, an email message, a time series, a molecular shape, a graph, </a:t>
-            </a:r>
-            <a:r>
-              <a:rPr lang="en-US" dirty="0" err="1"/>
-              <a:t>etc</a:t>
-            </a:r>
-            <a:endParaRPr lang="en-US" dirty="0"/>
-          </a:p>
-          <a:p>
-            <a:pPr marL="0" indent="0">
-              <a:buNone/>
-            </a:pPr>
-            <a:endParaRPr lang="en-US" b="1" dirty="0"/>
-          </a:p>
-          <a:p>
-            <a:pPr marL="0" indent="0">
-              <a:buNone/>
-            </a:pPr>
-            <a:r>
-              <a:rPr lang="en-US" b="1" dirty="0"/>
-              <a:t>output</a:t>
-            </a:r>
-            <a:r>
-              <a:rPr lang="en-US" dirty="0"/>
-              <a:t> or </a:t>
-            </a:r>
-            <a:r>
-              <a:rPr lang="en-US" b="1" dirty="0"/>
-              <a:t>response variable:</a:t>
-            </a:r>
-            <a:endParaRPr lang="en-US" dirty="0"/>
-          </a:p>
-          <a:p>
-            <a:pPr marL="882650" indent="-882650">
-              <a:buNone/>
-            </a:pPr>
-            <a:r>
-              <a:rPr lang="en-US" dirty="0"/>
-              <a:t>	most methods assume that </a:t>
-            </a:r>
-            <a:r>
-              <a:rPr lang="en-US" dirty="0" err="1"/>
-              <a:t>y</a:t>
-            </a:r>
-            <a:r>
-              <a:rPr lang="en-US" sz="1600" dirty="0" err="1"/>
-              <a:t>i</a:t>
-            </a:r>
-            <a:r>
-              <a:rPr lang="en-US" sz="1600" dirty="0"/>
-              <a:t> </a:t>
-            </a:r>
-            <a:r>
-              <a:rPr lang="en-US" dirty="0"/>
-              <a:t> is a categorical  (or nominal)  variable from some finite set, </a:t>
-            </a:r>
-            <a:r>
-              <a:rPr lang="en-US" dirty="0" err="1"/>
-              <a:t>y</a:t>
-            </a:r>
-            <a:r>
-              <a:rPr lang="en-US" sz="1600" dirty="0" err="1"/>
-              <a:t>i</a:t>
-            </a:r>
-            <a:r>
-              <a:rPr lang="en-US" sz="1600" dirty="0"/>
-              <a:t> </a:t>
-            </a:r>
-            <a:r>
-              <a:rPr lang="en-US" dirty="0"/>
-              <a:t>∈ {1, . . . , C}  (such as male or female), or that </a:t>
-            </a:r>
-            <a:r>
-              <a:rPr lang="en-US" dirty="0" err="1"/>
-              <a:t>y</a:t>
-            </a:r>
-            <a:r>
-              <a:rPr lang="en-US" sz="1600" dirty="0" err="1"/>
-              <a:t>i</a:t>
-            </a:r>
-            <a:r>
-              <a:rPr lang="en-US" sz="1600" dirty="0"/>
-              <a:t> </a:t>
-            </a:r>
-            <a:r>
-              <a:rPr lang="en-US" dirty="0"/>
-              <a:t> is a real-valued scalar (such as income level). </a:t>
-            </a:r>
-          </a:p>
-        </p:txBody>
-      </p:sp>
-    </p:spTree>
-    <p:extLst>
-      <p:ext uri="{BB962C8B-B14F-4D97-AF65-F5344CB8AC3E}">
-        <p14:creationId xmlns:p14="http://schemas.microsoft.com/office/powerpoint/2010/main" val="160339198"/>
-      </p:ext>
-    </p:extLst>
-  </p:cSld>
-  <p:clrMapOvr>
-    <a:masterClrMapping/>
-  </p:clrMapOvr>
-</p:sld>
-</file>
-
-<file path=ppt/slides/slide12.xml><?xml version="1.0" encoding="utf-8"?>
-<p:sld xmlns:a="http://schemas.openxmlformats.org/drawingml/2006/main" xmlns:r="http://schemas.openxmlformats.org/officeDocument/2006/relationships" xmlns:p="http://schemas.openxmlformats.org/presentationml/2006/main">
-  <p:cSld>
-    <p:spTree>
-      <p:nvGrpSpPr>
-        <p:cNvPr id="1" name=""/>
-        <p:cNvGrpSpPr/>
-        <p:nvPr/>
-      </p:nvGrpSpPr>
-      <p:grpSpPr>
-        <a:xfrm>
-          <a:off x="0" y="0"/>
-          <a:ext cx="0" cy="0"/>
-          <a:chOff x="0" y="0"/>
-          <a:chExt cx="0" cy="0"/>
-        </a:xfrm>
-      </p:grpSpPr>
-      <p:sp>
-        <p:nvSpPr>
-          <p:cNvPr id="2" name="Title 1"/>
-          <p:cNvSpPr>
-            <a:spLocks noGrp="1"/>
-          </p:cNvSpPr>
-          <p:nvPr>
-            <p:ph type="title"/>
-          </p:nvPr>
-        </p:nvSpPr>
-        <p:spPr/>
-        <p:txBody>
-          <a:bodyPr>
-            <a:normAutofit/>
-          </a:bodyPr>
-          <a:lstStyle/>
-          <a:p>
-            <a:r>
-              <a:rPr lang="en-US" b="1" dirty="0">
-                <a:latin typeface="Optima" charset="0"/>
-                <a:ea typeface="Optima" charset="0"/>
-                <a:cs typeface="Optima" charset="0"/>
-              </a:rPr>
-              <a:t>1.2 Supervised Learning</a:t>
-            </a:r>
-            <a:endParaRPr lang="en-US" sz="6600" b="1" dirty="0">
-              <a:latin typeface="Optima" charset="0"/>
-              <a:ea typeface="Optima" charset="0"/>
-              <a:cs typeface="Optima" charset="0"/>
-            </a:endParaRPr>
-          </a:p>
-        </p:txBody>
-      </p:sp>
-      <p:sp>
-        <p:nvSpPr>
-          <p:cNvPr id="3" name="Content Placeholder 2"/>
-          <p:cNvSpPr>
-            <a:spLocks noGrp="1"/>
-          </p:cNvSpPr>
-          <p:nvPr>
-            <p:ph idx="1"/>
-          </p:nvPr>
-        </p:nvSpPr>
-        <p:spPr>
-          <a:xfrm>
-            <a:off x="359229" y="1825624"/>
-            <a:ext cx="11560628" cy="4624161"/>
-          </a:xfrm>
-        </p:spPr>
-        <p:txBody>
-          <a:bodyPr>
-            <a:noAutofit/>
-          </a:bodyPr>
-          <a:lstStyle/>
-          <a:p>
-            <a:pPr marL="0" indent="0">
-              <a:buNone/>
-            </a:pPr>
-            <a:r>
-              <a:rPr lang="en-US" sz="2400" b="1" dirty="0">
-                <a:latin typeface="Optima" charset="0"/>
-                <a:ea typeface="Optima" charset="0"/>
-                <a:cs typeface="Optima" charset="0"/>
-              </a:rPr>
-              <a:t>Regression problems. </a:t>
-            </a:r>
-            <a:r>
-              <a:rPr lang="en-US" sz="2400" dirty="0">
-                <a:latin typeface="Optima" charset="0"/>
-                <a:ea typeface="Optima" charset="0"/>
-                <a:cs typeface="Optima" charset="0"/>
-              </a:rPr>
-              <a:t>Predict results within a continuous output (i.e., map input variables to some continuous function.) </a:t>
-            </a:r>
-            <a:endParaRPr lang="en-US" sz="2400" b="1" dirty="0">
-              <a:latin typeface="Optima" charset="0"/>
-              <a:ea typeface="Optima" charset="0"/>
-              <a:cs typeface="Optima" charset="0"/>
-            </a:endParaRPr>
-          </a:p>
-          <a:p>
-            <a:pPr marL="15875" indent="0">
-              <a:buNone/>
-            </a:pPr>
-            <a:r>
-              <a:rPr lang="en-US" sz="2400" b="1" dirty="0">
-                <a:latin typeface="Optima" charset="0"/>
-                <a:ea typeface="Optima" charset="0"/>
-                <a:cs typeface="Optima" charset="0"/>
-              </a:rPr>
-              <a:t>Classification problems. </a:t>
-            </a:r>
-            <a:r>
-              <a:rPr lang="en-US" sz="2400" dirty="0">
-                <a:latin typeface="Optima" charset="0"/>
-                <a:ea typeface="Optima" charset="0"/>
-                <a:cs typeface="Optima" charset="0"/>
-              </a:rPr>
-              <a:t>Predict results in a discrete output, (i.e., map input variables into discrete categories).</a:t>
-            </a:r>
-            <a:endParaRPr lang="en-US" sz="2400" b="1" dirty="0">
-              <a:latin typeface="Optima" charset="0"/>
-              <a:ea typeface="Optima" charset="0"/>
-              <a:cs typeface="Optima" charset="0"/>
-            </a:endParaRPr>
-          </a:p>
-          <a:p>
-            <a:pPr marL="0" indent="0">
-              <a:buNone/>
-            </a:pPr>
-            <a:r>
-              <a:rPr lang="en-US" sz="2400" b="1" dirty="0">
-                <a:latin typeface="Optima" charset="0"/>
-                <a:ea typeface="Optima" charset="0"/>
-                <a:cs typeface="Optima" charset="0"/>
-              </a:rPr>
-              <a:t>Example 1. </a:t>
-            </a:r>
-            <a:r>
-              <a:rPr lang="en-US" sz="2400" dirty="0">
-                <a:latin typeface="Optima" charset="0"/>
-                <a:ea typeface="Optima" charset="0"/>
-                <a:cs typeface="Optima" charset="0"/>
-              </a:rPr>
-              <a:t>Given data about the size of houses, try to predict their price. Price as a function of size is a continuous output, so this is a regression problem. </a:t>
-            </a:r>
-          </a:p>
-          <a:p>
-            <a:pPr marL="0" indent="0">
-              <a:buNone/>
-            </a:pPr>
-            <a:r>
-              <a:rPr lang="en-US" sz="2400" dirty="0">
-                <a:latin typeface="Optima" charset="0"/>
-                <a:ea typeface="Optima" charset="0"/>
-                <a:cs typeface="Optima" charset="0"/>
-              </a:rPr>
-              <a:t>We could turn this example into a classification problem by instead making our output about whether the house "sells for more or less than the asking price." Here we are classifying the houses based on price into two discrete categories.</a:t>
-            </a:r>
-            <a:endParaRPr lang="en-US" sz="2400" b="1" dirty="0">
-              <a:latin typeface="Optima" charset="0"/>
-              <a:ea typeface="Optima" charset="0"/>
-              <a:cs typeface="Optima" charset="0"/>
-            </a:endParaRPr>
-          </a:p>
-          <a:p>
-            <a:pPr marL="0" indent="0">
-              <a:buNone/>
-            </a:pPr>
-            <a:r>
-              <a:rPr lang="en-US" sz="2400" b="1" dirty="0">
-                <a:latin typeface="Optima" charset="0"/>
-                <a:ea typeface="Optima" charset="0"/>
-                <a:cs typeface="Optima" charset="0"/>
-              </a:rPr>
-              <a:t>Example 2</a:t>
-            </a:r>
-            <a:r>
-              <a:rPr lang="en-US" sz="2400" dirty="0">
-                <a:latin typeface="Optima" charset="0"/>
-                <a:ea typeface="Optima" charset="0"/>
-                <a:cs typeface="Optima" charset="0"/>
-              </a:rPr>
-              <a:t>. (a) Regression - Given a picture of a person, predict their age</a:t>
-            </a:r>
-          </a:p>
-          <a:p>
-            <a:pPr marL="0" indent="0">
-              <a:buNone/>
-            </a:pPr>
-            <a:r>
-              <a:rPr lang="en-US" sz="2400" dirty="0">
-                <a:latin typeface="Optima" charset="0"/>
-                <a:ea typeface="Optima" charset="0"/>
-                <a:cs typeface="Optima" charset="0"/>
-              </a:rPr>
-              <a:t>(b) Classification - Given a patient with a tumor, predict whether the tumor is malignant or benign.</a:t>
-            </a:r>
-          </a:p>
-        </p:txBody>
-      </p:sp>
-    </p:spTree>
-    <p:extLst>
-      <p:ext uri="{BB962C8B-B14F-4D97-AF65-F5344CB8AC3E}">
-        <p14:creationId xmlns:p14="http://schemas.microsoft.com/office/powerpoint/2010/main" val="1756915667"/>
-      </p:ext>
-    </p:extLst>
-  </p:cSld>
-  <p:clrMapOvr>
-    <a:masterClrMapping/>
-  </p:clrMapOvr>
-</p:sld>
-</file>
-
 <file path=ppt/slides/slide13.xml><?xml version="1.0" encoding="utf-8"?>
 <p:sld xmlns:a="http://schemas.openxmlformats.org/drawingml/2006/main" xmlns:r="http://schemas.openxmlformats.org/officeDocument/2006/relationships" xmlns:p="http://schemas.openxmlformats.org/presentationml/2006/main">
   <p:cSld>
@@ -9782,6 +9930,438 @@
           <a:lstStyle/>
           <a:p>
             <a:r>
+              <a:rPr lang="en-US" dirty="0"/>
+              <a:t>Key Terms</a:t>
+            </a:r>
+          </a:p>
+        </p:txBody>
+      </p:sp>
+      <p:sp>
+        <p:nvSpPr>
+          <p:cNvPr id="3" name="Content Placeholder 2"/>
+          <p:cNvSpPr>
+            <a:spLocks noGrp="1"/>
+          </p:cNvSpPr>
+          <p:nvPr>
+            <p:ph idx="1"/>
+          </p:nvPr>
+        </p:nvSpPr>
+        <p:spPr>
+          <a:xfrm>
+            <a:off x="186268" y="1825625"/>
+            <a:ext cx="11766246" cy="4351338"/>
+          </a:xfrm>
+        </p:spPr>
+        <p:txBody>
+          <a:bodyPr>
+            <a:normAutofit lnSpcReduction="10000"/>
+          </a:bodyPr>
+          <a:lstStyle/>
+          <a:p>
+            <a:pPr marL="0" indent="0">
+              <a:buNone/>
+            </a:pPr>
+            <a:r>
+              <a:rPr lang="en-US" b="1" dirty="0"/>
+              <a:t>features</a:t>
+            </a:r>
+            <a:r>
+              <a:rPr lang="en-US" dirty="0"/>
+              <a:t> , </a:t>
+            </a:r>
+            <a:r>
+              <a:rPr lang="en-US" b="1" dirty="0"/>
+              <a:t>attributes</a:t>
+            </a:r>
+            <a:r>
+              <a:rPr lang="en-US" dirty="0"/>
+              <a:t>  or </a:t>
+            </a:r>
+            <a:r>
+              <a:rPr lang="en-US" b="1" dirty="0"/>
+              <a:t>covariates:</a:t>
+            </a:r>
+            <a:endParaRPr lang="en-US" dirty="0"/>
+          </a:p>
+          <a:p>
+            <a:pPr marL="882650" indent="-882650">
+              <a:buNone/>
+            </a:pPr>
+            <a:r>
+              <a:rPr lang="en-US" dirty="0"/>
+              <a:t>	each training input x</a:t>
+            </a:r>
+            <a:r>
+              <a:rPr lang="en-US" sz="1600" dirty="0"/>
+              <a:t>i </a:t>
+            </a:r>
+            <a:r>
+              <a:rPr lang="en-US" dirty="0"/>
+              <a:t> is a D-dimensional vector of numbers, representing, say, the height and weight of a person. </a:t>
+            </a:r>
+          </a:p>
+          <a:p>
+            <a:pPr marL="882650" indent="-882650">
+              <a:buNone/>
+            </a:pPr>
+            <a:r>
+              <a:rPr lang="en-US" dirty="0"/>
+              <a:t>	however, x</a:t>
+            </a:r>
+            <a:r>
+              <a:rPr lang="en-US" sz="1600" dirty="0"/>
+              <a:t>i </a:t>
+            </a:r>
+            <a:r>
+              <a:rPr lang="en-US" dirty="0"/>
+              <a:t> could be a complex structured object, such as an image, a sentence, an email message, a time series, a molecular shape, a graph, </a:t>
+            </a:r>
+            <a:r>
+              <a:rPr lang="en-US" dirty="0" err="1"/>
+              <a:t>etc</a:t>
+            </a:r>
+            <a:endParaRPr lang="en-US" dirty="0"/>
+          </a:p>
+          <a:p>
+            <a:pPr marL="0" indent="0">
+              <a:buNone/>
+            </a:pPr>
+            <a:endParaRPr lang="en-US" b="1" dirty="0"/>
+          </a:p>
+          <a:p>
+            <a:pPr marL="0" indent="0">
+              <a:buNone/>
+            </a:pPr>
+            <a:r>
+              <a:rPr lang="en-US" b="1" dirty="0"/>
+              <a:t>output</a:t>
+            </a:r>
+            <a:r>
+              <a:rPr lang="en-US" dirty="0"/>
+              <a:t> or </a:t>
+            </a:r>
+            <a:r>
+              <a:rPr lang="en-US" b="1" dirty="0"/>
+              <a:t>response variable:</a:t>
+            </a:r>
+            <a:endParaRPr lang="en-US" dirty="0"/>
+          </a:p>
+          <a:p>
+            <a:pPr marL="882650" indent="-882650">
+              <a:buNone/>
+            </a:pPr>
+            <a:r>
+              <a:rPr lang="en-US" dirty="0"/>
+              <a:t>	most methods assume that </a:t>
+            </a:r>
+            <a:r>
+              <a:rPr lang="en-US" dirty="0" err="1"/>
+              <a:t>y</a:t>
+            </a:r>
+            <a:r>
+              <a:rPr lang="en-US" sz="1600" dirty="0" err="1"/>
+              <a:t>i</a:t>
+            </a:r>
+            <a:r>
+              <a:rPr lang="en-US" sz="1600" dirty="0"/>
+              <a:t> </a:t>
+            </a:r>
+            <a:r>
+              <a:rPr lang="en-US" dirty="0"/>
+              <a:t> is a categorical  (or nominal)  variable from some finite set, </a:t>
+            </a:r>
+            <a:r>
+              <a:rPr lang="en-US" dirty="0" err="1"/>
+              <a:t>y</a:t>
+            </a:r>
+            <a:r>
+              <a:rPr lang="en-US" sz="1600" dirty="0" err="1"/>
+              <a:t>i</a:t>
+            </a:r>
+            <a:r>
+              <a:rPr lang="en-US" sz="1600" dirty="0"/>
+              <a:t> </a:t>
+            </a:r>
+            <a:r>
+              <a:rPr lang="en-US" dirty="0"/>
+              <a:t>∈ {1, . . . , C}  (such as male or female), or that </a:t>
+            </a:r>
+            <a:r>
+              <a:rPr lang="en-US" dirty="0" err="1"/>
+              <a:t>y</a:t>
+            </a:r>
+            <a:r>
+              <a:rPr lang="en-US" sz="1600" dirty="0" err="1"/>
+              <a:t>i</a:t>
+            </a:r>
+            <a:r>
+              <a:rPr lang="en-US" sz="1600" dirty="0"/>
+              <a:t> </a:t>
+            </a:r>
+            <a:r>
+              <a:rPr lang="en-US" dirty="0"/>
+              <a:t> is a real-valued scalar (such as income level). </a:t>
+            </a:r>
+          </a:p>
+        </p:txBody>
+      </p:sp>
+    </p:spTree>
+    <p:extLst>
+      <p:ext uri="{BB962C8B-B14F-4D97-AF65-F5344CB8AC3E}">
+        <p14:creationId xmlns:p14="http://schemas.microsoft.com/office/powerpoint/2010/main" val="160339198"/>
+      </p:ext>
+    </p:extLst>
+  </p:cSld>
+  <p:clrMapOvr>
+    <a:masterClrMapping/>
+  </p:clrMapOvr>
+</p:sld>
+</file>
+
+<file path=ppt/slides/slide14.xml><?xml version="1.0" encoding="utf-8"?>
+<p:sld xmlns:a="http://schemas.openxmlformats.org/drawingml/2006/main" xmlns:r="http://schemas.openxmlformats.org/officeDocument/2006/relationships" xmlns:p="http://schemas.openxmlformats.org/presentationml/2006/main">
+  <p:cSld>
+    <p:spTree>
+      <p:nvGrpSpPr>
+        <p:cNvPr id="1" name=""/>
+        <p:cNvGrpSpPr/>
+        <p:nvPr/>
+      </p:nvGrpSpPr>
+      <p:grpSpPr>
+        <a:xfrm>
+          <a:off x="0" y="0"/>
+          <a:ext cx="0" cy="0"/>
+          <a:chOff x="0" y="0"/>
+          <a:chExt cx="0" cy="0"/>
+        </a:xfrm>
+      </p:grpSpPr>
+      <p:sp>
+        <p:nvSpPr>
+          <p:cNvPr id="2" name="Title 1"/>
+          <p:cNvSpPr>
+            <a:spLocks noGrp="1"/>
+          </p:cNvSpPr>
+          <p:nvPr>
+            <p:ph type="title"/>
+          </p:nvPr>
+        </p:nvSpPr>
+        <p:spPr/>
+        <p:txBody>
+          <a:bodyPr>
+            <a:normAutofit/>
+          </a:bodyPr>
+          <a:lstStyle/>
+          <a:p>
+            <a:r>
+              <a:rPr lang="en-US" b="1" dirty="0">
+                <a:latin typeface="Optima" charset="0"/>
+                <a:ea typeface="Optima" charset="0"/>
+                <a:cs typeface="Optima" charset="0"/>
+              </a:rPr>
+              <a:t>1.2 Supervised Learning</a:t>
+            </a:r>
+            <a:endParaRPr lang="en-US" sz="6600" b="1" dirty="0">
+              <a:latin typeface="Optima" charset="0"/>
+              <a:ea typeface="Optima" charset="0"/>
+              <a:cs typeface="Optima" charset="0"/>
+            </a:endParaRPr>
+          </a:p>
+        </p:txBody>
+      </p:sp>
+      <p:sp>
+        <p:nvSpPr>
+          <p:cNvPr id="3" name="Content Placeholder 2"/>
+          <p:cNvSpPr>
+            <a:spLocks noGrp="1"/>
+          </p:cNvSpPr>
+          <p:nvPr>
+            <p:ph idx="1"/>
+          </p:nvPr>
+        </p:nvSpPr>
+        <p:spPr>
+          <a:xfrm>
+            <a:off x="359229" y="1825624"/>
+            <a:ext cx="11560628" cy="4624161"/>
+          </a:xfrm>
+        </p:spPr>
+        <p:txBody>
+          <a:bodyPr>
+            <a:noAutofit/>
+          </a:bodyPr>
+          <a:lstStyle/>
+          <a:p>
+            <a:pPr marL="0" indent="0">
+              <a:buNone/>
+            </a:pPr>
+            <a:r>
+              <a:rPr lang="en-US" sz="2400" b="1" dirty="0">
+                <a:latin typeface="Optima" charset="0"/>
+                <a:ea typeface="Optima" charset="0"/>
+                <a:cs typeface="Optima" charset="0"/>
+              </a:rPr>
+              <a:t>Regression problems. </a:t>
+            </a:r>
+            <a:r>
+              <a:rPr lang="en-US" sz="2400" dirty="0">
+                <a:latin typeface="Optima" charset="0"/>
+                <a:ea typeface="Optima" charset="0"/>
+                <a:cs typeface="Optima" charset="0"/>
+              </a:rPr>
+              <a:t>Predict results within a continuous output (i.e., map input variables to some continuous function.) </a:t>
+            </a:r>
+            <a:endParaRPr lang="en-US" sz="2400" b="1" dirty="0">
+              <a:latin typeface="Optima" charset="0"/>
+              <a:ea typeface="Optima" charset="0"/>
+              <a:cs typeface="Optima" charset="0"/>
+            </a:endParaRPr>
+          </a:p>
+          <a:p>
+            <a:pPr marL="15875" indent="0">
+              <a:buNone/>
+            </a:pPr>
+            <a:r>
+              <a:rPr lang="en-US" sz="2400" b="1" dirty="0">
+                <a:latin typeface="Optima" charset="0"/>
+                <a:ea typeface="Optima" charset="0"/>
+                <a:cs typeface="Optima" charset="0"/>
+              </a:rPr>
+              <a:t>Classification problems. </a:t>
+            </a:r>
+            <a:r>
+              <a:rPr lang="en-US" sz="2400" dirty="0">
+                <a:latin typeface="Optima" charset="0"/>
+                <a:ea typeface="Optima" charset="0"/>
+                <a:cs typeface="Optima" charset="0"/>
+              </a:rPr>
+              <a:t>Predict results in a discrete output, (i.e., map input variables into discrete categories).</a:t>
+            </a:r>
+            <a:endParaRPr lang="en-US" sz="2400" b="1" dirty="0">
+              <a:latin typeface="Optima" charset="0"/>
+              <a:ea typeface="Optima" charset="0"/>
+              <a:cs typeface="Optima" charset="0"/>
+            </a:endParaRPr>
+          </a:p>
+          <a:p>
+            <a:pPr marL="0" indent="0">
+              <a:buNone/>
+            </a:pPr>
+            <a:r>
+              <a:rPr lang="en-US" sz="2400" b="1" dirty="0">
+                <a:latin typeface="Optima" charset="0"/>
+                <a:ea typeface="Optima" charset="0"/>
+                <a:cs typeface="Optima" charset="0"/>
+              </a:rPr>
+              <a:t>Example 1. </a:t>
+            </a:r>
+            <a:r>
+              <a:rPr lang="en-US" sz="2400" dirty="0">
+                <a:latin typeface="Optima" charset="0"/>
+                <a:ea typeface="Optima" charset="0"/>
+                <a:cs typeface="Optima" charset="0"/>
+              </a:rPr>
+              <a:t>Given data about the size of houses, try to predict their price. Price as a function of size is a continuous output, so this is a regression problem. </a:t>
+            </a:r>
+          </a:p>
+          <a:p>
+            <a:pPr marL="0" indent="0">
+              <a:buNone/>
+            </a:pPr>
+            <a:r>
+              <a:rPr lang="en-US" sz="2400" dirty="0">
+                <a:latin typeface="Optima" charset="0"/>
+                <a:ea typeface="Optima" charset="0"/>
+                <a:cs typeface="Optima" charset="0"/>
+              </a:rPr>
+              <a:t>We could turn this example into a classification problem by instead making our output about whether the house "sells for more or less than the asking price." Here we are classifying the houses based on price into two discrete categories.</a:t>
+            </a:r>
+            <a:endParaRPr lang="en-US" sz="2400" b="1" dirty="0">
+              <a:latin typeface="Optima" charset="0"/>
+              <a:ea typeface="Optima" charset="0"/>
+              <a:cs typeface="Optima" charset="0"/>
+            </a:endParaRPr>
+          </a:p>
+          <a:p>
+            <a:pPr marL="0" indent="0">
+              <a:buNone/>
+            </a:pPr>
+            <a:r>
+              <a:rPr lang="en-US" sz="2400" b="1" dirty="0">
+                <a:latin typeface="Optima" charset="0"/>
+                <a:ea typeface="Optima" charset="0"/>
+                <a:cs typeface="Optima" charset="0"/>
+              </a:rPr>
+              <a:t>Example 2</a:t>
+            </a:r>
+            <a:r>
+              <a:rPr lang="en-US" sz="2400" dirty="0">
+                <a:latin typeface="Optima" charset="0"/>
+                <a:ea typeface="Optima" charset="0"/>
+                <a:cs typeface="Optima" charset="0"/>
+              </a:rPr>
+              <a:t>. (a) Regression - Given a picture of a person, predict their age</a:t>
+            </a:r>
+          </a:p>
+          <a:p>
+            <a:pPr marL="0" indent="0">
+              <a:buNone/>
+            </a:pPr>
+            <a:r>
+              <a:rPr lang="en-US" sz="2400" dirty="0">
+                <a:latin typeface="Optima" charset="0"/>
+                <a:ea typeface="Optima" charset="0"/>
+                <a:cs typeface="Optima" charset="0"/>
+              </a:rPr>
+              <a:t>(b) Classification - Given a patient with a tumor, predict whether the tumor is malignant or benign.</a:t>
+            </a:r>
+          </a:p>
+        </p:txBody>
+      </p:sp>
+    </p:spTree>
+    <p:extLst>
+      <p:ext uri="{BB962C8B-B14F-4D97-AF65-F5344CB8AC3E}">
+        <p14:creationId xmlns:p14="http://schemas.microsoft.com/office/powerpoint/2010/main" val="1756915667"/>
+      </p:ext>
+    </p:extLst>
+  </p:cSld>
+  <p:clrMapOvr>
+    <a:masterClrMapping/>
+  </p:clrMapOvr>
+</p:sld>
+</file>
+
+<file path=ppt/slides/slide15.xml><?xml version="1.0" encoding="utf-8"?>
+<p:sld xmlns:a="http://schemas.openxmlformats.org/drawingml/2006/main" xmlns:r="http://schemas.openxmlformats.org/officeDocument/2006/relationships" xmlns:p="http://schemas.openxmlformats.org/presentationml/2006/main">
+  <p:cSld>
+    <p:spTree>
+      <p:nvGrpSpPr>
+        <p:cNvPr id="1" name=""/>
+        <p:cNvGrpSpPr/>
+        <p:nvPr/>
+      </p:nvGrpSpPr>
+      <p:grpSpPr>
+        <a:xfrm>
+          <a:off x="0" y="0"/>
+          <a:ext cx="0" cy="0"/>
+          <a:chOff x="0" y="0"/>
+          <a:chExt cx="0" cy="0"/>
+        </a:xfrm>
+      </p:grpSpPr>
+      <p:sp>
+        <p:nvSpPr>
+          <p:cNvPr id="2" name="Title 1"/>
+          <p:cNvSpPr>
+            <a:spLocks noGrp="1"/>
+          </p:cNvSpPr>
+          <p:nvPr>
+            <p:ph type="title"/>
+          </p:nvPr>
+        </p:nvSpPr>
+        <p:spPr/>
+        <p:txBody>
+          <a:bodyPr/>
+          <a:lstStyle/>
+          <a:p>
+            <a:r>
               <a:rPr lang="en-US" sz="2400" b="1" dirty="0">
                 <a:latin typeface="+mn-lt"/>
                 <a:ea typeface="Optima" charset="0"/>
@@ -9983,7 +10563,7 @@
 </p:sld>
 </file>
 
-<file path=ppt/slides/slide14.xml><?xml version="1.0" encoding="utf-8"?>
+<file path=ppt/slides/slide16.xml><?xml version="1.0" encoding="utf-8"?>
 <p:sld xmlns:a="http://schemas.openxmlformats.org/drawingml/2006/main" xmlns:r="http://schemas.openxmlformats.org/officeDocument/2006/relationships" xmlns:p="http://schemas.openxmlformats.org/presentationml/2006/main">
   <p:cSld>
     <p:spTree>
@@ -10246,7 +10826,7 @@
 </p:sld>
 </file>
 
-<file path=ppt/slides/slide15.xml><?xml version="1.0" encoding="utf-8"?>
+<file path=ppt/slides/slide17.xml><?xml version="1.0" encoding="utf-8"?>
 <p:sld xmlns:a="http://schemas.openxmlformats.org/drawingml/2006/main" xmlns:r="http://schemas.openxmlformats.org/officeDocument/2006/relationships" xmlns:p="http://schemas.openxmlformats.org/presentationml/2006/main">
   <p:cSld>
     <p:spTree>
@@ -10327,7 +10907,7 @@
 </p:sld>
 </file>
 
-<file path=ppt/slides/slide16.xml><?xml version="1.0" encoding="utf-8"?>
+<file path=ppt/slides/slide18.xml><?xml version="1.0" encoding="utf-8"?>
 <p:sld xmlns:a="http://schemas.openxmlformats.org/drawingml/2006/main" xmlns:r="http://schemas.openxmlformats.org/officeDocument/2006/relationships" xmlns:p="http://schemas.openxmlformats.org/presentationml/2006/main">
   <p:cSld>
     <p:spTree>
@@ -10642,7 +11222,7 @@
 </p:sld>
 </file>
 
-<file path=ppt/slides/slide17.xml><?xml version="1.0" encoding="utf-8"?>
+<file path=ppt/slides/slide19.xml><?xml version="1.0" encoding="utf-8"?>
 <p:sld xmlns:a="http://schemas.openxmlformats.org/drawingml/2006/main" xmlns:r="http://schemas.openxmlformats.org/officeDocument/2006/relationships" xmlns:p="http://schemas.openxmlformats.org/presentationml/2006/main">
   <p:cSld>
     <p:spTree>
@@ -10776,7 +11356,116 @@
 </p:sld>
 </file>
 
-<file path=ppt/slides/slide18.xml><?xml version="1.0" encoding="utf-8"?>
+<file path=ppt/slides/slide2.xml><?xml version="1.0" encoding="utf-8"?>
+<p:sld xmlns:a="http://schemas.openxmlformats.org/drawingml/2006/main" xmlns:r="http://schemas.openxmlformats.org/officeDocument/2006/relationships" xmlns:p="http://schemas.openxmlformats.org/presentationml/2006/main">
+  <p:cSld>
+    <p:spTree>
+      <p:nvGrpSpPr>
+        <p:cNvPr id="1" name=""/>
+        <p:cNvGrpSpPr/>
+        <p:nvPr/>
+      </p:nvGrpSpPr>
+      <p:grpSpPr>
+        <a:xfrm>
+          <a:off x="0" y="0"/>
+          <a:ext cx="0" cy="0"/>
+          <a:chOff x="0" y="0"/>
+          <a:chExt cx="0" cy="0"/>
+        </a:xfrm>
+      </p:grpSpPr>
+      <p:sp>
+        <p:nvSpPr>
+          <p:cNvPr id="2" name="Title 1">
+            <a:extLst>
+              <a:ext uri="{FF2B5EF4-FFF2-40B4-BE49-F238E27FC236}">
+                <a16:creationId xmlns:a16="http://schemas.microsoft.com/office/drawing/2014/main" id="{F7EFBF1A-ABE6-FC49-B298-C1D1590BEB8E}"/>
+              </a:ext>
+            </a:extLst>
+          </p:cNvPr>
+          <p:cNvSpPr>
+            <a:spLocks noGrp="1"/>
+          </p:cNvSpPr>
+          <p:nvPr>
+            <p:ph type="title"/>
+          </p:nvPr>
+        </p:nvSpPr>
+        <p:spPr/>
+        <p:txBody>
+          <a:bodyPr/>
+          <a:lstStyle/>
+          <a:p>
+            <a:r>
+              <a:rPr lang="en-US" dirty="0"/>
+              <a:t>Course Objectives</a:t>
+            </a:r>
+          </a:p>
+        </p:txBody>
+      </p:sp>
+      <p:sp>
+        <p:nvSpPr>
+          <p:cNvPr id="3" name="Content Placeholder 2">
+            <a:extLst>
+              <a:ext uri="{FF2B5EF4-FFF2-40B4-BE49-F238E27FC236}">
+                <a16:creationId xmlns:a16="http://schemas.microsoft.com/office/drawing/2014/main" id="{F59CDC01-94A1-E54C-A1F8-1FA7E94FBEEA}"/>
+              </a:ext>
+            </a:extLst>
+          </p:cNvPr>
+          <p:cNvSpPr>
+            <a:spLocks noGrp="1"/>
+          </p:cNvSpPr>
+          <p:nvPr>
+            <p:ph idx="1"/>
+          </p:nvPr>
+        </p:nvSpPr>
+        <p:spPr/>
+        <p:txBody>
+          <a:bodyPr>
+            <a:normAutofit/>
+          </a:bodyPr>
+          <a:lstStyle/>
+          <a:p>
+            <a:r>
+              <a:rPr lang="en-US" dirty="0"/>
+              <a:t>Be able to use techniques and algorithms in machine learning to make predictions and decisions with your data.</a:t>
+            </a:r>
+          </a:p>
+          <a:p>
+            <a:r>
+              <a:rPr lang="en-US" dirty="0"/>
+              <a:t>Understand methods for classification, regression, boosting, support vector machines, hidden Markov models and Bayesian networks.</a:t>
+            </a:r>
+          </a:p>
+          <a:p>
+            <a:r>
+              <a:rPr lang="en-US" dirty="0"/>
+              <a:t>Integrate multiple facets of practical machine learning in a single system: data preprocessing, learning, regularization and model selection</a:t>
+            </a:r>
+          </a:p>
+          <a:p>
+            <a:r>
+              <a:rPr lang="en-US" dirty="0"/>
+              <a:t>Describe the formal properties of models and algorithms for learning and explain the practical implications of those results</a:t>
+            </a:r>
+          </a:p>
+          <a:p>
+            <a:endParaRPr lang="en-US" dirty="0"/>
+          </a:p>
+        </p:txBody>
+      </p:sp>
+    </p:spTree>
+    <p:extLst>
+      <p:ext uri="{BB962C8B-B14F-4D97-AF65-F5344CB8AC3E}">
+        <p14:creationId xmlns:p14="http://schemas.microsoft.com/office/powerpoint/2010/main" val="3534194473"/>
+      </p:ext>
+    </p:extLst>
+  </p:cSld>
+  <p:clrMapOvr>
+    <a:masterClrMapping/>
+  </p:clrMapOvr>
+</p:sld>
+</file>
+
+<file path=ppt/slides/slide20.xml><?xml version="1.0" encoding="utf-8"?>
 <p:sld xmlns:a="http://schemas.openxmlformats.org/drawingml/2006/main" xmlns:r="http://schemas.openxmlformats.org/officeDocument/2006/relationships" xmlns:p="http://schemas.openxmlformats.org/presentationml/2006/main" show="0">
   <p:cSld>
     <p:spTree>
@@ -10959,7 +11648,7 @@
 </p:sld>
 </file>
 
-<file path=ppt/slides/slide19.xml><?xml version="1.0" encoding="utf-8"?>
+<file path=ppt/slides/slide21.xml><?xml version="1.0" encoding="utf-8"?>
 <p:sld xmlns:a="http://schemas.openxmlformats.org/drawingml/2006/main" xmlns:r="http://schemas.openxmlformats.org/officeDocument/2006/relationships" xmlns:p="http://schemas.openxmlformats.org/presentationml/2006/main">
   <p:cSld>
     <p:spTree>
@@ -11142,123 +11831,7 @@
 </p:sld>
 </file>
 
-<file path=ppt/slides/slide2.xml><?xml version="1.0" encoding="utf-8"?>
-<p:sld xmlns:a="http://schemas.openxmlformats.org/drawingml/2006/main" xmlns:r="http://schemas.openxmlformats.org/officeDocument/2006/relationships" xmlns:p="http://schemas.openxmlformats.org/presentationml/2006/main">
-  <p:cSld>
-    <p:spTree>
-      <p:nvGrpSpPr>
-        <p:cNvPr id="1" name=""/>
-        <p:cNvGrpSpPr/>
-        <p:nvPr/>
-      </p:nvGrpSpPr>
-      <p:grpSpPr>
-        <a:xfrm>
-          <a:off x="0" y="0"/>
-          <a:ext cx="0" cy="0"/>
-          <a:chOff x="0" y="0"/>
-          <a:chExt cx="0" cy="0"/>
-        </a:xfrm>
-      </p:grpSpPr>
-      <p:sp>
-        <p:nvSpPr>
-          <p:cNvPr id="2" name="Title 1">
-            <a:extLst>
-              <a:ext uri="{FF2B5EF4-FFF2-40B4-BE49-F238E27FC236}">
-                <a16:creationId xmlns:a16="http://schemas.microsoft.com/office/drawing/2014/main" id="{6FE59A17-2645-D24B-B23B-F684781DD6A1}"/>
-              </a:ext>
-            </a:extLst>
-          </p:cNvPr>
-          <p:cNvSpPr>
-            <a:spLocks noGrp="1"/>
-          </p:cNvSpPr>
-          <p:nvPr>
-            <p:ph type="title"/>
-          </p:nvPr>
-        </p:nvSpPr>
-        <p:spPr/>
-        <p:txBody>
-          <a:bodyPr/>
-          <a:lstStyle/>
-          <a:p>
-            <a:r>
-              <a:rPr lang="en-US" b="1" dirty="0"/>
-              <a:t>Outcomes</a:t>
-            </a:r>
-            <a:endParaRPr lang="en-US" sz="4000" dirty="0"/>
-          </a:p>
-        </p:txBody>
-      </p:sp>
-      <p:sp>
-        <p:nvSpPr>
-          <p:cNvPr id="3" name="Content Placeholder 2">
-            <a:extLst>
-              <a:ext uri="{FF2B5EF4-FFF2-40B4-BE49-F238E27FC236}">
-                <a16:creationId xmlns:a16="http://schemas.microsoft.com/office/drawing/2014/main" id="{7335FAEF-F9E9-2945-9B45-50F28BA5E012}"/>
-              </a:ext>
-            </a:extLst>
-          </p:cNvPr>
-          <p:cNvSpPr>
-            <a:spLocks noGrp="1"/>
-          </p:cNvSpPr>
-          <p:nvPr>
-            <p:ph idx="1"/>
-          </p:nvPr>
-        </p:nvSpPr>
-        <p:spPr/>
-        <p:txBody>
-          <a:bodyPr>
-            <a:normAutofit/>
-          </a:bodyPr>
-          <a:lstStyle/>
-          <a:p>
-            <a:r>
-              <a:rPr lang="en-US" dirty="0"/>
-              <a:t>To know machine </a:t>
-            </a:r>
-            <a:r>
-              <a:rPr lang="en-US"/>
-              <a:t>learning definition</a:t>
-            </a:r>
-            <a:endParaRPr lang="en-US" dirty="0"/>
-          </a:p>
-          <a:p>
-            <a:r>
-              <a:rPr lang="en-US" dirty="0"/>
-              <a:t>To understand common learning paradigms in terms of the type of data available and when, the form of prediction, and the structure of the output prediction</a:t>
-            </a:r>
-          </a:p>
-          <a:p>
-            <a:pPr lvl="0"/>
-            <a:r>
-              <a:rPr lang="en-US" dirty="0"/>
-              <a:t>To be able to formulate a well-posed learning problem for a real-world task by identifying the task, performance measure, and training experience</a:t>
-            </a:r>
-            <a:endParaRPr lang="en-US" sz="2400" dirty="0"/>
-          </a:p>
-          <a:p>
-            <a:pPr lvl="0"/>
-            <a:r>
-              <a:rPr lang="en-US" dirty="0"/>
-              <a:t>Identify examples of the ethical responsibilities of an ML expert</a:t>
-            </a:r>
-            <a:endParaRPr lang="en-US" sz="2400" dirty="0"/>
-          </a:p>
-        </p:txBody>
-      </p:sp>
-    </p:spTree>
-    <p:extLst>
-      <p:ext uri="{BB962C8B-B14F-4D97-AF65-F5344CB8AC3E}">
-        <p14:creationId xmlns:p14="http://schemas.microsoft.com/office/powerpoint/2010/main" val="3013561017"/>
-      </p:ext>
-    </p:extLst>
-  </p:cSld>
-  <p:clrMapOvr>
-    <a:masterClrMapping/>
-  </p:clrMapOvr>
-</p:sld>
-</file>
-
-<file path=ppt/slides/slide20.xml><?xml version="1.0" encoding="utf-8"?>
+<file path=ppt/slides/slide22.xml><?xml version="1.0" encoding="utf-8"?>
 <p:sld xmlns:a="http://schemas.openxmlformats.org/drawingml/2006/main" xmlns:r="http://schemas.openxmlformats.org/officeDocument/2006/relationships" xmlns:p="http://schemas.openxmlformats.org/presentationml/2006/main">
   <p:cSld>
     <p:spTree>
@@ -11391,277 +11964,6 @@
 </p:sld>
 </file>
 
-<file path=ppt/slides/slide21.xml><?xml version="1.0" encoding="utf-8"?>
-<p:sld xmlns:a="http://schemas.openxmlformats.org/drawingml/2006/main" xmlns:r="http://schemas.openxmlformats.org/officeDocument/2006/relationships" xmlns:p="http://schemas.openxmlformats.org/presentationml/2006/main">
-  <p:cSld>
-    <p:spTree>
-      <p:nvGrpSpPr>
-        <p:cNvPr id="1" name=""/>
-        <p:cNvGrpSpPr/>
-        <p:nvPr/>
-      </p:nvGrpSpPr>
-      <p:grpSpPr>
-        <a:xfrm>
-          <a:off x="0" y="0"/>
-          <a:ext cx="0" cy="0"/>
-          <a:chOff x="0" y="0"/>
-          <a:chExt cx="0" cy="0"/>
-        </a:xfrm>
-      </p:grpSpPr>
-      <p:sp>
-        <p:nvSpPr>
-          <p:cNvPr id="2" name="Title 1"/>
-          <p:cNvSpPr>
-            <a:spLocks noGrp="1"/>
-          </p:cNvSpPr>
-          <p:nvPr>
-            <p:ph type="title"/>
-          </p:nvPr>
-        </p:nvSpPr>
-        <p:spPr/>
-        <p:txBody>
-          <a:bodyPr/>
-          <a:lstStyle/>
-          <a:p>
-            <a:r>
-              <a:rPr lang="en-US" dirty="0"/>
-              <a:t>Examples of real-world regression problems.</a:t>
-            </a:r>
-          </a:p>
-        </p:txBody>
-      </p:sp>
-      <p:sp>
-        <p:nvSpPr>
-          <p:cNvPr id="3" name="Content Placeholder 2"/>
-          <p:cNvSpPr>
-            <a:spLocks noGrp="1"/>
-          </p:cNvSpPr>
-          <p:nvPr>
-            <p:ph idx="1"/>
-          </p:nvPr>
-        </p:nvSpPr>
-        <p:spPr/>
-        <p:txBody>
-          <a:bodyPr>
-            <a:normAutofit/>
-          </a:bodyPr>
-          <a:lstStyle/>
-          <a:p>
-            <a:r>
-              <a:rPr lang="en-US" dirty="0"/>
-              <a:t>Predict the age of a viewer watching a given video on YouTube.</a:t>
-            </a:r>
-          </a:p>
-          <a:p>
-            <a:endParaRPr lang="en-US" dirty="0"/>
-          </a:p>
-          <a:p>
-            <a:r>
-              <a:rPr lang="en-US" dirty="0"/>
-              <a:t>Predict the location in 3d space of a robot arm end effector, given control signals (torques) sent to its various motors.</a:t>
-            </a:r>
-          </a:p>
-          <a:p>
-            <a:endParaRPr lang="en-US" dirty="0"/>
-          </a:p>
-          <a:p>
-            <a:r>
-              <a:rPr lang="en-US" dirty="0"/>
-              <a:t>Predict the temperature at any location inside a building using weather data, time, door sensors, etc.</a:t>
-            </a:r>
-          </a:p>
-        </p:txBody>
-      </p:sp>
-    </p:spTree>
-    <p:extLst>
-      <p:ext uri="{BB962C8B-B14F-4D97-AF65-F5344CB8AC3E}">
-        <p14:creationId xmlns:p14="http://schemas.microsoft.com/office/powerpoint/2010/main" val="146243684"/>
-      </p:ext>
-    </p:extLst>
-  </p:cSld>
-  <p:clrMapOvr>
-    <a:masterClrMapping/>
-  </p:clrMapOvr>
-</p:sld>
-</file>
-
-<file path=ppt/slides/slide22.xml><?xml version="1.0" encoding="utf-8"?>
-<p:sld xmlns:a="http://schemas.openxmlformats.org/drawingml/2006/main" xmlns:r="http://schemas.openxmlformats.org/officeDocument/2006/relationships" xmlns:p="http://schemas.openxmlformats.org/presentationml/2006/main" show="0">
-  <p:cSld>
-    <p:spTree>
-      <p:nvGrpSpPr>
-        <p:cNvPr id="1" name=""/>
-        <p:cNvGrpSpPr/>
-        <p:nvPr/>
-      </p:nvGrpSpPr>
-      <p:grpSpPr>
-        <a:xfrm>
-          <a:off x="0" y="0"/>
-          <a:ext cx="0" cy="0"/>
-          <a:chOff x="0" y="0"/>
-          <a:chExt cx="0" cy="0"/>
-        </a:xfrm>
-      </p:grpSpPr>
-      <p:sp>
-        <p:nvSpPr>
-          <p:cNvPr id="2" name="Title 1"/>
-          <p:cNvSpPr>
-            <a:spLocks noGrp="1"/>
-          </p:cNvSpPr>
-          <p:nvPr>
-            <p:ph type="title"/>
-          </p:nvPr>
-        </p:nvSpPr>
-        <p:spPr/>
-        <p:txBody>
-          <a:bodyPr/>
-          <a:lstStyle/>
-          <a:p>
-            <a:r>
-              <a:rPr lang="en-US" dirty="0"/>
-              <a:t>1.3 Unsupervised learning</a:t>
-            </a:r>
-          </a:p>
-        </p:txBody>
-      </p:sp>
-      <p:sp>
-        <p:nvSpPr>
-          <p:cNvPr id="3" name="Content Placeholder 2"/>
-          <p:cNvSpPr>
-            <a:spLocks noGrp="1"/>
-          </p:cNvSpPr>
-          <p:nvPr>
-            <p:ph idx="1"/>
-          </p:nvPr>
-        </p:nvSpPr>
-        <p:spPr>
-          <a:xfrm>
-            <a:off x="838200" y="1825625"/>
-            <a:ext cx="10869386" cy="4351338"/>
-          </a:xfrm>
-        </p:spPr>
-        <p:txBody>
-          <a:bodyPr>
-            <a:normAutofit fontScale="77500" lnSpcReduction="20000"/>
-          </a:bodyPr>
-          <a:lstStyle/>
-          <a:p>
-            <a:r>
-              <a:rPr lang="en-US" dirty="0">
-                <a:latin typeface="Optima" charset="0"/>
-                <a:ea typeface="Optima" charset="0"/>
-                <a:cs typeface="Optima" charset="0"/>
-              </a:rPr>
-              <a:t>Unsupervised learning allows us to approach problems with little or no idea what our results should look like. </a:t>
-            </a:r>
-          </a:p>
-          <a:p>
-            <a:r>
-              <a:rPr lang="en-US" dirty="0">
-                <a:latin typeface="Optima" charset="0"/>
-                <a:ea typeface="Optima" charset="0"/>
-                <a:cs typeface="Optima" charset="0"/>
-              </a:rPr>
-              <a:t>We can derive this structure by clustering the data based on relationships among the variables in the data.</a:t>
-            </a:r>
-          </a:p>
-          <a:p>
-            <a:r>
-              <a:rPr lang="en-US" dirty="0">
-                <a:latin typeface="Optima" charset="0"/>
-                <a:ea typeface="Optima" charset="0"/>
-                <a:cs typeface="Optima" charset="0"/>
-              </a:rPr>
-              <a:t>With unsupervised learning there is no feedback based on the prediction results.</a:t>
-            </a:r>
-          </a:p>
-          <a:p>
-            <a:pPr marL="0" indent="0">
-              <a:buNone/>
-            </a:pPr>
-            <a:endParaRPr lang="en-US" b="1" dirty="0">
-              <a:latin typeface="Optima" charset="0"/>
-              <a:ea typeface="Optima" charset="0"/>
-              <a:cs typeface="Optima" charset="0"/>
-            </a:endParaRPr>
-          </a:p>
-          <a:p>
-            <a:pPr marL="0" indent="0">
-              <a:buNone/>
-            </a:pPr>
-            <a:r>
-              <a:rPr lang="en-US" b="1" dirty="0">
-                <a:latin typeface="Optima" charset="0"/>
-                <a:ea typeface="Optima" charset="0"/>
-                <a:cs typeface="Optima" charset="0"/>
-              </a:rPr>
-              <a:t>Example:</a:t>
-            </a:r>
-            <a:endParaRPr lang="en-US" dirty="0">
-              <a:latin typeface="Optima" charset="0"/>
-              <a:ea typeface="Optima" charset="0"/>
-              <a:cs typeface="Optima" charset="0"/>
-            </a:endParaRPr>
-          </a:p>
-          <a:p>
-            <a:r>
-              <a:rPr lang="en-US" dirty="0">
-                <a:latin typeface="Optima" charset="0"/>
-                <a:ea typeface="Optima" charset="0"/>
-                <a:cs typeface="Optima" charset="0"/>
-              </a:rPr>
-              <a:t>Clustering: Take a collection of 1,000,000 different genes, and find a way to automatically group these genes into groups that are somehow similar or related by different variables, such as lifespan, location, roles, and so on.</a:t>
-            </a:r>
-          </a:p>
-          <a:p>
-            <a:r>
-              <a:rPr lang="en-US" dirty="0">
-                <a:latin typeface="Optima" charset="0"/>
-                <a:ea typeface="Optima" charset="0"/>
-                <a:cs typeface="Optima" charset="0"/>
-              </a:rPr>
-              <a:t>Non-clustering: The "Cocktail Party Algorithm", allows you to find structure in a chaotic environment. (i.e. identifying individual voices and music from a mesh of sounds at a </a:t>
-            </a:r>
-            <a:r>
-              <a:rPr lang="en-US" u="sng" dirty="0">
-                <a:latin typeface="Optima" charset="0"/>
-                <a:ea typeface="Optima" charset="0"/>
-                <a:cs typeface="Optima" charset="0"/>
-                <a:hlinkClick r:id="rId2"/>
-              </a:rPr>
-              <a:t>cocktail party</a:t>
-            </a:r>
-            <a:r>
-              <a:rPr lang="en-US" dirty="0">
-                <a:latin typeface="Optima" charset="0"/>
-                <a:ea typeface="Optima" charset="0"/>
-                <a:cs typeface="Optima" charset="0"/>
-              </a:rPr>
-              <a:t>).</a:t>
-            </a:r>
-          </a:p>
-          <a:p>
-            <a:endParaRPr lang="en-US" dirty="0">
-              <a:latin typeface="Optima" charset="0"/>
-              <a:ea typeface="Optima" charset="0"/>
-              <a:cs typeface="Optima" charset="0"/>
-            </a:endParaRPr>
-          </a:p>
-        </p:txBody>
-      </p:sp>
-    </p:spTree>
-    <p:extLst>
-      <p:ext uri="{BB962C8B-B14F-4D97-AF65-F5344CB8AC3E}">
-        <p14:creationId xmlns:p14="http://schemas.microsoft.com/office/powerpoint/2010/main" val="224057306"/>
-      </p:ext>
-    </p:extLst>
-  </p:cSld>
-  <p:clrMapOvr>
-    <a:masterClrMapping/>
-  </p:clrMapOvr>
-</p:sld>
-</file>
-
 <file path=ppt/slides/slide23.xml><?xml version="1.0" encoding="utf-8"?>
 <p:sld xmlns:a="http://schemas.openxmlformats.org/drawingml/2006/main" xmlns:r="http://schemas.openxmlformats.org/officeDocument/2006/relationships" xmlns:p="http://schemas.openxmlformats.org/presentationml/2006/main">
   <p:cSld>
@@ -11696,6 +11998,277 @@
           <a:p>
             <a:r>
               <a:rPr lang="en-US" dirty="0"/>
+              <a:t>Examples of real-world regression problems.</a:t>
+            </a:r>
+          </a:p>
+        </p:txBody>
+      </p:sp>
+      <p:sp>
+        <p:nvSpPr>
+          <p:cNvPr id="3" name="Content Placeholder 2"/>
+          <p:cNvSpPr>
+            <a:spLocks noGrp="1"/>
+          </p:cNvSpPr>
+          <p:nvPr>
+            <p:ph idx="1"/>
+          </p:nvPr>
+        </p:nvSpPr>
+        <p:spPr/>
+        <p:txBody>
+          <a:bodyPr>
+            <a:normAutofit/>
+          </a:bodyPr>
+          <a:lstStyle/>
+          <a:p>
+            <a:r>
+              <a:rPr lang="en-US" dirty="0"/>
+              <a:t>Predict the age of a viewer watching a given video on YouTube.</a:t>
+            </a:r>
+          </a:p>
+          <a:p>
+            <a:endParaRPr lang="en-US" dirty="0"/>
+          </a:p>
+          <a:p>
+            <a:r>
+              <a:rPr lang="en-US" dirty="0"/>
+              <a:t>Predict the location in 3d space of a robot arm end effector, given control signals (torques) sent to its various motors.</a:t>
+            </a:r>
+          </a:p>
+          <a:p>
+            <a:endParaRPr lang="en-US" dirty="0"/>
+          </a:p>
+          <a:p>
+            <a:r>
+              <a:rPr lang="en-US" dirty="0"/>
+              <a:t>Predict the temperature at any location inside a building using weather data, time, door sensors, etc.</a:t>
+            </a:r>
+          </a:p>
+        </p:txBody>
+      </p:sp>
+    </p:spTree>
+    <p:extLst>
+      <p:ext uri="{BB962C8B-B14F-4D97-AF65-F5344CB8AC3E}">
+        <p14:creationId xmlns:p14="http://schemas.microsoft.com/office/powerpoint/2010/main" val="146243684"/>
+      </p:ext>
+    </p:extLst>
+  </p:cSld>
+  <p:clrMapOvr>
+    <a:masterClrMapping/>
+  </p:clrMapOvr>
+</p:sld>
+</file>
+
+<file path=ppt/slides/slide24.xml><?xml version="1.0" encoding="utf-8"?>
+<p:sld xmlns:a="http://schemas.openxmlformats.org/drawingml/2006/main" xmlns:r="http://schemas.openxmlformats.org/officeDocument/2006/relationships" xmlns:p="http://schemas.openxmlformats.org/presentationml/2006/main" show="0">
+  <p:cSld>
+    <p:spTree>
+      <p:nvGrpSpPr>
+        <p:cNvPr id="1" name=""/>
+        <p:cNvGrpSpPr/>
+        <p:nvPr/>
+      </p:nvGrpSpPr>
+      <p:grpSpPr>
+        <a:xfrm>
+          <a:off x="0" y="0"/>
+          <a:ext cx="0" cy="0"/>
+          <a:chOff x="0" y="0"/>
+          <a:chExt cx="0" cy="0"/>
+        </a:xfrm>
+      </p:grpSpPr>
+      <p:sp>
+        <p:nvSpPr>
+          <p:cNvPr id="2" name="Title 1"/>
+          <p:cNvSpPr>
+            <a:spLocks noGrp="1"/>
+          </p:cNvSpPr>
+          <p:nvPr>
+            <p:ph type="title"/>
+          </p:nvPr>
+        </p:nvSpPr>
+        <p:spPr/>
+        <p:txBody>
+          <a:bodyPr/>
+          <a:lstStyle/>
+          <a:p>
+            <a:r>
+              <a:rPr lang="en-US" dirty="0"/>
+              <a:t>1.3 Unsupervised learning</a:t>
+            </a:r>
+          </a:p>
+        </p:txBody>
+      </p:sp>
+      <p:sp>
+        <p:nvSpPr>
+          <p:cNvPr id="3" name="Content Placeholder 2"/>
+          <p:cNvSpPr>
+            <a:spLocks noGrp="1"/>
+          </p:cNvSpPr>
+          <p:nvPr>
+            <p:ph idx="1"/>
+          </p:nvPr>
+        </p:nvSpPr>
+        <p:spPr>
+          <a:xfrm>
+            <a:off x="838200" y="1825625"/>
+            <a:ext cx="10869386" cy="4351338"/>
+          </a:xfrm>
+        </p:spPr>
+        <p:txBody>
+          <a:bodyPr>
+            <a:normAutofit fontScale="77500" lnSpcReduction="20000"/>
+          </a:bodyPr>
+          <a:lstStyle/>
+          <a:p>
+            <a:r>
+              <a:rPr lang="en-US" dirty="0">
+                <a:latin typeface="Optima" charset="0"/>
+                <a:ea typeface="Optima" charset="0"/>
+                <a:cs typeface="Optima" charset="0"/>
+              </a:rPr>
+              <a:t>Unsupervised learning allows us to approach problems with little or no idea what our results should look like. </a:t>
+            </a:r>
+          </a:p>
+          <a:p>
+            <a:r>
+              <a:rPr lang="en-US" dirty="0">
+                <a:latin typeface="Optima" charset="0"/>
+                <a:ea typeface="Optima" charset="0"/>
+                <a:cs typeface="Optima" charset="0"/>
+              </a:rPr>
+              <a:t>We can derive this structure by clustering the data based on relationships among the variables in the data.</a:t>
+            </a:r>
+          </a:p>
+          <a:p>
+            <a:r>
+              <a:rPr lang="en-US" dirty="0">
+                <a:latin typeface="Optima" charset="0"/>
+                <a:ea typeface="Optima" charset="0"/>
+                <a:cs typeface="Optima" charset="0"/>
+              </a:rPr>
+              <a:t>With unsupervised learning there is no feedback based on the prediction results.</a:t>
+            </a:r>
+          </a:p>
+          <a:p>
+            <a:pPr marL="0" indent="0">
+              <a:buNone/>
+            </a:pPr>
+            <a:endParaRPr lang="en-US" b="1" dirty="0">
+              <a:latin typeface="Optima" charset="0"/>
+              <a:ea typeface="Optima" charset="0"/>
+              <a:cs typeface="Optima" charset="0"/>
+            </a:endParaRPr>
+          </a:p>
+          <a:p>
+            <a:pPr marL="0" indent="0">
+              <a:buNone/>
+            </a:pPr>
+            <a:r>
+              <a:rPr lang="en-US" b="1" dirty="0">
+                <a:latin typeface="Optima" charset="0"/>
+                <a:ea typeface="Optima" charset="0"/>
+                <a:cs typeface="Optima" charset="0"/>
+              </a:rPr>
+              <a:t>Example:</a:t>
+            </a:r>
+            <a:endParaRPr lang="en-US" dirty="0">
+              <a:latin typeface="Optima" charset="0"/>
+              <a:ea typeface="Optima" charset="0"/>
+              <a:cs typeface="Optima" charset="0"/>
+            </a:endParaRPr>
+          </a:p>
+          <a:p>
+            <a:r>
+              <a:rPr lang="en-US" dirty="0">
+                <a:latin typeface="Optima" charset="0"/>
+                <a:ea typeface="Optima" charset="0"/>
+                <a:cs typeface="Optima" charset="0"/>
+              </a:rPr>
+              <a:t>Clustering: Take a collection of 1,000,000 different genes, and find a way to automatically group these genes into groups that are somehow similar or related by different variables, such as lifespan, location, roles, and so on.</a:t>
+            </a:r>
+          </a:p>
+          <a:p>
+            <a:r>
+              <a:rPr lang="en-US" dirty="0">
+                <a:latin typeface="Optima" charset="0"/>
+                <a:ea typeface="Optima" charset="0"/>
+                <a:cs typeface="Optima" charset="0"/>
+              </a:rPr>
+              <a:t>Non-clustering: The "Cocktail Party Algorithm", allows you to find structure in a chaotic environment. (i.e. identifying individual voices and music from a mesh of sounds at a </a:t>
+            </a:r>
+            <a:r>
+              <a:rPr lang="en-US" u="sng" dirty="0">
+                <a:latin typeface="Optima" charset="0"/>
+                <a:ea typeface="Optima" charset="0"/>
+                <a:cs typeface="Optima" charset="0"/>
+                <a:hlinkClick r:id="rId2"/>
+              </a:rPr>
+              <a:t>cocktail party</a:t>
+            </a:r>
+            <a:r>
+              <a:rPr lang="en-US" dirty="0">
+                <a:latin typeface="Optima" charset="0"/>
+                <a:ea typeface="Optima" charset="0"/>
+                <a:cs typeface="Optima" charset="0"/>
+              </a:rPr>
+              <a:t>).</a:t>
+            </a:r>
+          </a:p>
+          <a:p>
+            <a:endParaRPr lang="en-US" dirty="0">
+              <a:latin typeface="Optima" charset="0"/>
+              <a:ea typeface="Optima" charset="0"/>
+              <a:cs typeface="Optima" charset="0"/>
+            </a:endParaRPr>
+          </a:p>
+        </p:txBody>
+      </p:sp>
+    </p:spTree>
+    <p:extLst>
+      <p:ext uri="{BB962C8B-B14F-4D97-AF65-F5344CB8AC3E}">
+        <p14:creationId xmlns:p14="http://schemas.microsoft.com/office/powerpoint/2010/main" val="224057306"/>
+      </p:ext>
+    </p:extLst>
+  </p:cSld>
+  <p:clrMapOvr>
+    <a:masterClrMapping/>
+  </p:clrMapOvr>
+</p:sld>
+</file>
+
+<file path=ppt/slides/slide25.xml><?xml version="1.0" encoding="utf-8"?>
+<p:sld xmlns:a="http://schemas.openxmlformats.org/drawingml/2006/main" xmlns:r="http://schemas.openxmlformats.org/officeDocument/2006/relationships" xmlns:p="http://schemas.openxmlformats.org/presentationml/2006/main">
+  <p:cSld>
+    <p:spTree>
+      <p:nvGrpSpPr>
+        <p:cNvPr id="1" name=""/>
+        <p:cNvGrpSpPr/>
+        <p:nvPr/>
+      </p:nvGrpSpPr>
+      <p:grpSpPr>
+        <a:xfrm>
+          <a:off x="0" y="0"/>
+          <a:ext cx="0" cy="0"/>
+          <a:chOff x="0" y="0"/>
+          <a:chExt cx="0" cy="0"/>
+        </a:xfrm>
+      </p:grpSpPr>
+      <p:sp>
+        <p:nvSpPr>
+          <p:cNvPr id="2" name="Title 1"/>
+          <p:cNvSpPr>
+            <a:spLocks noGrp="1"/>
+          </p:cNvSpPr>
+          <p:nvPr>
+            <p:ph type="title"/>
+          </p:nvPr>
+        </p:nvSpPr>
+        <p:spPr/>
+        <p:txBody>
+          <a:bodyPr/>
+          <a:lstStyle/>
+          <a:p>
+            <a:r>
+              <a:rPr lang="en-US" dirty="0"/>
               <a:t>1.3 Unsupervised learning</a:t>
             </a:r>
           </a:p>
@@ -11840,7 +12413,7 @@
 </p:sld>
 </file>
 
-<file path=ppt/slides/slide24.xml><?xml version="1.0" encoding="utf-8"?>
+<file path=ppt/slides/slide26.xml><?xml version="1.0" encoding="utf-8"?>
 <p:sld xmlns:a="http://schemas.openxmlformats.org/drawingml/2006/main" xmlns:r="http://schemas.openxmlformats.org/officeDocument/2006/relationships" xmlns:p="http://schemas.openxmlformats.org/presentationml/2006/main">
   <p:cSld>
     <p:spTree>
@@ -12015,7 +12588,7 @@
 </p:sld>
 </file>
 
-<file path=ppt/slides/slide25.xml><?xml version="1.0" encoding="utf-8"?>
+<file path=ppt/slides/slide27.xml><?xml version="1.0" encoding="utf-8"?>
 <p:sld xmlns:a="http://schemas.openxmlformats.org/drawingml/2006/main" xmlns:r="http://schemas.openxmlformats.org/officeDocument/2006/relationships" xmlns:p="http://schemas.openxmlformats.org/presentationml/2006/main">
   <p:cSld>
     <p:spTree>
@@ -12479,7 +13052,7 @@
 </p:sld>
 </file>
 
-<file path=ppt/slides/slide26.xml><?xml version="1.0" encoding="utf-8"?>
+<file path=ppt/slides/slide28.xml><?xml version="1.0" encoding="utf-8"?>
 <p:sld xmlns:a="http://schemas.openxmlformats.org/drawingml/2006/main" xmlns:r="http://schemas.openxmlformats.org/officeDocument/2006/relationships" xmlns:p="http://schemas.openxmlformats.org/presentationml/2006/main">
   <p:cSld>
     <p:spTree>
@@ -12593,7 +13166,7 @@
 </p:sld>
 </file>
 
-<file path=ppt/slides/slide27.xml><?xml version="1.0" encoding="utf-8"?>
+<file path=ppt/slides/slide29.xml><?xml version="1.0" encoding="utf-8"?>
 <p:sld xmlns:a="http://schemas.openxmlformats.org/drawingml/2006/main" xmlns:r="http://schemas.openxmlformats.org/officeDocument/2006/relationships" xmlns:p="http://schemas.openxmlformats.org/presentationml/2006/main">
   <p:cSld>
     <p:spTree>
@@ -12730,7 +13303,7 @@
 </p:sld>
 </file>
 
-<file path=ppt/slides/slide28.xml><?xml version="1.0" encoding="utf-8"?>
+<file path=ppt/slides/slide3.xml><?xml version="1.0" encoding="utf-8"?>
 <p:sld xmlns:a="http://schemas.openxmlformats.org/drawingml/2006/main" xmlns:r="http://schemas.openxmlformats.org/officeDocument/2006/relationships" xmlns:p="http://schemas.openxmlformats.org/presentationml/2006/main">
   <p:cSld>
     <p:spTree>
@@ -12754,6 +13327,88 @@
             <a:spLocks noGrp="1"/>
           </p:cNvSpPr>
           <p:nvPr>
+            <p:ph type="ctrTitle"/>
+          </p:nvPr>
+        </p:nvSpPr>
+        <p:spPr/>
+        <p:txBody>
+          <a:bodyPr>
+            <a:normAutofit/>
+          </a:bodyPr>
+          <a:lstStyle/>
+          <a:p>
+            <a:r>
+              <a:rPr lang="en-US" dirty="0"/>
+              <a:t>Overview of Machine Learning</a:t>
+            </a:r>
+          </a:p>
+        </p:txBody>
+      </p:sp>
+      <p:sp>
+        <p:nvSpPr>
+          <p:cNvPr id="3" name="Subtitle 2"/>
+          <p:cNvSpPr>
+            <a:spLocks noGrp="1"/>
+          </p:cNvSpPr>
+          <p:nvPr>
+            <p:ph type="subTitle" idx="1"/>
+          </p:nvPr>
+        </p:nvSpPr>
+        <p:spPr/>
+        <p:txBody>
+          <a:bodyPr/>
+          <a:lstStyle/>
+          <a:p>
+            <a:r>
+              <a:rPr lang="en-US" dirty="0"/>
+              <a:t>Machine Learning, a Probabilistic Perspective</a:t>
+            </a:r>
+          </a:p>
+          <a:p>
+            <a:r>
+              <a:rPr lang="en-US" dirty="0"/>
+              <a:t>Chapter 1</a:t>
+            </a:r>
+          </a:p>
+        </p:txBody>
+      </p:sp>
+    </p:spTree>
+    <p:extLst>
+      <p:ext uri="{BB962C8B-B14F-4D97-AF65-F5344CB8AC3E}">
+        <p14:creationId xmlns:p14="http://schemas.microsoft.com/office/powerpoint/2010/main" val="1681692777"/>
+      </p:ext>
+    </p:extLst>
+  </p:cSld>
+  <p:clrMapOvr>
+    <a:masterClrMapping/>
+  </p:clrMapOvr>
+</p:sld>
+</file>
+
+<file path=ppt/slides/slide30.xml><?xml version="1.0" encoding="utf-8"?>
+<p:sld xmlns:a="http://schemas.openxmlformats.org/drawingml/2006/main" xmlns:r="http://schemas.openxmlformats.org/officeDocument/2006/relationships" xmlns:p="http://schemas.openxmlformats.org/presentationml/2006/main">
+  <p:cSld>
+    <p:spTree>
+      <p:nvGrpSpPr>
+        <p:cNvPr id="1" name=""/>
+        <p:cNvGrpSpPr/>
+        <p:nvPr/>
+      </p:nvGrpSpPr>
+      <p:grpSpPr>
+        <a:xfrm>
+          <a:off x="0" y="0"/>
+          <a:ext cx="0" cy="0"/>
+          <a:chOff x="0" y="0"/>
+          <a:chExt cx="0" cy="0"/>
+        </a:xfrm>
+      </p:grpSpPr>
+      <p:sp>
+        <p:nvSpPr>
+          <p:cNvPr id="2" name="Title 1"/>
+          <p:cNvSpPr>
+            <a:spLocks noGrp="1"/>
+          </p:cNvSpPr>
+          <p:nvPr>
             <p:ph type="title"/>
           </p:nvPr>
         </p:nvSpPr>
@@ -12841,7 +13496,7 @@
 </p:sld>
 </file>
 
-<file path=ppt/slides/slide29.xml><?xml version="1.0" encoding="utf-8"?>
+<file path=ppt/slides/slide31.xml><?xml version="1.0" encoding="utf-8"?>
 <p:sld xmlns:a="http://schemas.openxmlformats.org/drawingml/2006/main" xmlns:r="http://schemas.openxmlformats.org/officeDocument/2006/relationships" xmlns:p="http://schemas.openxmlformats.org/presentationml/2006/main">
   <p:cSld>
     <p:spTree>
@@ -12958,7 +13613,7 @@
 </p:sld>
 </file>
 
-<file path=ppt/slides/slide3.xml><?xml version="1.0" encoding="utf-8"?>
+<file path=ppt/slides/slide32.xml><?xml version="1.0" encoding="utf-8"?>
 <p:sld xmlns:a="http://schemas.openxmlformats.org/drawingml/2006/main" xmlns:r="http://schemas.openxmlformats.org/officeDocument/2006/relationships" xmlns:p="http://schemas.openxmlformats.org/presentationml/2006/main">
   <p:cSld>
     <p:spTree>
@@ -12992,121 +13647,6 @@
           <a:p>
             <a:r>
               <a:rPr lang="en-US" dirty="0"/>
-              <a:t>Today’s Outline</a:t>
-            </a:r>
-          </a:p>
-        </p:txBody>
-      </p:sp>
-      <p:sp>
-        <p:nvSpPr>
-          <p:cNvPr id="3" name="Content Placeholder 2"/>
-          <p:cNvSpPr>
-            <a:spLocks noGrp="1"/>
-          </p:cNvSpPr>
-          <p:nvPr>
-            <p:ph idx="1"/>
-          </p:nvPr>
-        </p:nvSpPr>
-        <p:spPr/>
-        <p:txBody>
-          <a:bodyPr>
-            <a:normAutofit/>
-          </a:bodyPr>
-          <a:lstStyle/>
-          <a:p>
-            <a:r>
-              <a:rPr lang="en-US" dirty="0"/>
-              <a:t>1.1 Machine learning: what and why?</a:t>
-            </a:r>
-          </a:p>
-          <a:p>
-            <a:pPr lvl="1"/>
-            <a:r>
-              <a:rPr lang="en-US" dirty="0"/>
-              <a:t>1.1.1 Types of machine learning</a:t>
-            </a:r>
-          </a:p>
-          <a:p>
-            <a:r>
-              <a:rPr lang="en-US" dirty="0"/>
-              <a:t>1.2 Supervised learning</a:t>
-            </a:r>
-          </a:p>
-          <a:p>
-            <a:pPr lvl="1"/>
-            <a:r>
-              <a:rPr lang="en-US" dirty="0"/>
-              <a:t>1.2.1 Classification</a:t>
-            </a:r>
-          </a:p>
-          <a:p>
-            <a:pPr lvl="1"/>
-            <a:r>
-              <a:rPr lang="en-US" dirty="0"/>
-              <a:t>1.2.2 Regression</a:t>
-            </a:r>
-          </a:p>
-          <a:p>
-            <a:r>
-              <a:rPr lang="en-US" dirty="0"/>
-              <a:t>1.3 Unsupervised learning</a:t>
-            </a:r>
-          </a:p>
-          <a:p>
-            <a:r>
-              <a:rPr lang="en-US" dirty="0"/>
-              <a:t>1.4 Some basic concepts in machine learning</a:t>
-            </a:r>
-          </a:p>
-        </p:txBody>
-      </p:sp>
-    </p:spTree>
-    <p:extLst>
-      <p:ext uri="{BB962C8B-B14F-4D97-AF65-F5344CB8AC3E}">
-        <p14:creationId xmlns:p14="http://schemas.microsoft.com/office/powerpoint/2010/main" val="129834447"/>
-      </p:ext>
-    </p:extLst>
-  </p:cSld>
-  <p:clrMapOvr>
-    <a:masterClrMapping/>
-  </p:clrMapOvr>
-</p:sld>
-</file>
-
-<file path=ppt/slides/slide30.xml><?xml version="1.0" encoding="utf-8"?>
-<p:sld xmlns:a="http://schemas.openxmlformats.org/drawingml/2006/main" xmlns:r="http://schemas.openxmlformats.org/officeDocument/2006/relationships" xmlns:p="http://schemas.openxmlformats.org/presentationml/2006/main">
-  <p:cSld>
-    <p:spTree>
-      <p:nvGrpSpPr>
-        <p:cNvPr id="1" name=""/>
-        <p:cNvGrpSpPr/>
-        <p:nvPr/>
-      </p:nvGrpSpPr>
-      <p:grpSpPr>
-        <a:xfrm>
-          <a:off x="0" y="0"/>
-          <a:ext cx="0" cy="0"/>
-          <a:chOff x="0" y="0"/>
-          <a:chExt cx="0" cy="0"/>
-        </a:xfrm>
-      </p:grpSpPr>
-      <p:sp>
-        <p:nvSpPr>
-          <p:cNvPr id="2" name="Title 1"/>
-          <p:cNvSpPr>
-            <a:spLocks noGrp="1"/>
-          </p:cNvSpPr>
-          <p:nvPr>
-            <p:ph type="title"/>
-          </p:nvPr>
-        </p:nvSpPr>
-        <p:spPr/>
-        <p:txBody>
-          <a:bodyPr/>
-          <a:lstStyle/>
-          <a:p>
-            <a:r>
-              <a:rPr lang="en-US" dirty="0"/>
               <a:t>1.4.3 The curse of dimensionality</a:t>
             </a:r>
           </a:p>
@@ -13178,7 +13718,7 @@
 </p:sld>
 </file>
 
-<file path=ppt/slides/slide31.xml><?xml version="1.0" encoding="utf-8"?>
+<file path=ppt/slides/slide33.xml><?xml version="1.0" encoding="utf-8"?>
 <p:sld xmlns:a="http://schemas.openxmlformats.org/drawingml/2006/main" xmlns:r="http://schemas.openxmlformats.org/officeDocument/2006/relationships" xmlns:p="http://schemas.openxmlformats.org/presentationml/2006/main">
   <p:cSld>
     <p:spTree>
@@ -13346,7 +13886,7 @@
 </p:sld>
 </file>
 
-<file path=ppt/slides/slide32.xml><?xml version="1.0" encoding="utf-8"?>
+<file path=ppt/slides/slide34.xml><?xml version="1.0" encoding="utf-8"?>
 <p:sld xmlns:a="http://schemas.openxmlformats.org/drawingml/2006/main" xmlns:r="http://schemas.openxmlformats.org/officeDocument/2006/relationships" xmlns:p="http://schemas.openxmlformats.org/presentationml/2006/main">
   <p:cSld>
     <p:spTree>
@@ -13471,7 +14011,7 @@
 </p:sld>
 </file>
 
-<file path=ppt/slides/slide33.xml><?xml version="1.0" encoding="utf-8"?>
+<file path=ppt/slides/slide35.xml><?xml version="1.0" encoding="utf-8"?>
 <p:sld xmlns:a="http://schemas.openxmlformats.org/drawingml/2006/main" xmlns:r="http://schemas.openxmlformats.org/officeDocument/2006/relationships" xmlns:p="http://schemas.openxmlformats.org/presentationml/2006/main" show="0">
   <p:cSld>
     <p:spTree>
@@ -13562,7 +14102,7 @@
           <a:p>
             <a:r>
               <a:rPr lang="en-US" dirty="0"/>
-              <a:t>we briefly describe two widely used examples; we will revisit these and other models in much greater depth later in the book.</a:t>
+              <a:t>we briefly describe two widely used examples; we will revisit these and other models in much greater depth later.</a:t>
             </a:r>
           </a:p>
         </p:txBody>
@@ -13580,7 +14120,7 @@
 </p:sld>
 </file>
 
-<file path=ppt/slides/slide34.xml><?xml version="1.0" encoding="utf-8"?>
+<file path=ppt/slides/slide36.xml><?xml version="1.0" encoding="utf-8"?>
 <p:sld xmlns:a="http://schemas.openxmlformats.org/drawingml/2006/main" xmlns:r="http://schemas.openxmlformats.org/officeDocument/2006/relationships" xmlns:p="http://schemas.openxmlformats.org/presentationml/2006/main">
   <p:cSld>
     <p:spTree>
@@ -13959,7 +14499,7 @@
 </p:sld>
 </file>
 
-<file path=ppt/slides/slide35.xml><?xml version="1.0" encoding="utf-8"?>
+<file path=ppt/slides/slide37.xml><?xml version="1.0" encoding="utf-8"?>
 <p:sld xmlns:a="http://schemas.openxmlformats.org/drawingml/2006/main" xmlns:r="http://schemas.openxmlformats.org/officeDocument/2006/relationships" xmlns:p="http://schemas.openxmlformats.org/presentationml/2006/main">
   <p:cSld>
     <p:spTree>
@@ -14076,7 +14616,7 @@
 </p:sld>
 </file>
 
-<file path=ppt/slides/slide36.xml><?xml version="1.0" encoding="utf-8"?>
+<file path=ppt/slides/slide38.xml><?xml version="1.0" encoding="utf-8"?>
 <p:sld xmlns:a="http://schemas.openxmlformats.org/drawingml/2006/main" xmlns:r="http://schemas.openxmlformats.org/officeDocument/2006/relationships" xmlns:p="http://schemas.openxmlformats.org/presentationml/2006/main">
   <p:cSld>
     <p:spTree>
@@ -14667,7 +15207,7 @@
 </p:sld>
 </file>
 
-<file path=ppt/slides/slide37.xml><?xml version="1.0" encoding="utf-8"?>
+<file path=ppt/slides/slide39.xml><?xml version="1.0" encoding="utf-8"?>
 <p:sld xmlns:a="http://schemas.openxmlformats.org/drawingml/2006/main" xmlns:r="http://schemas.openxmlformats.org/officeDocument/2006/relationships" xmlns:p="http://schemas.openxmlformats.org/presentationml/2006/main">
   <p:cSld>
     <p:spTree>
@@ -14805,7 +15345,116 @@
 </p:sld>
 </file>
 
-<file path=ppt/slides/slide38.xml><?xml version="1.0" encoding="utf-8"?>
+<file path=ppt/slides/slide4.xml><?xml version="1.0" encoding="utf-8"?>
+<p:sld xmlns:a="http://schemas.openxmlformats.org/drawingml/2006/main" xmlns:r="http://schemas.openxmlformats.org/officeDocument/2006/relationships" xmlns:p="http://schemas.openxmlformats.org/presentationml/2006/main">
+  <p:cSld>
+    <p:spTree>
+      <p:nvGrpSpPr>
+        <p:cNvPr id="1" name=""/>
+        <p:cNvGrpSpPr/>
+        <p:nvPr/>
+      </p:nvGrpSpPr>
+      <p:grpSpPr>
+        <a:xfrm>
+          <a:off x="0" y="0"/>
+          <a:ext cx="0" cy="0"/>
+          <a:chOff x="0" y="0"/>
+          <a:chExt cx="0" cy="0"/>
+        </a:xfrm>
+      </p:grpSpPr>
+      <p:sp>
+        <p:nvSpPr>
+          <p:cNvPr id="2" name="Title 1">
+            <a:extLst>
+              <a:ext uri="{FF2B5EF4-FFF2-40B4-BE49-F238E27FC236}">
+                <a16:creationId xmlns:a16="http://schemas.microsoft.com/office/drawing/2014/main" id="{6FE59A17-2645-D24B-B23B-F684781DD6A1}"/>
+              </a:ext>
+            </a:extLst>
+          </p:cNvPr>
+          <p:cNvSpPr>
+            <a:spLocks noGrp="1"/>
+          </p:cNvSpPr>
+          <p:nvPr>
+            <p:ph type="title"/>
+          </p:nvPr>
+        </p:nvSpPr>
+        <p:spPr/>
+        <p:txBody>
+          <a:bodyPr/>
+          <a:lstStyle/>
+          <a:p>
+            <a:r>
+              <a:rPr lang="en-US" b="1" dirty="0"/>
+              <a:t>Outcomes for week 1</a:t>
+            </a:r>
+            <a:endParaRPr lang="en-US" sz="4000" dirty="0"/>
+          </a:p>
+        </p:txBody>
+      </p:sp>
+      <p:sp>
+        <p:nvSpPr>
+          <p:cNvPr id="3" name="Content Placeholder 2">
+            <a:extLst>
+              <a:ext uri="{FF2B5EF4-FFF2-40B4-BE49-F238E27FC236}">
+                <a16:creationId xmlns:a16="http://schemas.microsoft.com/office/drawing/2014/main" id="{7335FAEF-F9E9-2945-9B45-50F28BA5E012}"/>
+              </a:ext>
+            </a:extLst>
+          </p:cNvPr>
+          <p:cNvSpPr>
+            <a:spLocks noGrp="1"/>
+          </p:cNvSpPr>
+          <p:nvPr>
+            <p:ph idx="1"/>
+          </p:nvPr>
+        </p:nvSpPr>
+        <p:spPr/>
+        <p:txBody>
+          <a:bodyPr>
+            <a:normAutofit/>
+          </a:bodyPr>
+          <a:lstStyle/>
+          <a:p>
+            <a:pPr marL="0" indent="0">
+              <a:buNone/>
+            </a:pPr>
+            <a:endParaRPr lang="en-US" sz="3600" dirty="0"/>
+          </a:p>
+          <a:p>
+            <a:r>
+              <a:rPr lang="en-US" sz="3600" dirty="0"/>
+              <a:t>Understand common learning paradigms </a:t>
+            </a:r>
+          </a:p>
+          <a:p>
+            <a:r>
+              <a:rPr lang="en-US" sz="3600" dirty="0"/>
+              <a:t>Be able to formulate a well-posed learning problem for a real-world task by identifying the task, performance measure, and training experience</a:t>
+            </a:r>
+          </a:p>
+          <a:p>
+            <a:pPr lvl="0"/>
+            <a:r>
+              <a:rPr lang="en-US" sz="3600" dirty="0"/>
+              <a:t>Identify Machine Learning in real-world scenarios</a:t>
+            </a:r>
+            <a:endParaRPr lang="en-US" sz="3200" dirty="0"/>
+          </a:p>
+        </p:txBody>
+      </p:sp>
+    </p:spTree>
+    <p:extLst>
+      <p:ext uri="{BB962C8B-B14F-4D97-AF65-F5344CB8AC3E}">
+        <p14:creationId xmlns:p14="http://schemas.microsoft.com/office/powerpoint/2010/main" val="3013561017"/>
+      </p:ext>
+    </p:extLst>
+  </p:cSld>
+  <p:clrMapOvr>
+    <a:masterClrMapping/>
+  </p:clrMapOvr>
+</p:sld>
+</file>
+
+<file path=ppt/slides/slide40.xml><?xml version="1.0" encoding="utf-8"?>
 <p:sld xmlns:a="http://schemas.openxmlformats.org/drawingml/2006/main" xmlns:r="http://schemas.openxmlformats.org/officeDocument/2006/relationships" xmlns:p="http://schemas.openxmlformats.org/presentationml/2006/main">
   <p:cSld>
     <p:spTree>
@@ -14886,7 +15535,7 @@
 </p:sld>
 </file>
 
-<file path=ppt/slides/slide39.xml><?xml version="1.0" encoding="utf-8"?>
+<file path=ppt/slides/slide41.xml><?xml version="1.0" encoding="utf-8"?>
 <p:sld xmlns:a="http://schemas.openxmlformats.org/drawingml/2006/main" xmlns:r="http://schemas.openxmlformats.org/officeDocument/2006/relationships" xmlns:p="http://schemas.openxmlformats.org/presentationml/2006/main">
   <p:cSld>
     <p:spTree>
@@ -15095,223 +15744,7 @@
 </p:sld>
 </file>
 
-<file path=ppt/slides/slide4.xml><?xml version="1.0" encoding="utf-8"?>
-<p:sld xmlns:a="http://schemas.openxmlformats.org/drawingml/2006/main" xmlns:r="http://schemas.openxmlformats.org/officeDocument/2006/relationships" xmlns:p="http://schemas.openxmlformats.org/presentationml/2006/main">
-  <p:cSld>
-    <p:spTree>
-      <p:nvGrpSpPr>
-        <p:cNvPr id="1" name=""/>
-        <p:cNvGrpSpPr/>
-        <p:nvPr/>
-      </p:nvGrpSpPr>
-      <p:grpSpPr>
-        <a:xfrm>
-          <a:off x="0" y="0"/>
-          <a:ext cx="0" cy="0"/>
-          <a:chOff x="0" y="0"/>
-          <a:chExt cx="0" cy="0"/>
-        </a:xfrm>
-      </p:grpSpPr>
-      <p:sp>
-        <p:nvSpPr>
-          <p:cNvPr id="2" name="Title 1"/>
-          <p:cNvSpPr>
-            <a:spLocks noGrp="1"/>
-          </p:cNvSpPr>
-          <p:nvPr>
-            <p:ph type="title"/>
-          </p:nvPr>
-        </p:nvSpPr>
-        <p:spPr/>
-        <p:txBody>
-          <a:bodyPr/>
-          <a:lstStyle/>
-          <a:p>
-            <a:r>
-              <a:rPr lang="en-US" dirty="0"/>
-              <a:t>1.1 Machine learning: what and why?</a:t>
-            </a:r>
-          </a:p>
-        </p:txBody>
-      </p:sp>
-      <p:sp>
-        <p:nvSpPr>
-          <p:cNvPr id="3" name="Content Placeholder 2"/>
-          <p:cNvSpPr>
-            <a:spLocks noGrp="1"/>
-          </p:cNvSpPr>
-          <p:nvPr>
-            <p:ph idx="1"/>
-          </p:nvPr>
-        </p:nvSpPr>
-        <p:spPr>
-          <a:xfrm>
-            <a:off x="838199" y="1825625"/>
-            <a:ext cx="11133667" cy="4351338"/>
-          </a:xfrm>
-        </p:spPr>
-        <p:txBody>
-          <a:bodyPr>
-            <a:normAutofit fontScale="92500"/>
-          </a:bodyPr>
-          <a:lstStyle/>
-          <a:p>
-            <a:pPr marL="0" indent="0">
-              <a:buNone/>
-            </a:pPr>
-            <a:r>
-              <a:rPr lang="en-US" dirty="0"/>
-              <a:t>“We are drowning in information and starving for knowledge.” — John </a:t>
-            </a:r>
-            <a:r>
-              <a:rPr lang="en-US" dirty="0" err="1"/>
-              <a:t>Naisbitt</a:t>
-            </a:r>
-            <a:r>
-              <a:rPr lang="en-US" dirty="0"/>
-              <a:t>.</a:t>
-            </a:r>
-          </a:p>
-          <a:p>
-            <a:pPr marL="0" indent="0">
-              <a:buNone/>
-            </a:pPr>
-            <a:endParaRPr lang="en-US" dirty="0"/>
-          </a:p>
-          <a:p>
-            <a:pPr marL="0" indent="0">
-              <a:buNone/>
-            </a:pPr>
-            <a:r>
-              <a:rPr lang="en-US" b="1" dirty="0"/>
-              <a:t>The era of big data</a:t>
-            </a:r>
-            <a:r>
-              <a:rPr lang="en-US" dirty="0"/>
-              <a:t>. This deluge of data calls for automated methods of data analysis, which is what </a:t>
-            </a:r>
-            <a:r>
-              <a:rPr lang="en-US" b="1" dirty="0"/>
-              <a:t>machine learning</a:t>
-            </a:r>
-            <a:r>
-              <a:rPr lang="en-US" dirty="0"/>
-              <a:t>  provides.</a:t>
-            </a:r>
-          </a:p>
-          <a:p>
-            <a:endParaRPr lang="en-US" dirty="0"/>
-          </a:p>
-          <a:p>
-            <a:pPr marL="0" indent="0">
-              <a:buNone/>
-            </a:pPr>
-            <a:r>
-              <a:rPr lang="en-US" dirty="0"/>
-              <a:t>Machine learning is defined as				Change the Example </a:t>
-            </a:r>
-          </a:p>
-          <a:p>
-            <a:pPr lvl="1"/>
-            <a:r>
-              <a:rPr lang="en-US" dirty="0"/>
-              <a:t>a </a:t>
-            </a:r>
-            <a:r>
-              <a:rPr lang="en-US" b="1" dirty="0"/>
-              <a:t>set of methods</a:t>
-            </a:r>
-            <a:r>
-              <a:rPr lang="en-US" dirty="0"/>
-              <a:t> that can</a:t>
-            </a:r>
-          </a:p>
-          <a:p>
-            <a:pPr lvl="1"/>
-            <a:r>
-              <a:rPr lang="en-US" b="1" dirty="0"/>
-              <a:t>automatically detect patterns</a:t>
-            </a:r>
-            <a:r>
-              <a:rPr lang="en-US" dirty="0"/>
-              <a:t> in data, and then </a:t>
-            </a:r>
-          </a:p>
-          <a:p>
-            <a:pPr lvl="1"/>
-            <a:r>
-              <a:rPr lang="en-US" dirty="0"/>
-              <a:t>use the uncovered patterns to </a:t>
-            </a:r>
-            <a:r>
-              <a:rPr lang="en-US" b="1" dirty="0"/>
-              <a:t>predict future data</a:t>
-            </a:r>
-            <a:r>
-              <a:rPr lang="en-US" dirty="0"/>
-              <a:t>, or to </a:t>
-            </a:r>
-          </a:p>
-          <a:p>
-            <a:pPr lvl="1"/>
-            <a:r>
-              <a:rPr lang="en-US" dirty="0"/>
-              <a:t>perform other kinds of decision making under uncertainty</a:t>
-            </a:r>
-          </a:p>
-        </p:txBody>
-      </p:sp>
-      <p:pic>
-        <p:nvPicPr>
-          <p:cNvPr id="4" name="Content Placeholder 3">
-            <a:hlinkClick r:id="rId3"/>
-            <a:extLst>
-              <a:ext uri="{FF2B5EF4-FFF2-40B4-BE49-F238E27FC236}">
-                <a16:creationId xmlns:a16="http://schemas.microsoft.com/office/drawing/2014/main" id="{C114A771-2C78-7B47-B206-85B99F8C8E48}"/>
-              </a:ext>
-            </a:extLst>
-          </p:cNvPr>
-          <p:cNvPicPr>
-            <a:picLocks noChangeAspect="1"/>
-          </p:cNvPicPr>
-          <p:nvPr/>
-        </p:nvPicPr>
-        <p:blipFill>
-          <a:blip r:embed="rId4">
-            <a:extLst>
-              <a:ext uri="{28A0092B-C50C-407E-A947-70E740481C1C}">
-                <a14:useLocalDpi xmlns:a14="http://schemas.microsoft.com/office/drawing/2010/main" val="0"/>
-              </a:ext>
-            </a:extLst>
-          </a:blip>
-          <a:stretch>
-            <a:fillRect/>
-          </a:stretch>
-        </p:blipFill>
-        <p:spPr>
-          <a:xfrm>
-            <a:off x="8883355" y="4485736"/>
-            <a:ext cx="3088511" cy="2243318"/>
-          </a:xfrm>
-          <a:prstGeom prst="rect">
-            <a:avLst/>
-          </a:prstGeom>
-        </p:spPr>
-      </p:pic>
-    </p:spTree>
-    <p:extLst>
-      <p:ext uri="{BB962C8B-B14F-4D97-AF65-F5344CB8AC3E}">
-        <p14:creationId xmlns:p14="http://schemas.microsoft.com/office/powerpoint/2010/main" val="1845708726"/>
-      </p:ext>
-    </p:extLst>
-  </p:cSld>
-  <p:clrMapOvr>
-    <a:masterClrMapping/>
-  </p:clrMapOvr>
-</p:sld>
-</file>
-
-<file path=ppt/slides/slide40.xml><?xml version="1.0" encoding="utf-8"?>
+<file path=ppt/slides/slide42.xml><?xml version="1.0" encoding="utf-8"?>
 <p:sld xmlns:a="http://schemas.openxmlformats.org/drawingml/2006/main" xmlns:r="http://schemas.openxmlformats.org/officeDocument/2006/relationships" xmlns:p="http://schemas.openxmlformats.org/presentationml/2006/main">
   <p:cSld>
     <p:spTree>
@@ -15700,7 +16133,7 @@
 </p:sld>
 </file>
 
-<file path=ppt/slides/slide41.xml><?xml version="1.0" encoding="utf-8"?>
+<file path=ppt/slides/slide43.xml><?xml version="1.0" encoding="utf-8"?>
 <p:sld xmlns:a="http://schemas.openxmlformats.org/drawingml/2006/main" xmlns:r="http://schemas.openxmlformats.org/officeDocument/2006/relationships" xmlns:p="http://schemas.openxmlformats.org/presentationml/2006/main">
   <p:cSld>
     <p:spTree>
@@ -15931,7 +16364,7 @@
 </p:sld>
 </file>
 
-<file path=ppt/slides/slide42.xml><?xml version="1.0" encoding="utf-8"?>
+<file path=ppt/slides/slide44.xml><?xml version="1.0" encoding="utf-8"?>
 <p:sld xmlns:a="http://schemas.openxmlformats.org/drawingml/2006/main" xmlns:r="http://schemas.openxmlformats.org/officeDocument/2006/relationships" xmlns:p="http://schemas.openxmlformats.org/presentationml/2006/main">
   <p:cSld>
     <p:spTree>
@@ -16350,7 +16783,7 @@
 </p:sld>
 </file>
 
-<file path=ppt/slides/slide43.xml><?xml version="1.0" encoding="utf-8"?>
+<file path=ppt/slides/slide45.xml><?xml version="1.0" encoding="utf-8"?>
 <p:sld xmlns:a="http://schemas.openxmlformats.org/drawingml/2006/main" xmlns:r="http://schemas.openxmlformats.org/officeDocument/2006/relationships" xmlns:p="http://schemas.openxmlformats.org/presentationml/2006/main">
   <p:cSld>
     <p:spTree>
@@ -16462,7 +16895,7 @@
 </p:sld>
 </file>
 
-<file path=ppt/slides/slide44.xml><?xml version="1.0" encoding="utf-8"?>
+<file path=ppt/slides/slide46.xml><?xml version="1.0" encoding="utf-8"?>
 <p:sld xmlns:a="http://schemas.openxmlformats.org/drawingml/2006/main" xmlns:r="http://schemas.openxmlformats.org/officeDocument/2006/relationships" xmlns:p="http://schemas.openxmlformats.org/presentationml/2006/main">
   <p:cSld>
     <p:spTree>
@@ -16586,7 +17019,7 @@
 </p:sld>
 </file>
 
-<file path=ppt/slides/slide45.xml><?xml version="1.0" encoding="utf-8"?>
+<file path=ppt/slides/slide47.xml><?xml version="1.0" encoding="utf-8"?>
 <p:sld xmlns:a="http://schemas.openxmlformats.org/drawingml/2006/main" xmlns:r="http://schemas.openxmlformats.org/officeDocument/2006/relationships" xmlns:p="http://schemas.openxmlformats.org/presentationml/2006/main">
   <p:cSld>
     <p:spTree>
@@ -16726,7 +17159,7 @@
 </p:sld>
 </file>
 
-<file path=ppt/slides/slide46.xml><?xml version="1.0" encoding="utf-8"?>
+<file path=ppt/slides/slide48.xml><?xml version="1.0" encoding="utf-8"?>
 <p:sld xmlns:a="http://schemas.openxmlformats.org/drawingml/2006/main" xmlns:r="http://schemas.openxmlformats.org/officeDocument/2006/relationships" xmlns:p="http://schemas.openxmlformats.org/presentationml/2006/main">
   <p:cSld>
     <p:spTree>
@@ -16893,7 +17326,7 @@
 </p:sld>
 </file>
 
-<file path=ppt/slides/slide47.xml><?xml version="1.0" encoding="utf-8"?>
+<file path=ppt/slides/slide49.xml><?xml version="1.0" encoding="utf-8"?>
 <p:sld xmlns:a="http://schemas.openxmlformats.org/drawingml/2006/main" xmlns:r="http://schemas.openxmlformats.org/officeDocument/2006/relationships" xmlns:p="http://schemas.openxmlformats.org/presentationml/2006/main">
   <p:cSld>
     <p:spTree>
@@ -16951,13 +17384,21 @@
           <a:p>
             <a:r>
               <a:rPr lang="en-US" dirty="0"/>
-              <a:t>Unfortunately, when training the model, we don’t have access to the test set, so we cannot use the test set to pick the model of the right complexity.</a:t>
-            </a:r>
-          </a:p>
-          <a:p>
-            <a:r>
-              <a:rPr lang="en-US" dirty="0"/>
-              <a:t>However, we can create a test set by partitioning the training set into two: the part used for training the model, and a second part, called the validation set , used for selecting the model complexity. </a:t>
+              <a:t>when training the model, we don’t have access to the test set, so we cannot use the test set to pick the model of the right complexity.</a:t>
+            </a:r>
+          </a:p>
+          <a:p>
+            <a:r>
+              <a:rPr lang="en-US" dirty="0"/>
+              <a:t>we can create a test set by partitioning the training set into two: the part used for training the model, and a second part, called the </a:t>
+            </a:r>
+            <a:r>
+              <a:rPr lang="en-US" b="1" dirty="0"/>
+              <a:t>validation set</a:t>
+            </a:r>
+            <a:r>
+              <a:rPr lang="en-US" dirty="0"/>
+              <a:t> , used for selecting the model complexity. </a:t>
             </a:r>
           </a:p>
           <a:p>
@@ -16987,7 +17428,122 @@
 </p:sld>
 </file>
 
-<file path=ppt/slides/slide48.xml><?xml version="1.0" encoding="utf-8"?>
+<file path=ppt/slides/slide5.xml><?xml version="1.0" encoding="utf-8"?>
+<p:sld xmlns:a="http://schemas.openxmlformats.org/drawingml/2006/main" xmlns:r="http://schemas.openxmlformats.org/officeDocument/2006/relationships" xmlns:p="http://schemas.openxmlformats.org/presentationml/2006/main">
+  <p:cSld>
+    <p:spTree>
+      <p:nvGrpSpPr>
+        <p:cNvPr id="1" name=""/>
+        <p:cNvGrpSpPr/>
+        <p:nvPr/>
+      </p:nvGrpSpPr>
+      <p:grpSpPr>
+        <a:xfrm>
+          <a:off x="0" y="0"/>
+          <a:ext cx="0" cy="0"/>
+          <a:chOff x="0" y="0"/>
+          <a:chExt cx="0" cy="0"/>
+        </a:xfrm>
+      </p:grpSpPr>
+      <p:sp>
+        <p:nvSpPr>
+          <p:cNvPr id="2" name="Title 1"/>
+          <p:cNvSpPr>
+            <a:spLocks noGrp="1"/>
+          </p:cNvSpPr>
+          <p:nvPr>
+            <p:ph type="title"/>
+          </p:nvPr>
+        </p:nvSpPr>
+        <p:spPr/>
+        <p:txBody>
+          <a:bodyPr/>
+          <a:lstStyle/>
+          <a:p>
+            <a:r>
+              <a:rPr lang="en-US" dirty="0"/>
+              <a:t>Today’s Outline</a:t>
+            </a:r>
+          </a:p>
+        </p:txBody>
+      </p:sp>
+      <p:sp>
+        <p:nvSpPr>
+          <p:cNvPr id="3" name="Content Placeholder 2"/>
+          <p:cNvSpPr>
+            <a:spLocks noGrp="1"/>
+          </p:cNvSpPr>
+          <p:nvPr>
+            <p:ph idx="1"/>
+          </p:nvPr>
+        </p:nvSpPr>
+        <p:spPr/>
+        <p:txBody>
+          <a:bodyPr>
+            <a:normAutofit/>
+          </a:bodyPr>
+          <a:lstStyle/>
+          <a:p>
+            <a:r>
+              <a:rPr lang="en-US" dirty="0"/>
+              <a:t>1.1 Machine learning: what and why?</a:t>
+            </a:r>
+          </a:p>
+          <a:p>
+            <a:pPr lvl="1"/>
+            <a:r>
+              <a:rPr lang="en-US" dirty="0"/>
+              <a:t>1.1.1 Types of machine learning</a:t>
+            </a:r>
+          </a:p>
+          <a:p>
+            <a:r>
+              <a:rPr lang="en-US" dirty="0"/>
+              <a:t>1.2 Supervised learning</a:t>
+            </a:r>
+          </a:p>
+          <a:p>
+            <a:pPr lvl="1"/>
+            <a:r>
+              <a:rPr lang="en-US" dirty="0"/>
+              <a:t>1.2.1 Classification</a:t>
+            </a:r>
+          </a:p>
+          <a:p>
+            <a:pPr lvl="1"/>
+            <a:r>
+              <a:rPr lang="en-US" dirty="0"/>
+              <a:t>1.2.2 Regression</a:t>
+            </a:r>
+          </a:p>
+          <a:p>
+            <a:r>
+              <a:rPr lang="en-US" dirty="0"/>
+              <a:t>1.3 Unsupervised learning</a:t>
+            </a:r>
+          </a:p>
+          <a:p>
+            <a:r>
+              <a:rPr lang="en-US" dirty="0"/>
+              <a:t>1.4 Some basic concepts in machine learning</a:t>
+            </a:r>
+          </a:p>
+        </p:txBody>
+      </p:sp>
+    </p:spTree>
+    <p:extLst>
+      <p:ext uri="{BB962C8B-B14F-4D97-AF65-F5344CB8AC3E}">
+        <p14:creationId xmlns:p14="http://schemas.microsoft.com/office/powerpoint/2010/main" val="129834447"/>
+      </p:ext>
+    </p:extLst>
+  </p:cSld>
+  <p:clrMapOvr>
+    <a:masterClrMapping/>
+  </p:clrMapOvr>
+</p:sld>
+</file>
+
+<file path=ppt/slides/slide50.xml><?xml version="1.0" encoding="utf-8"?>
 <p:sld xmlns:a="http://schemas.openxmlformats.org/drawingml/2006/main" xmlns:r="http://schemas.openxmlformats.org/officeDocument/2006/relationships" xmlns:p="http://schemas.openxmlformats.org/presentationml/2006/main">
   <p:cSld>
     <p:spTree>
@@ -17155,7 +17711,7 @@
 </p:sld>
 </file>
 
-<file path=ppt/slides/slide49.xml><?xml version="1.0" encoding="utf-8"?>
+<file path=ppt/slides/slide51.xml><?xml version="1.0" encoding="utf-8"?>
 <p:sld xmlns:a="http://schemas.openxmlformats.org/drawingml/2006/main" xmlns:r="http://schemas.openxmlformats.org/officeDocument/2006/relationships" xmlns:p="http://schemas.openxmlformats.org/presentationml/2006/main">
   <p:cSld>
     <p:spTree>
@@ -17248,150 +17804,7 @@
 </p:sld>
 </file>
 
-<file path=ppt/slides/slide5.xml><?xml version="1.0" encoding="utf-8"?>
-<p:sld xmlns:a="http://schemas.openxmlformats.org/drawingml/2006/main" xmlns:r="http://schemas.openxmlformats.org/officeDocument/2006/relationships" xmlns:p="http://schemas.openxmlformats.org/presentationml/2006/main">
-  <p:cSld>
-    <p:spTree>
-      <p:nvGrpSpPr>
-        <p:cNvPr id="1" name=""/>
-        <p:cNvGrpSpPr/>
-        <p:nvPr/>
-      </p:nvGrpSpPr>
-      <p:grpSpPr>
-        <a:xfrm>
-          <a:off x="0" y="0"/>
-          <a:ext cx="0" cy="0"/>
-          <a:chOff x="0" y="0"/>
-          <a:chExt cx="0" cy="0"/>
-        </a:xfrm>
-      </p:grpSpPr>
-      <p:sp>
-        <p:nvSpPr>
-          <p:cNvPr id="2" name="Title 1"/>
-          <p:cNvSpPr>
-            <a:spLocks noGrp="1"/>
-          </p:cNvSpPr>
-          <p:nvPr>
-            <p:ph type="title"/>
-          </p:nvPr>
-        </p:nvSpPr>
-        <p:spPr/>
-        <p:txBody>
-          <a:bodyPr/>
-          <a:lstStyle/>
-          <a:p>
-            <a:r>
-              <a:rPr lang="en-US" dirty="0"/>
-              <a:t>1.1 Machine learning: what and why? (cont.)</a:t>
-            </a:r>
-          </a:p>
-        </p:txBody>
-      </p:sp>
-      <p:sp>
-        <p:nvSpPr>
-          <p:cNvPr id="3" name="Content Placeholder 2"/>
-          <p:cNvSpPr>
-            <a:spLocks noGrp="1"/>
-          </p:cNvSpPr>
-          <p:nvPr>
-            <p:ph idx="1"/>
-          </p:nvPr>
-        </p:nvSpPr>
-        <p:spPr>
-          <a:xfrm>
-            <a:off x="838199" y="1825625"/>
-            <a:ext cx="11097987" cy="4351338"/>
-          </a:xfrm>
-        </p:spPr>
-        <p:txBody>
-          <a:bodyPr>
-            <a:normAutofit/>
-          </a:bodyPr>
-          <a:lstStyle/>
-          <a:p>
-            <a:r>
-              <a:rPr lang="en-US" dirty="0"/>
-              <a:t>The best way to solve such problems is to use the tools of </a:t>
-            </a:r>
-            <a:r>
-              <a:rPr lang="en-US" b="1" dirty="0"/>
-              <a:t>probability theory</a:t>
-            </a:r>
-            <a:r>
-              <a:rPr lang="en-US" dirty="0"/>
-              <a:t>. </a:t>
-            </a:r>
-          </a:p>
-          <a:p>
-            <a:pPr marL="0" indent="0">
-              <a:buNone/>
-            </a:pPr>
-            <a:endParaRPr lang="en-US" dirty="0"/>
-          </a:p>
-          <a:p>
-            <a:r>
-              <a:rPr lang="en-US" dirty="0"/>
-              <a:t>Probability theory can be applied to any problem involving uncertainty.</a:t>
-            </a:r>
-          </a:p>
-          <a:p>
-            <a:pPr marL="0" indent="0">
-              <a:buNone/>
-            </a:pPr>
-            <a:endParaRPr lang="en-US" dirty="0"/>
-          </a:p>
-          <a:p>
-            <a:r>
-              <a:rPr lang="en-US" dirty="0"/>
-              <a:t>In machine learning, uncertainty comes in many forms: </a:t>
-            </a:r>
-          </a:p>
-          <a:p>
-            <a:pPr lvl="1">
-              <a:buFont typeface="Courier New" charset="0"/>
-              <a:buChar char="o"/>
-            </a:pPr>
-            <a:r>
-              <a:rPr lang="en-US" dirty="0"/>
-              <a:t>what is the best prediction about the future given some past data? </a:t>
-            </a:r>
-          </a:p>
-          <a:p>
-            <a:pPr lvl="1">
-              <a:buFont typeface="Courier New" charset="0"/>
-              <a:buChar char="o"/>
-            </a:pPr>
-            <a:r>
-              <a:rPr lang="en-US" dirty="0"/>
-              <a:t>what is the best model to explain some data? </a:t>
-            </a:r>
-          </a:p>
-          <a:p>
-            <a:pPr lvl="1">
-              <a:buFont typeface="Courier New" charset="0"/>
-              <a:buChar char="o"/>
-            </a:pPr>
-            <a:r>
-              <a:rPr lang="en-US" dirty="0"/>
-              <a:t>what measurement should I perform next? etc. </a:t>
-            </a:r>
-          </a:p>
-        </p:txBody>
-      </p:sp>
-    </p:spTree>
-    <p:extLst>
-      <p:ext uri="{BB962C8B-B14F-4D97-AF65-F5344CB8AC3E}">
-        <p14:creationId xmlns:p14="http://schemas.microsoft.com/office/powerpoint/2010/main" val="1573496076"/>
-      </p:ext>
-    </p:extLst>
-  </p:cSld>
-  <p:clrMapOvr>
-    <a:masterClrMapping/>
-  </p:clrMapOvr>
-</p:sld>
-</file>
-
-<file path=ppt/slides/slide50.xml><?xml version="1.0" encoding="utf-8"?>
+<file path=ppt/slides/slide52.xml><?xml version="1.0" encoding="utf-8"?>
 <p:sld xmlns:a="http://schemas.openxmlformats.org/drawingml/2006/main" xmlns:r="http://schemas.openxmlformats.org/officeDocument/2006/relationships" xmlns:p="http://schemas.openxmlformats.org/presentationml/2006/main">
   <p:cSld>
     <p:spTree>
@@ -17521,7 +17934,7 @@
           <a:p>
             <a:r>
               <a:rPr lang="en-US" dirty="0"/>
-              <a:t>1.1 Machine learning: what and why? (cont.)</a:t>
+              <a:t>1.1 Machine learning: what and why?</a:t>
             </a:r>
           </a:p>
         </p:txBody>
@@ -17539,12 +17952,12 @@
         <p:spPr>
           <a:xfrm>
             <a:off x="838199" y="1825625"/>
-            <a:ext cx="10738757" cy="4351338"/>
+            <a:ext cx="11133667" cy="4351338"/>
           </a:xfrm>
         </p:spPr>
         <p:txBody>
           <a:bodyPr>
-            <a:normAutofit fontScale="92500" lnSpcReduction="20000"/>
+            <a:normAutofit fontScale="92500"/>
           </a:bodyPr>
           <a:lstStyle/>
           <a:p>
@@ -17552,28 +17965,16 @@
               <a:buNone/>
             </a:pPr>
             <a:r>
-              <a:rPr lang="en-US" b="1" dirty="0"/>
-              <a:t>What:</a:t>
-            </a:r>
-          </a:p>
-          <a:p>
-            <a:r>
-              <a:rPr lang="en-US" b="1" dirty="0"/>
-              <a:t>probabilistic models</a:t>
-            </a:r>
-            <a:r>
-              <a:rPr lang="en-US" dirty="0"/>
-              <a:t>, suitable for a wide variety of data and tasks. </a:t>
-            </a:r>
-          </a:p>
-          <a:p>
-            <a:r>
-              <a:rPr lang="en-US" b="1" dirty="0"/>
-              <a:t>algorithms for learning</a:t>
-            </a:r>
-            <a:r>
-              <a:rPr lang="en-US" dirty="0"/>
-              <a:t> and using such models.</a:t>
+              <a:rPr lang="en-US" dirty="0"/>
+              <a:t>“We are drowning in information and starving for knowledge.” — John </a:t>
+            </a:r>
+            <a:r>
+              <a:rPr lang="en-US" dirty="0" err="1"/>
+              <a:t>Naisbitt</a:t>
+            </a:r>
+            <a:r>
+              <a:rPr lang="en-US" dirty="0"/>
+              <a:t>.</a:t>
             </a:r>
           </a:p>
           <a:p>
@@ -17588,47 +17989,87 @@
             </a:pPr>
             <a:r>
               <a:rPr lang="en-US" b="1" dirty="0"/>
-              <a:t>Why:</a:t>
-            </a:r>
-          </a:p>
-          <a:p>
-            <a:r>
-              <a:rPr lang="en-US" dirty="0"/>
-              <a:t>ML has a system that is trained on some datasets that will eventually learn and improve if given a certain task. </a:t>
-            </a:r>
-          </a:p>
-          <a:p>
-            <a:r>
-              <a:rPr lang="en-US" dirty="0"/>
-              <a:t>ML is faster than human beings, it invests time and teaches itself from the data that is given to the machine, or from the mistakes it does. </a:t>
-            </a:r>
-          </a:p>
-          <a:p>
-            <a:r>
-              <a:rPr lang="en-US" dirty="0"/>
-              <a:t>In present, ML is used to </a:t>
+              <a:t>The era of big data</a:t>
+            </a:r>
+            <a:r>
+              <a:rPr lang="en-US" dirty="0"/>
+              <a:t>. This deluge of data calls for automated methods of data analysis, which is what </a:t>
             </a:r>
             <a:r>
               <a:rPr lang="en-US" b="1" dirty="0"/>
-              <a:t>discover the features of relevant data in disordered datasets</a:t>
-            </a:r>
-            <a:r>
-              <a:rPr lang="en-US" dirty="0"/>
-              <a:t>.</a:t>
-            </a:r>
+              <a:t>machine learning</a:t>
+            </a:r>
+            <a:r>
+              <a:rPr lang="en-US" dirty="0"/>
+              <a:t>  provides.</a:t>
+            </a:r>
+          </a:p>
+          <a:p>
+            <a:endParaRPr lang="en-US" dirty="0"/>
           </a:p>
           <a:p>
             <a:pPr marL="0" indent="0">
               <a:buNone/>
             </a:pPr>
-            <a:endParaRPr lang="en-US" dirty="0"/>
+            <a:r>
+              <a:rPr lang="en-US" dirty="0"/>
+              <a:t>Machine learning is defined as</a:t>
+            </a:r>
+          </a:p>
+          <a:p>
+            <a:pPr lvl="1"/>
+            <a:r>
+              <a:rPr lang="en-US" dirty="0"/>
+              <a:t>a </a:t>
+            </a:r>
+            <a:r>
+              <a:rPr lang="en-US" b="1" dirty="0"/>
+              <a:t>set of methods</a:t>
+            </a:r>
+            <a:r>
+              <a:rPr lang="en-US" dirty="0"/>
+              <a:t> that can</a:t>
+            </a:r>
+          </a:p>
+          <a:p>
+            <a:pPr lvl="1"/>
+            <a:r>
+              <a:rPr lang="en-US" b="1" dirty="0"/>
+              <a:t>automatically detect patterns</a:t>
+            </a:r>
+            <a:r>
+              <a:rPr lang="en-US" dirty="0"/>
+              <a:t> in data, and then </a:t>
+            </a:r>
+          </a:p>
+          <a:p>
+            <a:pPr lvl="1"/>
+            <a:r>
+              <a:rPr lang="en-US" dirty="0"/>
+              <a:t>use the uncovered patterns to </a:t>
+            </a:r>
+            <a:r>
+              <a:rPr lang="en-US" b="1" dirty="0"/>
+              <a:t>predict future data</a:t>
+            </a:r>
+            <a:r>
+              <a:rPr lang="en-US" dirty="0"/>
+              <a:t>, or to </a:t>
+            </a:r>
+          </a:p>
+          <a:p>
+            <a:pPr lvl="1"/>
+            <a:r>
+              <a:rPr lang="en-US" dirty="0"/>
+              <a:t>perform other kinds of decision making under uncertainty</a:t>
+            </a:r>
           </a:p>
         </p:txBody>
       </p:sp>
     </p:spTree>
     <p:extLst>
       <p:ext uri="{BB962C8B-B14F-4D97-AF65-F5344CB8AC3E}">
-        <p14:creationId xmlns:p14="http://schemas.microsoft.com/office/powerpoint/2010/main" val="1813519606"/>
+        <p14:creationId xmlns:p14="http://schemas.microsoft.com/office/powerpoint/2010/main" val="1845708726"/>
       </p:ext>
     </p:extLst>
   </p:cSld>
@@ -17667,6 +18108,33 @@
         </p:nvSpPr>
         <p:spPr/>
         <p:txBody>
+          <a:bodyPr/>
+          <a:lstStyle/>
+          <a:p>
+            <a:r>
+              <a:rPr lang="en-US" dirty="0"/>
+              <a:t>1.1 Machine learning: what and why? (cont.)</a:t>
+            </a:r>
+          </a:p>
+        </p:txBody>
+      </p:sp>
+      <p:sp>
+        <p:nvSpPr>
+          <p:cNvPr id="3" name="Content Placeholder 2"/>
+          <p:cNvSpPr>
+            <a:spLocks noGrp="1"/>
+          </p:cNvSpPr>
+          <p:nvPr>
+            <p:ph idx="1"/>
+          </p:nvPr>
+        </p:nvSpPr>
+        <p:spPr>
+          <a:xfrm>
+            <a:off x="838199" y="1825625"/>
+            <a:ext cx="11097987" cy="4351338"/>
+          </a:xfrm>
+        </p:spPr>
+        <p:txBody>
           <a:bodyPr>
             <a:normAutofit/>
           </a:bodyPr>
@@ -17674,50 +18142,69 @@
           <a:p>
             <a:r>
               <a:rPr lang="en-US" dirty="0"/>
-              <a:t>Why Not?</a:t>
-            </a:r>
-            <a:br>
-              <a:rPr lang="en-US" dirty="0"/>
-            </a:br>
-            <a:r>
-              <a:rPr lang="en-US" sz="2800" dirty="0"/>
-              <a:t>What are the disadvantages of Machine Learning?</a:t>
-            </a:r>
-          </a:p>
-        </p:txBody>
-      </p:sp>
-      <p:sp>
-        <p:nvSpPr>
-          <p:cNvPr id="3" name="Content Placeholder 2"/>
-          <p:cNvSpPr>
-            <a:spLocks noGrp="1"/>
-          </p:cNvSpPr>
-          <p:nvPr>
-            <p:ph idx="1"/>
-          </p:nvPr>
-        </p:nvSpPr>
-        <p:spPr/>
-        <p:txBody>
-          <a:bodyPr>
-            <a:normAutofit/>
-          </a:bodyPr>
-          <a:lstStyle/>
-          <a:p>
-            <a:r>
-              <a:rPr lang="en-US" dirty="0"/>
-              <a:t>It is not sure that ML algorithms will always work for every case. Sometimes ML will fail, so it needs to understand the problem at hand to apply ML algorithm in the right way. </a:t>
-            </a:r>
-          </a:p>
-          <a:p>
-            <a:r>
-              <a:rPr lang="en-US" dirty="0"/>
-              <a:t>Some ML algorithms require a lot of data such as deep learning algorithms. It may be exhausting to gain this large amount of data. Fortunately, there is a lot of data for training purposes</a:t>
-            </a:r>
-          </a:p>
-          <a:p>
-            <a:r>
-              <a:rPr lang="en-US" dirty="0"/>
-              <a:t>Knowing when and how to use a specific machine learning algorithm is important. There are simple and complex machine learning algorithms, so it's important to choose wisely between them.</a:t>
+              <a:t>The best way to solve such problems is to use the tools of </a:t>
+            </a:r>
+            <a:r>
+              <a:rPr lang="en-US" b="1" dirty="0"/>
+              <a:t>probability theory</a:t>
+            </a:r>
+            <a:r>
+              <a:rPr lang="en-US" dirty="0"/>
+              <a:t>. </a:t>
+            </a:r>
+          </a:p>
+          <a:p>
+            <a:pPr marL="0" indent="0">
+              <a:buNone/>
+            </a:pPr>
+            <a:endParaRPr lang="en-US" dirty="0"/>
+          </a:p>
+          <a:p>
+            <a:r>
+              <a:rPr lang="en-US" dirty="0"/>
+              <a:t>Probability theory can be applied to any problem involving uncertainty.</a:t>
+            </a:r>
+          </a:p>
+          <a:p>
+            <a:pPr marL="0" indent="0">
+              <a:buNone/>
+            </a:pPr>
+            <a:endParaRPr lang="en-US" dirty="0"/>
+          </a:p>
+          <a:p>
+            <a:r>
+              <a:rPr lang="en-US" dirty="0"/>
+              <a:t>In machine learning, uncertainty comes in many forms: </a:t>
+            </a:r>
+          </a:p>
+          <a:p>
+            <a:pPr lvl="1">
+              <a:buFont typeface="Courier New" charset="0"/>
+              <a:buChar char="o"/>
+            </a:pPr>
+            <a:r>
+              <a:rPr lang="en-US" dirty="0"/>
+              <a:t>what is the best prediction about the future given some past data? </a:t>
+            </a:r>
+          </a:p>
+          <a:p>
+            <a:pPr lvl="1">
+              <a:buFont typeface="Courier New" charset="0"/>
+              <a:buChar char="o"/>
+            </a:pPr>
+            <a:r>
+              <a:rPr lang="en-US" dirty="0"/>
+              <a:t>what is the best model to explain some data? </a:t>
+            </a:r>
+          </a:p>
+          <a:p>
+            <a:pPr lvl="1">
+              <a:buFont typeface="Courier New" charset="0"/>
+              <a:buChar char="o"/>
+            </a:pPr>
+            <a:r>
+              <a:rPr lang="en-US" dirty="0"/>
+              <a:t>what measurement should I perform next? etc. </a:t>
             </a:r>
           </a:p>
         </p:txBody>
@@ -17725,7 +18212,7 @@
     </p:spTree>
     <p:extLst>
       <p:ext uri="{BB962C8B-B14F-4D97-AF65-F5344CB8AC3E}">
-        <p14:creationId xmlns:p14="http://schemas.microsoft.com/office/powerpoint/2010/main" val="1338256816"/>
+        <p14:creationId xmlns:p14="http://schemas.microsoft.com/office/powerpoint/2010/main" val="1573496076"/>
       </p:ext>
     </p:extLst>
   </p:cSld>
@@ -17769,7 +18256,7 @@
           <a:p>
             <a:r>
               <a:rPr lang="en-US" dirty="0"/>
-              <a:t>What is Machine Learning?</a:t>
+              <a:t>1.1 Machine learning: what and why? (cont.)</a:t>
             </a:r>
           </a:p>
         </p:txBody>
@@ -17786,95 +18273,42 @@
         </p:nvSpPr>
         <p:spPr>
           <a:xfrm>
-            <a:off x="473529" y="1825624"/>
-            <a:ext cx="11217728" cy="4705805"/>
+            <a:off x="838199" y="1825625"/>
+            <a:ext cx="10738757" cy="4351338"/>
           </a:xfrm>
         </p:spPr>
         <p:txBody>
           <a:bodyPr>
-            <a:normAutofit lnSpcReduction="10000"/>
+            <a:normAutofit fontScale="92500" lnSpcReduction="20000"/>
           </a:bodyPr>
           <a:lstStyle/>
           <a:p>
-            <a:r>
-              <a:rPr lang="en-US" dirty="0"/>
-              <a:t>In 1959 Arthur Samuel described it as: </a:t>
-            </a:r>
-          </a:p>
-          <a:p>
-            <a:pPr marL="457200" lvl="1" indent="0">
+            <a:pPr marL="0" indent="0">
               <a:buNone/>
             </a:pPr>
             <a:r>
-              <a:rPr lang="en-US" dirty="0"/>
-              <a:t>"</a:t>
-            </a:r>
-            <a:r>
               <a:rPr lang="en-US" b="1" dirty="0"/>
-              <a:t>the field of study that gives computers the ability to learn without being explicitly programmed</a:t>
-            </a:r>
-            <a:r>
-              <a:rPr lang="en-US" dirty="0"/>
-              <a:t>.”</a:t>
-            </a:r>
-          </a:p>
-          <a:p>
-            <a:endParaRPr lang="en-US" dirty="0"/>
-          </a:p>
-          <a:p>
-            <a:r>
-              <a:rPr lang="en-US" dirty="0"/>
-              <a:t>Tom Mitchell provides a more modern definition: </a:t>
-            </a:r>
-          </a:p>
-          <a:p>
-            <a:pPr marL="457200" lvl="1" indent="0">
-              <a:buNone/>
-            </a:pPr>
-            <a:r>
-              <a:rPr lang="en-US" dirty="0"/>
-              <a:t>“</a:t>
-            </a:r>
+              <a:t>What:</a:t>
+            </a:r>
+          </a:p>
+          <a:p>
             <a:r>
               <a:rPr lang="en-US" b="1" dirty="0"/>
-              <a:t>A computer program is said to learn from experience E with respect to some class of tasks T and performance measure P, if its performance at tasks in T, as measured by P, improves with experience E.”</a:t>
-            </a:r>
-            <a:endParaRPr lang="en-US" dirty="0"/>
-          </a:p>
-          <a:p>
-            <a:pPr marL="457200" lvl="1" indent="0">
-              <a:buNone/>
-            </a:pPr>
-            <a:r>
-              <a:rPr lang="en-US" dirty="0"/>
-              <a:t>		  Example: playing checkers.</a:t>
-            </a:r>
-          </a:p>
-          <a:p>
-            <a:pPr marL="457200" lvl="1" indent="0">
-              <a:buNone/>
-            </a:pPr>
-            <a:r>
-              <a:rPr lang="en-US" dirty="0"/>
-              <a:t>		  E = the experience of playing many games of checkers</a:t>
-            </a:r>
-          </a:p>
-          <a:p>
-            <a:pPr marL="457200" lvl="1" indent="0">
-              <a:buNone/>
-            </a:pPr>
-            <a:r>
-              <a:rPr lang="en-US" dirty="0"/>
-              <a:t>		  T = the task of playing checkers.</a:t>
-            </a:r>
-          </a:p>
-          <a:p>
-            <a:pPr marL="457200" lvl="1" indent="0">
-              <a:buNone/>
-            </a:pPr>
-            <a:r>
-              <a:rPr lang="en-US" dirty="0"/>
-              <a:t>		  P = the probability that the program will win the next game.</a:t>
+              <a:t>probabilistic models</a:t>
+            </a:r>
+            <a:r>
+              <a:rPr lang="en-US" dirty="0"/>
+              <a:t>, suitable for a wide variety of data and tasks. </a:t>
+            </a:r>
+          </a:p>
+          <a:p>
+            <a:r>
+              <a:rPr lang="en-US" b="1" dirty="0"/>
+              <a:t>algorithms for learning</a:t>
+            </a:r>
+            <a:r>
+              <a:rPr lang="en-US" dirty="0"/>
+              <a:t> and using such models.</a:t>
             </a:r>
           </a:p>
           <a:p>
@@ -17883,53 +18317,53 @@
             </a:pPr>
             <a:endParaRPr lang="en-US" dirty="0"/>
           </a:p>
-        </p:txBody>
-      </p:sp>
-      <p:pic>
-        <p:nvPicPr>
-          <p:cNvPr id="3074" name="Picture 2" descr="http://m.itsyourturn.com/help/kxsetup.gif"/>
-          <p:cNvPicPr>
-            <a:picLocks noChangeAspect="1" noChangeArrowheads="1"/>
-          </p:cNvPicPr>
-          <p:nvPr/>
-        </p:nvPicPr>
-        <p:blipFill>
-          <a:blip r:embed="rId3">
-            <a:extLst>
-              <a:ext uri="{28A0092B-C50C-407E-A947-70E740481C1C}">
-                <a14:useLocalDpi xmlns:a14="http://schemas.microsoft.com/office/drawing/2010/main" val="0"/>
-              </a:ext>
-            </a:extLst>
-          </a:blip>
-          <a:srcRect/>
-          <a:stretch>
-            <a:fillRect/>
-          </a:stretch>
-        </p:blipFill>
-        <p:spPr bwMode="auto">
-          <a:xfrm>
-            <a:off x="1001486" y="4750506"/>
-            <a:ext cx="1534886" cy="1581804"/>
-          </a:xfrm>
-          <a:prstGeom prst="rect">
-            <a:avLst/>
-          </a:prstGeom>
-          <a:noFill/>
-          <a:extLst>
-            <a:ext uri="{909E8E84-426E-40DD-AFC4-6F175D3DCCD1}">
-              <a14:hiddenFill xmlns:a14="http://schemas.microsoft.com/office/drawing/2010/main">
-                <a:solidFill>
-                  <a:srgbClr val="FFFFFF"/>
-                </a:solidFill>
-              </a14:hiddenFill>
-            </a:ext>
-          </a:extLst>
-        </p:spPr>
-      </p:pic>
+          <a:p>
+            <a:pPr marL="0" indent="0">
+              <a:buNone/>
+            </a:pPr>
+            <a:r>
+              <a:rPr lang="en-US" b="1" dirty="0"/>
+              <a:t>Why:</a:t>
+            </a:r>
+          </a:p>
+          <a:p>
+            <a:r>
+              <a:rPr lang="en-US" dirty="0"/>
+              <a:t>ML has a system that is trained on some datasets that will eventually learn and improve if given a certain task. </a:t>
+            </a:r>
+          </a:p>
+          <a:p>
+            <a:r>
+              <a:rPr lang="en-US" dirty="0"/>
+              <a:t>ML is faster than human beings, it invests time and teaches itself from the data that is given to the machine, or from the mistakes it does. </a:t>
+            </a:r>
+          </a:p>
+          <a:p>
+            <a:r>
+              <a:rPr lang="en-US" dirty="0"/>
+              <a:t>In present, ML is used to </a:t>
+            </a:r>
+            <a:r>
+              <a:rPr lang="en-US" b="1" dirty="0"/>
+              <a:t>discover the features of relevant data in disordered datasets</a:t>
+            </a:r>
+            <a:r>
+              <a:rPr lang="en-US" dirty="0"/>
+              <a:t>.</a:t>
+            </a:r>
+          </a:p>
+          <a:p>
+            <a:pPr marL="0" indent="0">
+              <a:buNone/>
+            </a:pPr>
+            <a:endParaRPr lang="en-US" dirty="0"/>
+          </a:p>
+        </p:txBody>
+      </p:sp>
     </p:spTree>
     <p:extLst>
       <p:ext uri="{BB962C8B-B14F-4D97-AF65-F5344CB8AC3E}">
-        <p14:creationId xmlns:p14="http://schemas.microsoft.com/office/powerpoint/2010/main" val="562344749"/>
+        <p14:creationId xmlns:p14="http://schemas.microsoft.com/office/powerpoint/2010/main" val="1813519606"/>
       </p:ext>
     </p:extLst>
   </p:cSld>
@@ -17940,7 +18374,7 @@
 </file>
 
 <file path=ppt/slides/slide9.xml><?xml version="1.0" encoding="utf-8"?>
-<p:sld xmlns:a="http://schemas.openxmlformats.org/drawingml/2006/main" xmlns:r="http://schemas.openxmlformats.org/officeDocument/2006/relationships" xmlns:p="http://schemas.openxmlformats.org/presentationml/2006/main" show="0">
+<p:sld xmlns:a="http://schemas.openxmlformats.org/drawingml/2006/main" xmlns:r="http://schemas.openxmlformats.org/officeDocument/2006/relationships" xmlns:p="http://schemas.openxmlformats.org/presentationml/2006/main">
   <p:cSld>
     <p:spTree>
       <p:nvGrpSpPr>
@@ -17956,40 +18390,77 @@
           <a:chExt cx="0" cy="0"/>
         </a:xfrm>
       </p:grpSpPr>
-      <p:pic>
-        <p:nvPicPr>
-          <p:cNvPr id="4" name="Picture 3"/>
-          <p:cNvPicPr>
-            <a:picLocks noChangeAspect="1"/>
-          </p:cNvPicPr>
-          <p:nvPr/>
-        </p:nvPicPr>
-        <p:blipFill>
-          <a:blip r:embed="rId3">
-            <a:extLst>
-              <a:ext uri="{28A0092B-C50C-407E-A947-70E740481C1C}">
-                <a14:useLocalDpi xmlns:a14="http://schemas.microsoft.com/office/drawing/2010/main" val="0"/>
-              </a:ext>
-            </a:extLst>
-          </a:blip>
-          <a:stretch>
-            <a:fillRect/>
-          </a:stretch>
-        </p:blipFill>
-        <p:spPr>
-          <a:xfrm>
-            <a:off x="2213120" y="0"/>
-            <a:ext cx="7594908" cy="6858000"/>
-          </a:xfrm>
-          <a:prstGeom prst="rect">
-            <a:avLst/>
-          </a:prstGeom>
-        </p:spPr>
-      </p:pic>
+      <p:sp>
+        <p:nvSpPr>
+          <p:cNvPr id="2" name="Title 1"/>
+          <p:cNvSpPr>
+            <a:spLocks noGrp="1"/>
+          </p:cNvSpPr>
+          <p:nvPr>
+            <p:ph type="title"/>
+          </p:nvPr>
+        </p:nvSpPr>
+        <p:spPr/>
+        <p:txBody>
+          <a:bodyPr>
+            <a:normAutofit/>
+          </a:bodyPr>
+          <a:lstStyle/>
+          <a:p>
+            <a:r>
+              <a:rPr lang="en-US" dirty="0"/>
+              <a:t>Why Not?</a:t>
+            </a:r>
+            <a:br>
+              <a:rPr lang="en-US" dirty="0"/>
+            </a:br>
+            <a:r>
+              <a:rPr lang="en-US" sz="2800" dirty="0"/>
+              <a:t>What are the disadvantages of Machine Learning?</a:t>
+            </a:r>
+          </a:p>
+        </p:txBody>
+      </p:sp>
+      <p:sp>
+        <p:nvSpPr>
+          <p:cNvPr id="3" name="Content Placeholder 2"/>
+          <p:cNvSpPr>
+            <a:spLocks noGrp="1"/>
+          </p:cNvSpPr>
+          <p:nvPr>
+            <p:ph idx="1"/>
+          </p:nvPr>
+        </p:nvSpPr>
+        <p:spPr/>
+        <p:txBody>
+          <a:bodyPr>
+            <a:normAutofit/>
+          </a:bodyPr>
+          <a:lstStyle/>
+          <a:p>
+            <a:r>
+              <a:rPr lang="en-US" dirty="0"/>
+              <a:t>It is not sure that ML algorithms will always work for every case. Sometimes ML will fail, so it needs to understand the problem at hand to apply ML algorithm in the right way. </a:t>
+            </a:r>
+          </a:p>
+          <a:p>
+            <a:r>
+              <a:rPr lang="en-US" dirty="0"/>
+              <a:t>Some ML algorithms require a lot of data such as deep learning algorithms. It may be exhausting to gain this large amount of data. Fortunately, there is a lot of data for training purposes</a:t>
+            </a:r>
+          </a:p>
+          <a:p>
+            <a:r>
+              <a:rPr lang="en-US" dirty="0"/>
+              <a:t>Knowing when and how to use a specific machine learning algorithm is important. There are simple and complex machine learning algorithms, so it's important to choose wisely between them.</a:t>
+            </a:r>
+          </a:p>
+        </p:txBody>
+      </p:sp>
     </p:spTree>
     <p:extLst>
       <p:ext uri="{BB962C8B-B14F-4D97-AF65-F5344CB8AC3E}">
-        <p14:creationId xmlns:p14="http://schemas.microsoft.com/office/powerpoint/2010/main" val="931287248"/>
+        <p14:creationId xmlns:p14="http://schemas.microsoft.com/office/powerpoint/2010/main" val="1338256816"/>
       </p:ext>
     </p:extLst>
   </p:cSld>

--- a/ml19/week1/ML_Ch1_v1.2.pptx
+++ b/ml19/week1/ML_Ch1_v1.2.pptx
@@ -9090,7 +9090,9 @@
         </p:nvSpPr>
         <p:spPr/>
         <p:txBody>
-          <a:bodyPr/>
+          <a:bodyPr>
+            <a:normAutofit lnSpcReduction="10000"/>
+          </a:bodyPr>
           <a:lstStyle/>
           <a:p>
             <a:r>
@@ -9100,6 +9102,12 @@
           </a:p>
           <a:p>
             <a:endParaRPr lang="en-US" dirty="0"/>
+          </a:p>
+          <a:p>
+            <a:r>
+              <a:rPr lang="en-US" dirty="0"/>
+              <a:t>Course Overview</a:t>
+            </a:r>
           </a:p>
           <a:p>
             <a:r>
